--- a/approx_solution/presentation/approximation_presentation.pptx
+++ b/approx_solution/presentation/approximation_presentation.pptx
@@ -2,10 +2,18 @@
 <file path=ppt/presentation.xml><?xml version="1.0" encoding="utf-8"?>
 <p:presentation xmlns:a="http://schemas.openxmlformats.org/drawingml/2006/main" xmlns:r="http://schemas.openxmlformats.org/officeDocument/2006/relationships" xmlns:p="http://schemas.openxmlformats.org/presentationml/2006/main" saveSubsetFonts="1">
   <p:sldMasterIdLst>
-    <p:sldMasterId id="2147483648" r:id="rId1"/>
+    <p:sldMasterId id="2147483781" r:id="rId1"/>
   </p:sldMasterIdLst>
   <p:sldIdLst>
     <p:sldId id="256" r:id="rId2"/>
+    <p:sldId id="257" r:id="rId3"/>
+    <p:sldId id="258" r:id="rId4"/>
+    <p:sldId id="259" r:id="rId5"/>
+    <p:sldId id="260" r:id="rId6"/>
+    <p:sldId id="261" r:id="rId7"/>
+    <p:sldId id="262" r:id="rId8"/>
+    <p:sldId id="263" r:id="rId9"/>
+    <p:sldId id="264" r:id="rId10"/>
   </p:sldIdLst>
   <p:sldSz cx="12192000" cy="6858000"/>
   <p:notesSz cx="6858000" cy="9144000"/>
@@ -13,7 +21,7 @@
     <a:defPPr>
       <a:defRPr lang="en-US"/>
     </a:defPPr>
-    <a:lvl1pPr marL="0" algn="l" defTabSz="914400" rtl="0" eaLnBrk="1" latinLnBrk="0" hangingPunct="1">
+    <a:lvl1pPr marL="0" algn="l" defTabSz="457200" rtl="0" eaLnBrk="1" latinLnBrk="0" hangingPunct="1">
       <a:defRPr sz="1800" kern="1200">
         <a:solidFill>
           <a:schemeClr val="tx1"/>
@@ -23,7 +31,7 @@
         <a:cs typeface="+mn-cs"/>
       </a:defRPr>
     </a:lvl1pPr>
-    <a:lvl2pPr marL="457200" algn="l" defTabSz="914400" rtl="0" eaLnBrk="1" latinLnBrk="0" hangingPunct="1">
+    <a:lvl2pPr marL="457200" algn="l" defTabSz="457200" rtl="0" eaLnBrk="1" latinLnBrk="0" hangingPunct="1">
       <a:defRPr sz="1800" kern="1200">
         <a:solidFill>
           <a:schemeClr val="tx1"/>
@@ -33,7 +41,7 @@
         <a:cs typeface="+mn-cs"/>
       </a:defRPr>
     </a:lvl2pPr>
-    <a:lvl3pPr marL="914400" algn="l" defTabSz="914400" rtl="0" eaLnBrk="1" latinLnBrk="0" hangingPunct="1">
+    <a:lvl3pPr marL="914400" algn="l" defTabSz="457200" rtl="0" eaLnBrk="1" latinLnBrk="0" hangingPunct="1">
       <a:defRPr sz="1800" kern="1200">
         <a:solidFill>
           <a:schemeClr val="tx1"/>
@@ -43,7 +51,7 @@
         <a:cs typeface="+mn-cs"/>
       </a:defRPr>
     </a:lvl3pPr>
-    <a:lvl4pPr marL="1371600" algn="l" defTabSz="914400" rtl="0" eaLnBrk="1" latinLnBrk="0" hangingPunct="1">
+    <a:lvl4pPr marL="1371600" algn="l" defTabSz="457200" rtl="0" eaLnBrk="1" latinLnBrk="0" hangingPunct="1">
       <a:defRPr sz="1800" kern="1200">
         <a:solidFill>
           <a:schemeClr val="tx1"/>
@@ -53,7 +61,7 @@
         <a:cs typeface="+mn-cs"/>
       </a:defRPr>
     </a:lvl4pPr>
-    <a:lvl5pPr marL="1828800" algn="l" defTabSz="914400" rtl="0" eaLnBrk="1" latinLnBrk="0" hangingPunct="1">
+    <a:lvl5pPr marL="1828800" algn="l" defTabSz="457200" rtl="0" eaLnBrk="1" latinLnBrk="0" hangingPunct="1">
       <a:defRPr sz="1800" kern="1200">
         <a:solidFill>
           <a:schemeClr val="tx1"/>
@@ -63,7 +71,7 @@
         <a:cs typeface="+mn-cs"/>
       </a:defRPr>
     </a:lvl5pPr>
-    <a:lvl6pPr marL="2286000" algn="l" defTabSz="914400" rtl="0" eaLnBrk="1" latinLnBrk="0" hangingPunct="1">
+    <a:lvl6pPr marL="2286000" algn="l" defTabSz="457200" rtl="0" eaLnBrk="1" latinLnBrk="0" hangingPunct="1">
       <a:defRPr sz="1800" kern="1200">
         <a:solidFill>
           <a:schemeClr val="tx1"/>
@@ -73,7 +81,7 @@
         <a:cs typeface="+mn-cs"/>
       </a:defRPr>
     </a:lvl6pPr>
-    <a:lvl7pPr marL="2743200" algn="l" defTabSz="914400" rtl="0" eaLnBrk="1" latinLnBrk="0" hangingPunct="1">
+    <a:lvl7pPr marL="2743200" algn="l" defTabSz="457200" rtl="0" eaLnBrk="1" latinLnBrk="0" hangingPunct="1">
       <a:defRPr sz="1800" kern="1200">
         <a:solidFill>
           <a:schemeClr val="tx1"/>
@@ -83,7 +91,7 @@
         <a:cs typeface="+mn-cs"/>
       </a:defRPr>
     </a:lvl7pPr>
-    <a:lvl8pPr marL="3200400" algn="l" defTabSz="914400" rtl="0" eaLnBrk="1" latinLnBrk="0" hangingPunct="1">
+    <a:lvl8pPr marL="3200400" algn="l" defTabSz="457200" rtl="0" eaLnBrk="1" latinLnBrk="0" hangingPunct="1">
       <a:defRPr sz="1800" kern="1200">
         <a:solidFill>
           <a:schemeClr val="tx1"/>
@@ -93,7 +101,7 @@
         <a:cs typeface="+mn-cs"/>
       </a:defRPr>
     </a:lvl8pPr>
-    <a:lvl9pPr marL="3657600" algn="l" defTabSz="914400" rtl="0" eaLnBrk="1" latinLnBrk="0" hangingPunct="1">
+    <a:lvl9pPr marL="3657600" algn="l" defTabSz="457200" rtl="0" eaLnBrk="1" latinLnBrk="0" hangingPunct="1">
       <a:defRPr sz="1800" kern="1200">
         <a:solidFill>
           <a:schemeClr val="tx1"/>
@@ -104,6 +112,11 @@
       </a:defRPr>
     </a:lvl9pPr>
   </p:defaultTextStyle>
+  <p:extLst>
+    <p:ext uri="{EFAFB233-063F-42B5-8137-9DF3F51BA10A}">
+      <p15:sldGuideLst xmlns:p15="http://schemas.microsoft.com/office/powerpoint/2012/main"/>
+    </p:ext>
+  </p:extLst>
 </p:presentation>
 </file>
 
@@ -111,17 +124,353 @@
 <pc:chgInfo xmlns:a="http://schemas.openxmlformats.org/drawingml/2006/main" xmlns:r="http://schemas.openxmlformats.org/officeDocument/2006/relationships" xmlns:ac="http://schemas.microsoft.com/office/drawing/2013/main/command" xmlns:pc="http://schemas.microsoft.com/office/powerpoint/2013/main/command">
   <pc:docChgLst>
     <pc:chgData name="Luke Davis" userId="8f85ffe33d4baa21" providerId="LiveId" clId="{A8FC2011-CD90-4B49-A155-00C7FBC1E699}"/>
-    <pc:docChg chg="addSld">
-      <pc:chgData name="Luke Davis" userId="8f85ffe33d4baa21" providerId="LiveId" clId="{A8FC2011-CD90-4B49-A155-00C7FBC1E699}" dt="2024-12-03T17:22:04.502" v="0" actId="680"/>
+    <pc:docChg chg="undo custSel addSld modSld">
+      <pc:chgData name="Luke Davis" userId="8f85ffe33d4baa21" providerId="LiveId" clId="{A8FC2011-CD90-4B49-A155-00C7FBC1E699}" dt="2024-12-06T03:29:03.537" v="467" actId="1076"/>
       <pc:docMkLst>
         <pc:docMk/>
       </pc:docMkLst>
-      <pc:sldChg chg="new">
-        <pc:chgData name="Luke Davis" userId="8f85ffe33d4baa21" providerId="LiveId" clId="{A8FC2011-CD90-4B49-A155-00C7FBC1E699}" dt="2024-12-03T17:22:04.502" v="0" actId="680"/>
+      <pc:sldChg chg="delSp modSp new mod">
+        <pc:chgData name="Luke Davis" userId="8f85ffe33d4baa21" providerId="LiveId" clId="{A8FC2011-CD90-4B49-A155-00C7FBC1E699}" dt="2024-12-06T02:16:54.006" v="76" actId="27636"/>
         <pc:sldMkLst>
           <pc:docMk/>
           <pc:sldMk cId="2637747394" sldId="256"/>
         </pc:sldMkLst>
+        <pc:spChg chg="mod">
+          <ac:chgData name="Luke Davis" userId="8f85ffe33d4baa21" providerId="LiveId" clId="{A8FC2011-CD90-4B49-A155-00C7FBC1E699}" dt="2024-12-06T02:16:54.006" v="76" actId="27636"/>
+          <ac:spMkLst>
+            <pc:docMk/>
+            <pc:sldMk cId="2637747394" sldId="256"/>
+            <ac:spMk id="2" creationId="{F162FE16-23B7-8F88-F5D2-C845E6B32EE8}"/>
+          </ac:spMkLst>
+        </pc:spChg>
+        <pc:spChg chg="del">
+          <ac:chgData name="Luke Davis" userId="8f85ffe33d4baa21" providerId="LiveId" clId="{A8FC2011-CD90-4B49-A155-00C7FBC1E699}" dt="2024-12-06T02:09:47.917" v="2" actId="478"/>
+          <ac:spMkLst>
+            <pc:docMk/>
+            <pc:sldMk cId="2637747394" sldId="256"/>
+            <ac:spMk id="3" creationId="{E504AD74-53F5-8A88-FDA4-78BB745C4358}"/>
+          </ac:spMkLst>
+        </pc:spChg>
+      </pc:sldChg>
+      <pc:sldChg chg="addSp modSp new mod">
+        <pc:chgData name="Luke Davis" userId="8f85ffe33d4baa21" providerId="LiveId" clId="{A8FC2011-CD90-4B49-A155-00C7FBC1E699}" dt="2024-12-06T02:17:02.546" v="78" actId="1076"/>
+        <pc:sldMkLst>
+          <pc:docMk/>
+          <pc:sldMk cId="1810074082" sldId="257"/>
+        </pc:sldMkLst>
+        <pc:spChg chg="mod">
+          <ac:chgData name="Luke Davis" userId="8f85ffe33d4baa21" providerId="LiveId" clId="{A8FC2011-CD90-4B49-A155-00C7FBC1E699}" dt="2024-12-06T02:16:53.988" v="75" actId="27636"/>
+          <ac:spMkLst>
+            <pc:docMk/>
+            <pc:sldMk cId="1810074082" sldId="257"/>
+            <ac:spMk id="2" creationId="{B447DCCD-841B-FF88-9B83-F898A034CB02}"/>
+          </ac:spMkLst>
+        </pc:spChg>
+        <pc:spChg chg="add mod">
+          <ac:chgData name="Luke Davis" userId="8f85ffe33d4baa21" providerId="LiveId" clId="{A8FC2011-CD90-4B49-A155-00C7FBC1E699}" dt="2024-12-06T02:17:02.546" v="78" actId="1076"/>
+          <ac:spMkLst>
+            <pc:docMk/>
+            <pc:sldMk cId="1810074082" sldId="257"/>
+            <ac:spMk id="3" creationId="{7038A72F-0F8F-780B-14FB-6E5F1CA04543}"/>
+          </ac:spMkLst>
+        </pc:spChg>
+      </pc:sldChg>
+      <pc:sldChg chg="modSp add mod">
+        <pc:chgData name="Luke Davis" userId="8f85ffe33d4baa21" providerId="LiveId" clId="{A8FC2011-CD90-4B49-A155-00C7FBC1E699}" dt="2024-12-06T02:17:35.327" v="83" actId="1076"/>
+        <pc:sldMkLst>
+          <pc:docMk/>
+          <pc:sldMk cId="2576681312" sldId="258"/>
+        </pc:sldMkLst>
+        <pc:spChg chg="mod">
+          <ac:chgData name="Luke Davis" userId="8f85ffe33d4baa21" providerId="LiveId" clId="{A8FC2011-CD90-4B49-A155-00C7FBC1E699}" dt="2024-12-06T02:17:35.327" v="83" actId="1076"/>
+          <ac:spMkLst>
+            <pc:docMk/>
+            <pc:sldMk cId="2576681312" sldId="258"/>
+            <ac:spMk id="3" creationId="{D039C788-A84E-7409-F4EB-4956470C561A}"/>
+          </ac:spMkLst>
+        </pc:spChg>
+      </pc:sldChg>
+      <pc:sldChg chg="addSp modSp new mod">
+        <pc:chgData name="Luke Davis" userId="8f85ffe33d4baa21" providerId="LiveId" clId="{A8FC2011-CD90-4B49-A155-00C7FBC1E699}" dt="2024-12-06T02:25:46.688" v="227" actId="14100"/>
+        <pc:sldMkLst>
+          <pc:docMk/>
+          <pc:sldMk cId="2032507214" sldId="259"/>
+        </pc:sldMkLst>
+        <pc:spChg chg="mod">
+          <ac:chgData name="Luke Davis" userId="8f85ffe33d4baa21" providerId="LiveId" clId="{A8FC2011-CD90-4B49-A155-00C7FBC1E699}" dt="2024-12-06T02:21:50.847" v="94" actId="20577"/>
+          <ac:spMkLst>
+            <pc:docMk/>
+            <pc:sldMk cId="2032507214" sldId="259"/>
+            <ac:spMk id="2" creationId="{8419F9C1-480F-7353-9AE5-A3AD7C7E7336}"/>
+          </ac:spMkLst>
+        </pc:spChg>
+        <pc:spChg chg="mod">
+          <ac:chgData name="Luke Davis" userId="8f85ffe33d4baa21" providerId="LiveId" clId="{A8FC2011-CD90-4B49-A155-00C7FBC1E699}" dt="2024-12-06T02:25:46.688" v="227" actId="14100"/>
+          <ac:spMkLst>
+            <pc:docMk/>
+            <pc:sldMk cId="2032507214" sldId="259"/>
+            <ac:spMk id="3" creationId="{39FE5285-EEF5-A867-946E-CA98BA0CB349}"/>
+          </ac:spMkLst>
+        </pc:spChg>
+        <pc:spChg chg="add">
+          <ac:chgData name="Luke Davis" userId="8f85ffe33d4baa21" providerId="LiveId" clId="{A8FC2011-CD90-4B49-A155-00C7FBC1E699}" dt="2024-12-06T02:25:23.333" v="221"/>
+          <ac:spMkLst>
+            <pc:docMk/>
+            <pc:sldMk cId="2032507214" sldId="259"/>
+            <ac:spMk id="4" creationId="{1F0996D8-39D2-78C9-4D9A-8BCB95F211F7}"/>
+          </ac:spMkLst>
+        </pc:spChg>
+        <pc:spChg chg="add">
+          <ac:chgData name="Luke Davis" userId="8f85ffe33d4baa21" providerId="LiveId" clId="{A8FC2011-CD90-4B49-A155-00C7FBC1E699}" dt="2024-12-06T02:25:25.961" v="222"/>
+          <ac:spMkLst>
+            <pc:docMk/>
+            <pc:sldMk cId="2032507214" sldId="259"/>
+            <ac:spMk id="5" creationId="{AABCFDC2-DE35-97FD-F0CA-7324083C00CF}"/>
+          </ac:spMkLst>
+        </pc:spChg>
+      </pc:sldChg>
+      <pc:sldChg chg="addSp modSp new mod">
+        <pc:chgData name="Luke Davis" userId="8f85ffe33d4baa21" providerId="LiveId" clId="{A8FC2011-CD90-4B49-A155-00C7FBC1E699}" dt="2024-12-06T03:29:03.537" v="467" actId="1076"/>
+        <pc:sldMkLst>
+          <pc:docMk/>
+          <pc:sldMk cId="2897298777" sldId="260"/>
+        </pc:sldMkLst>
+        <pc:spChg chg="add mod">
+          <ac:chgData name="Luke Davis" userId="8f85ffe33d4baa21" providerId="LiveId" clId="{A8FC2011-CD90-4B49-A155-00C7FBC1E699}" dt="2024-12-06T03:29:03.537" v="467" actId="1076"/>
+          <ac:spMkLst>
+            <pc:docMk/>
+            <pc:sldMk cId="2897298777" sldId="260"/>
+            <ac:spMk id="4" creationId="{46D850D7-B2E3-E1CE-54D3-31259104C741}"/>
+          </ac:spMkLst>
+        </pc:spChg>
+        <pc:picChg chg="add mod">
+          <ac:chgData name="Luke Davis" userId="8f85ffe33d4baa21" providerId="LiveId" clId="{A8FC2011-CD90-4B49-A155-00C7FBC1E699}" dt="2024-12-06T03:25:35.565" v="436" actId="14100"/>
+          <ac:picMkLst>
+            <pc:docMk/>
+            <pc:sldMk cId="2897298777" sldId="260"/>
+            <ac:picMk id="3" creationId="{1DD4F076-B357-0A4F-86F9-0B9D804954AD}"/>
+          </ac:picMkLst>
+        </pc:picChg>
+      </pc:sldChg>
+      <pc:sldChg chg="addSp delSp modSp new mod">
+        <pc:chgData name="Luke Davis" userId="8f85ffe33d4baa21" providerId="LiveId" clId="{A8FC2011-CD90-4B49-A155-00C7FBC1E699}" dt="2024-12-06T02:50:04.067" v="387" actId="2710"/>
+        <pc:sldMkLst>
+          <pc:docMk/>
+          <pc:sldMk cId="3496101224" sldId="261"/>
+        </pc:sldMkLst>
+        <pc:spChg chg="mod">
+          <ac:chgData name="Luke Davis" userId="8f85ffe33d4baa21" providerId="LiveId" clId="{A8FC2011-CD90-4B49-A155-00C7FBC1E699}" dt="2024-12-06T02:40:33.043" v="251" actId="20577"/>
+          <ac:spMkLst>
+            <pc:docMk/>
+            <pc:sldMk cId="3496101224" sldId="261"/>
+            <ac:spMk id="2" creationId="{512A2AB3-2157-53D9-EFB3-79B063621642}"/>
+          </ac:spMkLst>
+        </pc:spChg>
+        <pc:spChg chg="mod">
+          <ac:chgData name="Luke Davis" userId="8f85ffe33d4baa21" providerId="LiveId" clId="{A8FC2011-CD90-4B49-A155-00C7FBC1E699}" dt="2024-12-06T02:50:04.067" v="387" actId="2710"/>
+          <ac:spMkLst>
+            <pc:docMk/>
+            <pc:sldMk cId="3496101224" sldId="261"/>
+            <ac:spMk id="3" creationId="{8D695E16-5DBA-EF6F-B5E6-816A2B154408}"/>
+          </ac:spMkLst>
+        </pc:spChg>
+        <pc:spChg chg="add del mod">
+          <ac:chgData name="Luke Davis" userId="8f85ffe33d4baa21" providerId="LiveId" clId="{A8FC2011-CD90-4B49-A155-00C7FBC1E699}" dt="2024-12-06T02:44:39.663" v="294" actId="403"/>
+          <ac:spMkLst>
+            <pc:docMk/>
+            <pc:sldMk cId="3496101224" sldId="261"/>
+            <ac:spMk id="4" creationId="{91D0C951-FE32-92E9-25CF-233409D61EE2}"/>
+          </ac:spMkLst>
+        </pc:spChg>
+        <pc:spChg chg="add del">
+          <ac:chgData name="Luke Davis" userId="8f85ffe33d4baa21" providerId="LiveId" clId="{A8FC2011-CD90-4B49-A155-00C7FBC1E699}" dt="2024-12-06T02:44:15.177" v="281" actId="22"/>
+          <ac:spMkLst>
+            <pc:docMk/>
+            <pc:sldMk cId="3496101224" sldId="261"/>
+            <ac:spMk id="8" creationId="{BCFFA19F-E31F-D553-8486-29CD9184624F}"/>
+          </ac:spMkLst>
+        </pc:spChg>
+        <pc:spChg chg="add mod">
+          <ac:chgData name="Luke Davis" userId="8f85ffe33d4baa21" providerId="LiveId" clId="{A8FC2011-CD90-4B49-A155-00C7FBC1E699}" dt="2024-12-06T02:50:00.380" v="386" actId="2710"/>
+          <ac:spMkLst>
+            <pc:docMk/>
+            <pc:sldMk cId="3496101224" sldId="261"/>
+            <ac:spMk id="11" creationId="{12024A44-6D45-E4DF-A881-96E47818FF5B}"/>
+          </ac:spMkLst>
+        </pc:spChg>
+        <pc:picChg chg="add del mod">
+          <ac:chgData name="Luke Davis" userId="8f85ffe33d4baa21" providerId="LiveId" clId="{A8FC2011-CD90-4B49-A155-00C7FBC1E699}" dt="2024-12-06T02:44:05.748" v="269" actId="22"/>
+          <ac:picMkLst>
+            <pc:docMk/>
+            <pc:sldMk cId="3496101224" sldId="261"/>
+            <ac:picMk id="6" creationId="{60417877-6319-347E-3288-F5FD81FBB96A}"/>
+          </ac:picMkLst>
+        </pc:picChg>
+        <pc:picChg chg="add mod">
+          <ac:chgData name="Luke Davis" userId="8f85ffe33d4baa21" providerId="LiveId" clId="{A8FC2011-CD90-4B49-A155-00C7FBC1E699}" dt="2024-12-06T02:47:03.967" v="352" actId="1076"/>
+          <ac:picMkLst>
+            <pc:docMk/>
+            <pc:sldMk cId="3496101224" sldId="261"/>
+            <ac:picMk id="10" creationId="{96C4269A-EBA0-B419-E972-6FF8F60CFECB}"/>
+          </ac:picMkLst>
+        </pc:picChg>
+      </pc:sldChg>
+      <pc:sldChg chg="addSp delSp modSp add mod">
+        <pc:chgData name="Luke Davis" userId="8f85ffe33d4baa21" providerId="LiveId" clId="{A8FC2011-CD90-4B49-A155-00C7FBC1E699}" dt="2024-12-06T02:49:50.344" v="384" actId="1076"/>
+        <pc:sldMkLst>
+          <pc:docMk/>
+          <pc:sldMk cId="1603588476" sldId="262"/>
+        </pc:sldMkLst>
+        <pc:spChg chg="mod">
+          <ac:chgData name="Luke Davis" userId="8f85ffe33d4baa21" providerId="LiveId" clId="{A8FC2011-CD90-4B49-A155-00C7FBC1E699}" dt="2024-12-06T02:49:28.366" v="378" actId="2710"/>
+          <ac:spMkLst>
+            <pc:docMk/>
+            <pc:sldMk cId="1603588476" sldId="262"/>
+            <ac:spMk id="3" creationId="{A719A68C-2AA8-2484-F6E4-7A6447854D4B}"/>
+          </ac:spMkLst>
+        </pc:spChg>
+        <pc:spChg chg="mod">
+          <ac:chgData name="Luke Davis" userId="8f85ffe33d4baa21" providerId="LiveId" clId="{A8FC2011-CD90-4B49-A155-00C7FBC1E699}" dt="2024-12-06T02:47:10.355" v="355" actId="20577"/>
+          <ac:spMkLst>
+            <pc:docMk/>
+            <pc:sldMk cId="1603588476" sldId="262"/>
+            <ac:spMk id="4" creationId="{7366B2FC-0434-7B1C-7B71-5A543D160339}"/>
+          </ac:spMkLst>
+        </pc:spChg>
+        <pc:spChg chg="mod">
+          <ac:chgData name="Luke Davis" userId="8f85ffe33d4baa21" providerId="LiveId" clId="{A8FC2011-CD90-4B49-A155-00C7FBC1E699}" dt="2024-12-06T02:49:50.344" v="384" actId="1076"/>
+          <ac:spMkLst>
+            <pc:docMk/>
+            <pc:sldMk cId="1603588476" sldId="262"/>
+            <ac:spMk id="11" creationId="{4D0D6D43-237A-3767-0FF5-4C9B4A512310}"/>
+          </ac:spMkLst>
+        </pc:spChg>
+        <pc:picChg chg="add del">
+          <ac:chgData name="Luke Davis" userId="8f85ffe33d4baa21" providerId="LiveId" clId="{A8FC2011-CD90-4B49-A155-00C7FBC1E699}" dt="2024-12-06T02:49:04.609" v="358" actId="22"/>
+          <ac:picMkLst>
+            <pc:docMk/>
+            <pc:sldMk cId="1603588476" sldId="262"/>
+            <ac:picMk id="6" creationId="{705865F5-A92B-9428-8F44-B137DB82D5FD}"/>
+          </ac:picMkLst>
+        </pc:picChg>
+        <pc:picChg chg="add mod">
+          <ac:chgData name="Luke Davis" userId="8f85ffe33d4baa21" providerId="LiveId" clId="{A8FC2011-CD90-4B49-A155-00C7FBC1E699}" dt="2024-12-06T02:49:13.996" v="364" actId="1076"/>
+          <ac:picMkLst>
+            <pc:docMk/>
+            <pc:sldMk cId="1603588476" sldId="262"/>
+            <ac:picMk id="8" creationId="{EE094662-8767-BA7E-E2B8-3354C872D2FF}"/>
+          </ac:picMkLst>
+        </pc:picChg>
+        <pc:picChg chg="add del">
+          <ac:chgData name="Luke Davis" userId="8f85ffe33d4baa21" providerId="LiveId" clId="{A8FC2011-CD90-4B49-A155-00C7FBC1E699}" dt="2024-12-06T02:49:07.652" v="361" actId="478"/>
+          <ac:picMkLst>
+            <pc:docMk/>
+            <pc:sldMk cId="1603588476" sldId="262"/>
+            <ac:picMk id="10" creationId="{EC88B619-D81C-2BB6-F1DA-FD36E05A1973}"/>
+          </ac:picMkLst>
+        </pc:picChg>
+      </pc:sldChg>
+      <pc:sldChg chg="addSp delSp modSp add mod">
+        <pc:chgData name="Luke Davis" userId="8f85ffe33d4baa21" providerId="LiveId" clId="{A8FC2011-CD90-4B49-A155-00C7FBC1E699}" dt="2024-12-06T02:54:56.886" v="398" actId="20577"/>
+        <pc:sldMkLst>
+          <pc:docMk/>
+          <pc:sldMk cId="1903942611" sldId="263"/>
+        </pc:sldMkLst>
+        <pc:spChg chg="mod">
+          <ac:chgData name="Luke Davis" userId="8f85ffe33d4baa21" providerId="LiveId" clId="{A8FC2011-CD90-4B49-A155-00C7FBC1E699}" dt="2024-12-06T02:54:56.886" v="398" actId="20577"/>
+          <ac:spMkLst>
+            <pc:docMk/>
+            <pc:sldMk cId="1903942611" sldId="263"/>
+            <ac:spMk id="3" creationId="{6645CCC8-CE8A-B856-2C8D-17624E895C02}"/>
+          </ac:spMkLst>
+        </pc:spChg>
+        <pc:spChg chg="mod">
+          <ac:chgData name="Luke Davis" userId="8f85ffe33d4baa21" providerId="LiveId" clId="{A8FC2011-CD90-4B49-A155-00C7FBC1E699}" dt="2024-12-06T02:53:39.278" v="390" actId="20577"/>
+          <ac:spMkLst>
+            <pc:docMk/>
+            <pc:sldMk cId="1903942611" sldId="263"/>
+            <ac:spMk id="4" creationId="{54FC2A36-1490-F0DF-6D1A-004BB4DE8268}"/>
+          </ac:spMkLst>
+        </pc:spChg>
+        <pc:spChg chg="mod">
+          <ac:chgData name="Luke Davis" userId="8f85ffe33d4baa21" providerId="LiveId" clId="{A8FC2011-CD90-4B49-A155-00C7FBC1E699}" dt="2024-12-06T02:54:53.371" v="395"/>
+          <ac:spMkLst>
+            <pc:docMk/>
+            <pc:sldMk cId="1903942611" sldId="263"/>
+            <ac:spMk id="11" creationId="{1296E137-F3C1-86E4-D224-3BA12C970EFF}"/>
+          </ac:spMkLst>
+        </pc:spChg>
+        <pc:picChg chg="add mod">
+          <ac:chgData name="Luke Davis" userId="8f85ffe33d4baa21" providerId="LiveId" clId="{A8FC2011-CD90-4B49-A155-00C7FBC1E699}" dt="2024-12-06T02:53:47.184" v="393" actId="1076"/>
+          <ac:picMkLst>
+            <pc:docMk/>
+            <pc:sldMk cId="1903942611" sldId="263"/>
+            <ac:picMk id="6" creationId="{2F985C05-BC15-2DC6-02FB-52A1C579F0F9}"/>
+          </ac:picMkLst>
+        </pc:picChg>
+        <pc:picChg chg="del">
+          <ac:chgData name="Luke Davis" userId="8f85ffe33d4baa21" providerId="LiveId" clId="{A8FC2011-CD90-4B49-A155-00C7FBC1E699}" dt="2024-12-06T02:53:41.576" v="391" actId="478"/>
+          <ac:picMkLst>
+            <pc:docMk/>
+            <pc:sldMk cId="1903942611" sldId="263"/>
+            <ac:picMk id="8" creationId="{E1E60298-F7C0-9F02-FF7A-7710D649F34B}"/>
+          </ac:picMkLst>
+        </pc:picChg>
+      </pc:sldChg>
+      <pc:sldChg chg="addSp delSp modSp add mod">
+        <pc:chgData name="Luke Davis" userId="8f85ffe33d4baa21" providerId="LiveId" clId="{A8FC2011-CD90-4B49-A155-00C7FBC1E699}" dt="2024-12-06T02:57:55.469" v="431" actId="20577"/>
+        <pc:sldMkLst>
+          <pc:docMk/>
+          <pc:sldMk cId="1352218769" sldId="264"/>
+        </pc:sldMkLst>
+        <pc:spChg chg="mod">
+          <ac:chgData name="Luke Davis" userId="8f85ffe33d4baa21" providerId="LiveId" clId="{A8FC2011-CD90-4B49-A155-00C7FBC1E699}" dt="2024-12-06T02:57:55.469" v="431" actId="20577"/>
+          <ac:spMkLst>
+            <pc:docMk/>
+            <pc:sldMk cId="1352218769" sldId="264"/>
+            <ac:spMk id="3" creationId="{62CC1C46-C020-7ADF-8E28-27DD0BE8906D}"/>
+          </ac:spMkLst>
+        </pc:spChg>
+        <pc:spChg chg="mod">
+          <ac:chgData name="Luke Davis" userId="8f85ffe33d4baa21" providerId="LiveId" clId="{A8FC2011-CD90-4B49-A155-00C7FBC1E699}" dt="2024-12-06T02:55:18.662" v="410" actId="20577"/>
+          <ac:spMkLst>
+            <pc:docMk/>
+            <pc:sldMk cId="1352218769" sldId="264"/>
+            <ac:spMk id="4" creationId="{B97F9CC9-4CE9-343C-DF0F-A2CD4F339CC8}"/>
+          </ac:spMkLst>
+        </pc:spChg>
+        <pc:spChg chg="mod">
+          <ac:chgData name="Luke Davis" userId="8f85ffe33d4baa21" providerId="LiveId" clId="{A8FC2011-CD90-4B49-A155-00C7FBC1E699}" dt="2024-12-06T02:57:36.636" v="424" actId="20577"/>
+          <ac:spMkLst>
+            <pc:docMk/>
+            <pc:sldMk cId="1352218769" sldId="264"/>
+            <ac:spMk id="11" creationId="{3F6D8395-FDE0-EFD2-0675-952633F6D17C}"/>
+          </ac:spMkLst>
+        </pc:spChg>
+        <pc:picChg chg="del">
+          <ac:chgData name="Luke Davis" userId="8f85ffe33d4baa21" providerId="LiveId" clId="{A8FC2011-CD90-4B49-A155-00C7FBC1E699}" dt="2024-12-06T02:57:12.193" v="411" actId="478"/>
+          <ac:picMkLst>
+            <pc:docMk/>
+            <pc:sldMk cId="1352218769" sldId="264"/>
+            <ac:picMk id="6" creationId="{603AB145-406C-23F5-3C7B-303185DCCE68}"/>
+          </ac:picMkLst>
+        </pc:picChg>
+        <pc:picChg chg="add mod">
+          <ac:chgData name="Luke Davis" userId="8f85ffe33d4baa21" providerId="LiveId" clId="{A8FC2011-CD90-4B49-A155-00C7FBC1E699}" dt="2024-12-06T02:57:15.295" v="413" actId="1076"/>
+          <ac:picMkLst>
+            <pc:docMk/>
+            <pc:sldMk cId="1352218769" sldId="264"/>
+            <ac:picMk id="7" creationId="{4AC1AE8A-6939-83CB-1E78-D8B961FBE563}"/>
+          </ac:picMkLst>
+        </pc:picChg>
+        <pc:picChg chg="add del">
+          <ac:chgData name="Luke Davis" userId="8f85ffe33d4baa21" providerId="LiveId" clId="{A8FC2011-CD90-4B49-A155-00C7FBC1E699}" dt="2024-12-06T02:57:31.866" v="415" actId="22"/>
+          <ac:picMkLst>
+            <pc:docMk/>
+            <pc:sldMk cId="1352218769" sldId="264"/>
+            <ac:picMk id="9" creationId="{235A83CF-140E-671D-F10C-359AC6A25658}"/>
+          </ac:picMkLst>
+        </pc:picChg>
       </pc:sldChg>
     </pc:docChg>
   </pc:docChgLst>
@@ -129,7 +478,7 @@
 </file>
 
 <file path=ppt/slideLayouts/slideLayout1.xml><?xml version="1.0" encoding="utf-8"?>
-<p:sldLayout xmlns:a="http://schemas.openxmlformats.org/drawingml/2006/main" xmlns:r="http://schemas.openxmlformats.org/officeDocument/2006/relationships" xmlns:p="http://schemas.openxmlformats.org/presentationml/2006/main" type="title" preserve="1">
+<p:sldLayout xmlns:a="http://schemas.openxmlformats.org/drawingml/2006/main" xmlns:r="http://schemas.openxmlformats.org/officeDocument/2006/relationships" xmlns:p="http://schemas.openxmlformats.org/presentationml/2006/main" showMasterSp="0" type="title" preserve="1">
   <p:cSld name="Title Slide">
     <p:spTree>
       <p:nvGrpSpPr>
@@ -147,31 +496,113 @@
       </p:grpSpPr>
       <p:sp>
         <p:nvSpPr>
-          <p:cNvPr id="2" name="Title 1">
-            <a:extLst>
-              <a:ext uri="{FF2B5EF4-FFF2-40B4-BE49-F238E27FC236}">
-                <a16:creationId xmlns:a16="http://schemas.microsoft.com/office/drawing/2014/main" id="{801421C1-F852-D0DE-F587-38996236AC24}"/>
-              </a:ext>
-            </a:extLst>
-          </p:cNvPr>
-          <p:cNvSpPr>
-            <a:spLocks noGrp="1"/>
-          </p:cNvSpPr>
-          <p:nvPr>
-            <p:ph type="ctrTitle"/>
-          </p:nvPr>
+          <p:cNvPr id="7" name="Rectangle 6"/>
+          <p:cNvSpPr/>
+          <p:nvPr/>
         </p:nvSpPr>
         <p:spPr>
           <a:xfrm>
-            <a:off x="1524000" y="1122363"/>
-            <a:ext cx="9144000" cy="2387600"/>
+            <a:off x="3175" y="6400800"/>
+            <a:ext cx="12188825" cy="457200"/>
+          </a:xfrm>
+          <a:prstGeom prst="rect">
+            <a:avLst/>
+          </a:prstGeom>
+          <a:solidFill>
+            <a:schemeClr val="accent2"/>
+          </a:solidFill>
+          <a:ln>
+            <a:noFill/>
+          </a:ln>
+        </p:spPr>
+        <p:style>
+          <a:lnRef idx="2">
+            <a:schemeClr val="accent1">
+              <a:shade val="50000"/>
+            </a:schemeClr>
+          </a:lnRef>
+          <a:fillRef idx="1">
+            <a:schemeClr val="accent1"/>
+          </a:fillRef>
+          <a:effectRef idx="0">
+            <a:schemeClr val="accent1"/>
+          </a:effectRef>
+          <a:fontRef idx="minor">
+            <a:schemeClr val="lt1"/>
+          </a:fontRef>
+        </p:style>
+      </p:sp>
+      <p:sp>
+        <p:nvSpPr>
+          <p:cNvPr id="8" name="Rectangle 7"/>
+          <p:cNvSpPr/>
+          <p:nvPr/>
+        </p:nvSpPr>
+        <p:spPr>
+          <a:xfrm>
+            <a:off x="15" y="6334316"/>
+            <a:ext cx="12188825" cy="64008"/>
+          </a:xfrm>
+          <a:prstGeom prst="rect">
+            <a:avLst/>
+          </a:prstGeom>
+          <a:solidFill>
+            <a:schemeClr val="accent1"/>
+          </a:solidFill>
+          <a:ln>
+            <a:noFill/>
+          </a:ln>
+        </p:spPr>
+        <p:style>
+          <a:lnRef idx="2">
+            <a:schemeClr val="accent1">
+              <a:shade val="50000"/>
+            </a:schemeClr>
+          </a:lnRef>
+          <a:fillRef idx="1">
+            <a:schemeClr val="accent1"/>
+          </a:fillRef>
+          <a:effectRef idx="0">
+            <a:schemeClr val="accent1"/>
+          </a:effectRef>
+          <a:fontRef idx="minor">
+            <a:schemeClr val="lt1"/>
+          </a:fontRef>
+        </p:style>
+      </p:sp>
+      <p:sp>
+        <p:nvSpPr>
+          <p:cNvPr id="2" name="Title 1"/>
+          <p:cNvSpPr>
+            <a:spLocks noGrp="1"/>
+          </p:cNvSpPr>
+          <p:nvPr>
+            <p:ph type="ctrTitle"/>
+          </p:nvPr>
+        </p:nvSpPr>
+        <p:spPr>
+          <a:xfrm>
+            <a:off x="1097280" y="758952"/>
+            <a:ext cx="10058400" cy="3566160"/>
           </a:xfrm>
         </p:spPr>
         <p:txBody>
-          <a:bodyPr anchor="b"/>
+          <a:bodyPr anchor="b">
+            <a:normAutofit/>
+          </a:bodyPr>
           <a:lstStyle>
-            <a:lvl1pPr algn="ctr">
-              <a:defRPr sz="6000"/>
+            <a:lvl1pPr algn="l">
+              <a:lnSpc>
+                <a:spcPct val="85000"/>
+              </a:lnSpc>
+              <a:defRPr sz="8000" spc="-50" baseline="0">
+                <a:solidFill>
+                  <a:schemeClr val="tx1">
+                    <a:lumMod val="85000"/>
+                    <a:lumOff val="15000"/>
+                  </a:schemeClr>
+                </a:solidFill>
+              </a:defRPr>
             </a:lvl1pPr>
           </a:lstStyle>
           <a:p>
@@ -179,18 +610,13 @@
               <a:rPr lang="en-US"/>
               <a:t>Click to edit Master title style</a:t>
             </a:r>
-          </a:p>
-        </p:txBody>
-      </p:sp>
-      <p:sp>
-        <p:nvSpPr>
-          <p:cNvPr id="3" name="Subtitle 2">
-            <a:extLst>
-              <a:ext uri="{FF2B5EF4-FFF2-40B4-BE49-F238E27FC236}">
-                <a16:creationId xmlns:a16="http://schemas.microsoft.com/office/drawing/2014/main" id="{844A1C34-5673-7E15-2A5E-4D0A7CA3ECEE}"/>
-              </a:ext>
-            </a:extLst>
-          </p:cNvPr>
+            <a:endParaRPr lang="en-US" dirty="0"/>
+          </a:p>
+        </p:txBody>
+      </p:sp>
+      <p:sp>
+        <p:nvSpPr>
+          <p:cNvPr id="3" name="Subtitle 2"/>
           <p:cNvSpPr>
             <a:spLocks noGrp="1"/>
           </p:cNvSpPr>
@@ -200,48 +626,55 @@
         </p:nvSpPr>
         <p:spPr>
           <a:xfrm>
-            <a:off x="1524000" y="3602038"/>
-            <a:ext cx="9144000" cy="1655762"/>
+            <a:off x="1100051" y="4455620"/>
+            <a:ext cx="10058400" cy="1143000"/>
           </a:xfrm>
         </p:spPr>
         <p:txBody>
-          <a:bodyPr/>
+          <a:bodyPr lIns="91440" rIns="91440">
+            <a:normAutofit/>
+          </a:bodyPr>
           <a:lstStyle>
-            <a:lvl1pPr marL="0" indent="0" algn="ctr">
+            <a:lvl1pPr marL="0" indent="0" algn="l">
               <a:buNone/>
-              <a:defRPr sz="2400"/>
+              <a:defRPr sz="2400" cap="all" spc="200" baseline="0">
+                <a:solidFill>
+                  <a:schemeClr val="tx2"/>
+                </a:solidFill>
+                <a:latin typeface="+mj-lt"/>
+              </a:defRPr>
             </a:lvl1pPr>
             <a:lvl2pPr marL="457200" indent="0" algn="ctr">
               <a:buNone/>
-              <a:defRPr sz="2000"/>
+              <a:defRPr sz="2400"/>
             </a:lvl2pPr>
             <a:lvl3pPr marL="914400" indent="0" algn="ctr">
               <a:buNone/>
-              <a:defRPr sz="1800"/>
+              <a:defRPr sz="2400"/>
             </a:lvl3pPr>
             <a:lvl4pPr marL="1371600" indent="0" algn="ctr">
               <a:buNone/>
-              <a:defRPr sz="1600"/>
+              <a:defRPr sz="2000"/>
             </a:lvl4pPr>
             <a:lvl5pPr marL="1828800" indent="0" algn="ctr">
               <a:buNone/>
-              <a:defRPr sz="1600"/>
+              <a:defRPr sz="2000"/>
             </a:lvl5pPr>
             <a:lvl6pPr marL="2286000" indent="0" algn="ctr">
               <a:buNone/>
-              <a:defRPr sz="1600"/>
+              <a:defRPr sz="2000"/>
             </a:lvl6pPr>
             <a:lvl7pPr marL="2743200" indent="0" algn="ctr">
               <a:buNone/>
-              <a:defRPr sz="1600"/>
+              <a:defRPr sz="2000"/>
             </a:lvl7pPr>
             <a:lvl8pPr marL="3200400" indent="0" algn="ctr">
               <a:buNone/>
-              <a:defRPr sz="1600"/>
+              <a:defRPr sz="2000"/>
             </a:lvl8pPr>
             <a:lvl9pPr marL="3657600" indent="0" algn="ctr">
               <a:buNone/>
-              <a:defRPr sz="1600"/>
+              <a:defRPr sz="2000"/>
             </a:lvl9pPr>
           </a:lstStyle>
           <a:p>
@@ -249,18 +682,13 @@
               <a:rPr lang="en-US"/>
               <a:t>Click to edit Master subtitle style</a:t>
             </a:r>
-          </a:p>
-        </p:txBody>
-      </p:sp>
-      <p:sp>
-        <p:nvSpPr>
-          <p:cNvPr id="4" name="Date Placeholder 3">
-            <a:extLst>
-              <a:ext uri="{FF2B5EF4-FFF2-40B4-BE49-F238E27FC236}">
-                <a16:creationId xmlns:a16="http://schemas.microsoft.com/office/drawing/2014/main" id="{7DB0F99C-68E8-17C6-2E4D-1B52E7B306C6}"/>
-              </a:ext>
-            </a:extLst>
-          </p:cNvPr>
+            <a:endParaRPr lang="en-US" dirty="0"/>
+          </a:p>
+        </p:txBody>
+      </p:sp>
+      <p:sp>
+        <p:nvSpPr>
+          <p:cNvPr id="4" name="Date Placeholder 3"/>
           <p:cNvSpPr>
             <a:spLocks noGrp="1"/>
           </p:cNvSpPr>
@@ -275,7 +703,7 @@
           <a:p>
             <a:fld id="{85BF9358-3AEC-4E50-AD46-D7C937B91650}" type="datetimeFigureOut">
               <a:rPr lang="en-US" smtClean="0"/>
-              <a:t>12/3/2024</a:t>
+              <a:t>12/5/2024</a:t>
             </a:fld>
             <a:endParaRPr lang="en-US"/>
           </a:p>
@@ -283,13 +711,7 @@
       </p:sp>
       <p:sp>
         <p:nvSpPr>
-          <p:cNvPr id="5" name="Footer Placeholder 4">
-            <a:extLst>
-              <a:ext uri="{FF2B5EF4-FFF2-40B4-BE49-F238E27FC236}">
-                <a16:creationId xmlns:a16="http://schemas.microsoft.com/office/drawing/2014/main" id="{9AA926EA-2655-5058-75B8-C88F932D4550}"/>
-              </a:ext>
-            </a:extLst>
-          </p:cNvPr>
+          <p:cNvPr id="5" name="Footer Placeholder 4"/>
           <p:cNvSpPr>
             <a:spLocks noGrp="1"/>
           </p:cNvSpPr>
@@ -308,13 +730,7 @@
       </p:sp>
       <p:sp>
         <p:nvSpPr>
-          <p:cNvPr id="6" name="Slide Number Placeholder 5">
-            <a:extLst>
-              <a:ext uri="{FF2B5EF4-FFF2-40B4-BE49-F238E27FC236}">
-                <a16:creationId xmlns:a16="http://schemas.microsoft.com/office/drawing/2014/main" id="{65835F86-1C74-6BC1-6B03-0D18FB367478}"/>
-              </a:ext>
-            </a:extLst>
-          </p:cNvPr>
+          <p:cNvPr id="6" name="Slide Number Placeholder 5"/>
           <p:cNvSpPr>
             <a:spLocks noGrp="1"/>
           </p:cNvSpPr>
@@ -335,10 +751,48 @@
           </a:p>
         </p:txBody>
       </p:sp>
+      <p:cxnSp>
+        <p:nvCxnSpPr>
+          <p:cNvPr id="9" name="Straight Connector 8"/>
+          <p:cNvCxnSpPr/>
+          <p:nvPr/>
+        </p:nvCxnSpPr>
+        <p:spPr>
+          <a:xfrm>
+            <a:off x="1207658" y="4343400"/>
+            <a:ext cx="9875520" cy="0"/>
+          </a:xfrm>
+          <a:prstGeom prst="line">
+            <a:avLst/>
+          </a:prstGeom>
+          <a:ln w="6350">
+            <a:solidFill>
+              <a:schemeClr val="tx1">
+                <a:lumMod val="50000"/>
+                <a:lumOff val="50000"/>
+              </a:schemeClr>
+            </a:solidFill>
+          </a:ln>
+        </p:spPr>
+        <p:style>
+          <a:lnRef idx="1">
+            <a:schemeClr val="accent1"/>
+          </a:lnRef>
+          <a:fillRef idx="0">
+            <a:schemeClr val="accent1"/>
+          </a:fillRef>
+          <a:effectRef idx="0">
+            <a:schemeClr val="accent1"/>
+          </a:effectRef>
+          <a:fontRef idx="minor">
+            <a:schemeClr val="tx1"/>
+          </a:fontRef>
+        </p:style>
+      </p:cxnSp>
     </p:spTree>
     <p:extLst>
       <p:ext uri="{BB962C8B-B14F-4D97-AF65-F5344CB8AC3E}">
-        <p14:creationId xmlns:p14="http://schemas.microsoft.com/office/powerpoint/2010/main" val="1875228937"/>
+        <p14:creationId xmlns:p14="http://schemas.microsoft.com/office/powerpoint/2010/main" val="2729413905"/>
       </p:ext>
     </p:extLst>
   </p:cSld>
@@ -367,13 +821,7 @@
       </p:grpSpPr>
       <p:sp>
         <p:nvSpPr>
-          <p:cNvPr id="2" name="Title 1">
-            <a:extLst>
-              <a:ext uri="{FF2B5EF4-FFF2-40B4-BE49-F238E27FC236}">
-                <a16:creationId xmlns:a16="http://schemas.microsoft.com/office/drawing/2014/main" id="{34EB470B-042C-0C30-7274-EF8668444F64}"/>
-              </a:ext>
-            </a:extLst>
-          </p:cNvPr>
+          <p:cNvPr id="2" name="Title 1"/>
           <p:cNvSpPr>
             <a:spLocks noGrp="1"/>
           </p:cNvSpPr>
@@ -390,18 +838,13 @@
               <a:rPr lang="en-US"/>
               <a:t>Click to edit Master title style</a:t>
             </a:r>
-          </a:p>
-        </p:txBody>
-      </p:sp>
-      <p:sp>
-        <p:nvSpPr>
-          <p:cNvPr id="3" name="Vertical Text Placeholder 2">
-            <a:extLst>
-              <a:ext uri="{FF2B5EF4-FFF2-40B4-BE49-F238E27FC236}">
-                <a16:creationId xmlns:a16="http://schemas.microsoft.com/office/drawing/2014/main" id="{55AE1B9A-3D52-A9CE-0AED-11F4966D486B}"/>
-              </a:ext>
-            </a:extLst>
-          </p:cNvPr>
+            <a:endParaRPr lang="en-US" dirty="0"/>
+          </a:p>
+        </p:txBody>
+      </p:sp>
+      <p:sp>
+        <p:nvSpPr>
+          <p:cNvPr id="3" name="Vertical Text Placeholder 2"/>
           <p:cNvSpPr>
             <a:spLocks noGrp="1"/>
           </p:cNvSpPr>
@@ -411,7 +854,7 @@
         </p:nvSpPr>
         <p:spPr/>
         <p:txBody>
-          <a:bodyPr vert="eaVert"/>
+          <a:bodyPr vert="eaVert" lIns="45720" tIns="0" rIns="45720" bIns="0"/>
           <a:lstStyle/>
           <a:p>
             <a:pPr lvl="0"/>
@@ -447,18 +890,13 @@
               <a:rPr lang="en-US"/>
               <a:t>Fifth level</a:t>
             </a:r>
-          </a:p>
-        </p:txBody>
-      </p:sp>
-      <p:sp>
-        <p:nvSpPr>
-          <p:cNvPr id="4" name="Date Placeholder 3">
-            <a:extLst>
-              <a:ext uri="{FF2B5EF4-FFF2-40B4-BE49-F238E27FC236}">
-                <a16:creationId xmlns:a16="http://schemas.microsoft.com/office/drawing/2014/main" id="{6A29F3B7-1E4D-ECCB-84E7-3D1D4FA8AD00}"/>
-              </a:ext>
-            </a:extLst>
-          </p:cNvPr>
+            <a:endParaRPr lang="en-US" dirty="0"/>
+          </a:p>
+        </p:txBody>
+      </p:sp>
+      <p:sp>
+        <p:nvSpPr>
+          <p:cNvPr id="4" name="Date Placeholder 3"/>
           <p:cNvSpPr>
             <a:spLocks noGrp="1"/>
           </p:cNvSpPr>
@@ -473,7 +911,7 @@
           <a:p>
             <a:fld id="{85BF9358-3AEC-4E50-AD46-D7C937B91650}" type="datetimeFigureOut">
               <a:rPr lang="en-US" smtClean="0"/>
-              <a:t>12/3/2024</a:t>
+              <a:t>12/5/2024</a:t>
             </a:fld>
             <a:endParaRPr lang="en-US"/>
           </a:p>
@@ -481,13 +919,7 @@
       </p:sp>
       <p:sp>
         <p:nvSpPr>
-          <p:cNvPr id="5" name="Footer Placeholder 4">
-            <a:extLst>
-              <a:ext uri="{FF2B5EF4-FFF2-40B4-BE49-F238E27FC236}">
-                <a16:creationId xmlns:a16="http://schemas.microsoft.com/office/drawing/2014/main" id="{65E6AEFE-24BF-F22A-D702-0DD59653C11D}"/>
-              </a:ext>
-            </a:extLst>
-          </p:cNvPr>
+          <p:cNvPr id="5" name="Footer Placeholder 4"/>
           <p:cNvSpPr>
             <a:spLocks noGrp="1"/>
           </p:cNvSpPr>
@@ -506,13 +938,7 @@
       </p:sp>
       <p:sp>
         <p:nvSpPr>
-          <p:cNvPr id="6" name="Slide Number Placeholder 5">
-            <a:extLst>
-              <a:ext uri="{FF2B5EF4-FFF2-40B4-BE49-F238E27FC236}">
-                <a16:creationId xmlns:a16="http://schemas.microsoft.com/office/drawing/2014/main" id="{A66672E0-9473-6C3A-D0D1-4E7B0DB825BA}"/>
-              </a:ext>
-            </a:extLst>
-          </p:cNvPr>
+          <p:cNvPr id="6" name="Slide Number Placeholder 5"/>
           <p:cNvSpPr>
             <a:spLocks noGrp="1"/>
           </p:cNvSpPr>
@@ -536,7 +962,7 @@
     </p:spTree>
     <p:extLst>
       <p:ext uri="{BB962C8B-B14F-4D97-AF65-F5344CB8AC3E}">
-        <p14:creationId xmlns:p14="http://schemas.microsoft.com/office/powerpoint/2010/main" val="85557266"/>
+        <p14:creationId xmlns:p14="http://schemas.microsoft.com/office/powerpoint/2010/main" val="3455332363"/>
       </p:ext>
     </p:extLst>
   </p:cSld>
@@ -547,7 +973,7 @@
 </file>
 
 <file path=ppt/slideLayouts/slideLayout11.xml><?xml version="1.0" encoding="utf-8"?>
-<p:sldLayout xmlns:a="http://schemas.openxmlformats.org/drawingml/2006/main" xmlns:r="http://schemas.openxmlformats.org/officeDocument/2006/relationships" xmlns:p="http://schemas.openxmlformats.org/presentationml/2006/main" type="vertTitleAndTx" preserve="1">
+<p:sldLayout xmlns:a="http://schemas.openxmlformats.org/drawingml/2006/main" xmlns:r="http://schemas.openxmlformats.org/officeDocument/2006/relationships" xmlns:p="http://schemas.openxmlformats.org/presentationml/2006/main" showMasterSp="0" type="vertTitleAndTx" preserve="1">
   <p:cSld name="Vertical Title and Text">
     <p:spTree>
       <p:nvGrpSpPr>
@@ -565,24 +991,94 @@
       </p:grpSpPr>
       <p:sp>
         <p:nvSpPr>
-          <p:cNvPr id="2" name="Vertical Title 1">
-            <a:extLst>
-              <a:ext uri="{FF2B5EF4-FFF2-40B4-BE49-F238E27FC236}">
-                <a16:creationId xmlns:a16="http://schemas.microsoft.com/office/drawing/2014/main" id="{B1BF9FAB-996B-DC31-A610-F3093703B1DC}"/>
-              </a:ext>
-            </a:extLst>
-          </p:cNvPr>
-          <p:cNvSpPr>
-            <a:spLocks noGrp="1"/>
-          </p:cNvSpPr>
-          <p:nvPr>
-            <p:ph type="title" orient="vert"/>
-          </p:nvPr>
+          <p:cNvPr id="7" name="Rectangle 6"/>
+          <p:cNvSpPr/>
+          <p:nvPr/>
         </p:nvSpPr>
         <p:spPr>
           <a:xfrm>
-            <a:off x="8724900" y="365125"/>
-            <a:ext cx="2628900" cy="5811838"/>
+            <a:off x="3175" y="6400800"/>
+            <a:ext cx="12188825" cy="457200"/>
+          </a:xfrm>
+          <a:prstGeom prst="rect">
+            <a:avLst/>
+          </a:prstGeom>
+          <a:solidFill>
+            <a:schemeClr val="accent2"/>
+          </a:solidFill>
+          <a:ln>
+            <a:noFill/>
+          </a:ln>
+        </p:spPr>
+        <p:style>
+          <a:lnRef idx="2">
+            <a:schemeClr val="accent1">
+              <a:shade val="50000"/>
+            </a:schemeClr>
+          </a:lnRef>
+          <a:fillRef idx="1">
+            <a:schemeClr val="accent1"/>
+          </a:fillRef>
+          <a:effectRef idx="0">
+            <a:schemeClr val="accent1"/>
+          </a:effectRef>
+          <a:fontRef idx="minor">
+            <a:schemeClr val="lt1"/>
+          </a:fontRef>
+        </p:style>
+      </p:sp>
+      <p:sp>
+        <p:nvSpPr>
+          <p:cNvPr id="8" name="Rectangle 7"/>
+          <p:cNvSpPr/>
+          <p:nvPr/>
+        </p:nvSpPr>
+        <p:spPr>
+          <a:xfrm>
+            <a:off x="15" y="6334316"/>
+            <a:ext cx="12188825" cy="64008"/>
+          </a:xfrm>
+          <a:prstGeom prst="rect">
+            <a:avLst/>
+          </a:prstGeom>
+          <a:solidFill>
+            <a:schemeClr val="accent1"/>
+          </a:solidFill>
+          <a:ln>
+            <a:noFill/>
+          </a:ln>
+        </p:spPr>
+        <p:style>
+          <a:lnRef idx="2">
+            <a:schemeClr val="accent1">
+              <a:shade val="50000"/>
+            </a:schemeClr>
+          </a:lnRef>
+          <a:fillRef idx="1">
+            <a:schemeClr val="accent1"/>
+          </a:fillRef>
+          <a:effectRef idx="0">
+            <a:schemeClr val="accent1"/>
+          </a:effectRef>
+          <a:fontRef idx="minor">
+            <a:schemeClr val="lt1"/>
+          </a:fontRef>
+        </p:style>
+      </p:sp>
+      <p:sp>
+        <p:nvSpPr>
+          <p:cNvPr id="2" name="Vertical Title 1"/>
+          <p:cNvSpPr>
+            <a:spLocks noGrp="1"/>
+          </p:cNvSpPr>
+          <p:nvPr>
+            <p:ph type="title" orient="vert"/>
+          </p:nvPr>
+        </p:nvSpPr>
+        <p:spPr>
+          <a:xfrm>
+            <a:off x="8724900" y="414778"/>
+            <a:ext cx="2628900" cy="5757421"/>
           </a:xfrm>
         </p:spPr>
         <p:txBody>
@@ -593,18 +1089,13 @@
               <a:rPr lang="en-US"/>
               <a:t>Click to edit Master title style</a:t>
             </a:r>
-          </a:p>
-        </p:txBody>
-      </p:sp>
-      <p:sp>
-        <p:nvSpPr>
-          <p:cNvPr id="3" name="Vertical Text Placeholder 2">
-            <a:extLst>
-              <a:ext uri="{FF2B5EF4-FFF2-40B4-BE49-F238E27FC236}">
-                <a16:creationId xmlns:a16="http://schemas.microsoft.com/office/drawing/2014/main" id="{E96AC074-CBEB-6318-2EE6-D99CD2B8F5B2}"/>
-              </a:ext>
-            </a:extLst>
-          </p:cNvPr>
+            <a:endParaRPr lang="en-US" dirty="0"/>
+          </a:p>
+        </p:txBody>
+      </p:sp>
+      <p:sp>
+        <p:nvSpPr>
+          <p:cNvPr id="3" name="Vertical Text Placeholder 2"/>
           <p:cNvSpPr>
             <a:spLocks noGrp="1"/>
           </p:cNvSpPr>
@@ -614,12 +1105,12 @@
         </p:nvSpPr>
         <p:spPr>
           <a:xfrm>
-            <a:off x="838200" y="365125"/>
-            <a:ext cx="7734300" cy="5811838"/>
+            <a:off x="838200" y="414778"/>
+            <a:ext cx="7734300" cy="5757422"/>
           </a:xfrm>
         </p:spPr>
         <p:txBody>
-          <a:bodyPr vert="eaVert"/>
+          <a:bodyPr vert="eaVert" lIns="45720" tIns="0" rIns="45720" bIns="0"/>
           <a:lstStyle/>
           <a:p>
             <a:pPr lvl="0"/>
@@ -655,18 +1146,13 @@
               <a:rPr lang="en-US"/>
               <a:t>Fifth level</a:t>
             </a:r>
-          </a:p>
-        </p:txBody>
-      </p:sp>
-      <p:sp>
-        <p:nvSpPr>
-          <p:cNvPr id="4" name="Date Placeholder 3">
-            <a:extLst>
-              <a:ext uri="{FF2B5EF4-FFF2-40B4-BE49-F238E27FC236}">
-                <a16:creationId xmlns:a16="http://schemas.microsoft.com/office/drawing/2014/main" id="{D5059D60-1C2B-F520-69BA-036FAD648BC7}"/>
-              </a:ext>
-            </a:extLst>
-          </p:cNvPr>
+            <a:endParaRPr lang="en-US" dirty="0"/>
+          </a:p>
+        </p:txBody>
+      </p:sp>
+      <p:sp>
+        <p:nvSpPr>
+          <p:cNvPr id="4" name="Date Placeholder 3"/>
           <p:cNvSpPr>
             <a:spLocks noGrp="1"/>
           </p:cNvSpPr>
@@ -681,7 +1167,7 @@
           <a:p>
             <a:fld id="{85BF9358-3AEC-4E50-AD46-D7C937B91650}" type="datetimeFigureOut">
               <a:rPr lang="en-US" smtClean="0"/>
-              <a:t>12/3/2024</a:t>
+              <a:t>12/5/2024</a:t>
             </a:fld>
             <a:endParaRPr lang="en-US"/>
           </a:p>
@@ -689,13 +1175,7 @@
       </p:sp>
       <p:sp>
         <p:nvSpPr>
-          <p:cNvPr id="5" name="Footer Placeholder 4">
-            <a:extLst>
-              <a:ext uri="{FF2B5EF4-FFF2-40B4-BE49-F238E27FC236}">
-                <a16:creationId xmlns:a16="http://schemas.microsoft.com/office/drawing/2014/main" id="{E32787B7-3961-218F-8AC9-3DA1F2533C1F}"/>
-              </a:ext>
-            </a:extLst>
-          </p:cNvPr>
+          <p:cNvPr id="5" name="Footer Placeholder 4"/>
           <p:cNvSpPr>
             <a:spLocks noGrp="1"/>
           </p:cNvSpPr>
@@ -714,13 +1194,7 @@
       </p:sp>
       <p:sp>
         <p:nvSpPr>
-          <p:cNvPr id="6" name="Slide Number Placeholder 5">
-            <a:extLst>
-              <a:ext uri="{FF2B5EF4-FFF2-40B4-BE49-F238E27FC236}">
-                <a16:creationId xmlns:a16="http://schemas.microsoft.com/office/drawing/2014/main" id="{C753F4B8-C93F-9080-D5DA-1E1CE566D050}"/>
-              </a:ext>
-            </a:extLst>
-          </p:cNvPr>
+          <p:cNvPr id="6" name="Slide Number Placeholder 5"/>
           <p:cNvSpPr>
             <a:spLocks noGrp="1"/>
           </p:cNvSpPr>
@@ -744,7 +1218,7 @@
     </p:spTree>
     <p:extLst>
       <p:ext uri="{BB962C8B-B14F-4D97-AF65-F5344CB8AC3E}">
-        <p14:creationId xmlns:p14="http://schemas.microsoft.com/office/powerpoint/2010/main" val="2487961849"/>
+        <p14:creationId xmlns:p14="http://schemas.microsoft.com/office/powerpoint/2010/main" val="163320112"/>
       </p:ext>
     </p:extLst>
   </p:cSld>
@@ -773,18 +1247,39 @@
       </p:grpSpPr>
       <p:sp>
         <p:nvSpPr>
-          <p:cNvPr id="2" name="Title 1">
-            <a:extLst>
-              <a:ext uri="{FF2B5EF4-FFF2-40B4-BE49-F238E27FC236}">
-                <a16:creationId xmlns:a16="http://schemas.microsoft.com/office/drawing/2014/main" id="{7A50E5F7-6717-9784-19FB-F51768A2DCEF}"/>
-              </a:ext>
-            </a:extLst>
-          </p:cNvPr>
+          <p:cNvPr id="2" name="Title 1"/>
           <p:cNvSpPr>
             <a:spLocks noGrp="1"/>
           </p:cNvSpPr>
           <p:nvPr>
             <p:ph type="title"/>
+          </p:nvPr>
+        </p:nvSpPr>
+        <p:spPr/>
+        <p:txBody>
+          <a:bodyPr/>
+          <a:lstStyle>
+            <a:lvl1pPr marL="0">
+              <a:defRPr/>
+            </a:lvl1pPr>
+          </a:lstStyle>
+          <a:p>
+            <a:r>
+              <a:rPr lang="en-US"/>
+              <a:t>Click to edit Master title style</a:t>
+            </a:r>
+            <a:endParaRPr lang="en-US" dirty="0"/>
+          </a:p>
+        </p:txBody>
+      </p:sp>
+      <p:sp>
+        <p:nvSpPr>
+          <p:cNvPr id="3" name="Content Placeholder 2"/>
+          <p:cNvSpPr>
+            <a:spLocks noGrp="1"/>
+          </p:cNvSpPr>
+          <p:nvPr>
+            <p:ph idx="1"/>
           </p:nvPr>
         </p:nvSpPr>
         <p:spPr/>
@@ -792,27 +1287,51 @@
           <a:bodyPr/>
           <a:lstStyle/>
           <a:p>
+            <a:pPr lvl="0"/>
             <a:r>
               <a:rPr lang="en-US"/>
-              <a:t>Click to edit Master title style</a:t>
-            </a:r>
-          </a:p>
-        </p:txBody>
-      </p:sp>
-      <p:sp>
-        <p:nvSpPr>
-          <p:cNvPr id="3" name="Content Placeholder 2">
-            <a:extLst>
-              <a:ext uri="{FF2B5EF4-FFF2-40B4-BE49-F238E27FC236}">
-                <a16:creationId xmlns:a16="http://schemas.microsoft.com/office/drawing/2014/main" id="{F7A26F53-043B-EBCE-1D67-1CC1659AB9A5}"/>
-              </a:ext>
-            </a:extLst>
-          </p:cNvPr>
-          <p:cNvSpPr>
-            <a:spLocks noGrp="1"/>
-          </p:cNvSpPr>
-          <p:nvPr>
-            <p:ph idx="1"/>
+              <a:t>Click to edit Master text styles</a:t>
+            </a:r>
+          </a:p>
+          <a:p>
+            <a:pPr lvl="1"/>
+            <a:r>
+              <a:rPr lang="en-US"/>
+              <a:t>Second level</a:t>
+            </a:r>
+          </a:p>
+          <a:p>
+            <a:pPr lvl="2"/>
+            <a:r>
+              <a:rPr lang="en-US"/>
+              <a:t>Third level</a:t>
+            </a:r>
+          </a:p>
+          <a:p>
+            <a:pPr lvl="3"/>
+            <a:r>
+              <a:rPr lang="en-US"/>
+              <a:t>Fourth level</a:t>
+            </a:r>
+          </a:p>
+          <a:p>
+            <a:pPr lvl="4"/>
+            <a:r>
+              <a:rPr lang="en-US"/>
+              <a:t>Fifth level</a:t>
+            </a:r>
+            <a:endParaRPr lang="en-US" dirty="0"/>
+          </a:p>
+        </p:txBody>
+      </p:sp>
+      <p:sp>
+        <p:nvSpPr>
+          <p:cNvPr id="4" name="Date Placeholder 3"/>
+          <p:cNvSpPr>
+            <a:spLocks noGrp="1"/>
+          </p:cNvSpPr>
+          <p:nvPr>
+            <p:ph type="dt" sz="half" idx="10"/>
           </p:nvPr>
         </p:nvSpPr>
         <p:spPr/>
@@ -820,56 +1339,22 @@
           <a:bodyPr/>
           <a:lstStyle/>
           <a:p>
-            <a:pPr lvl="0"/>
-            <a:r>
-              <a:rPr lang="en-US"/>
-              <a:t>Click to edit Master text styles</a:t>
-            </a:r>
-          </a:p>
-          <a:p>
-            <a:pPr lvl="1"/>
-            <a:r>
-              <a:rPr lang="en-US"/>
-              <a:t>Second level</a:t>
-            </a:r>
-          </a:p>
-          <a:p>
-            <a:pPr lvl="2"/>
-            <a:r>
-              <a:rPr lang="en-US"/>
-              <a:t>Third level</a:t>
-            </a:r>
-          </a:p>
-          <a:p>
-            <a:pPr lvl="3"/>
-            <a:r>
-              <a:rPr lang="en-US"/>
-              <a:t>Fourth level</a:t>
-            </a:r>
-          </a:p>
-          <a:p>
-            <a:pPr lvl="4"/>
-            <a:r>
-              <a:rPr lang="en-US"/>
-              <a:t>Fifth level</a:t>
-            </a:r>
-          </a:p>
-        </p:txBody>
-      </p:sp>
-      <p:sp>
-        <p:nvSpPr>
-          <p:cNvPr id="4" name="Date Placeholder 3">
-            <a:extLst>
-              <a:ext uri="{FF2B5EF4-FFF2-40B4-BE49-F238E27FC236}">
-                <a16:creationId xmlns:a16="http://schemas.microsoft.com/office/drawing/2014/main" id="{67C407E6-6D23-FF9D-D72E-78B0EEE13CF9}"/>
-              </a:ext>
-            </a:extLst>
-          </p:cNvPr>
-          <p:cNvSpPr>
-            <a:spLocks noGrp="1"/>
-          </p:cNvSpPr>
-          <p:nvPr>
-            <p:ph type="dt" sz="half" idx="10"/>
+            <a:fld id="{85BF9358-3AEC-4E50-AD46-D7C937B91650}" type="datetimeFigureOut">
+              <a:rPr lang="en-US" smtClean="0"/>
+              <a:t>12/5/2024</a:t>
+            </a:fld>
+            <a:endParaRPr lang="en-US"/>
+          </a:p>
+        </p:txBody>
+      </p:sp>
+      <p:sp>
+        <p:nvSpPr>
+          <p:cNvPr id="5" name="Footer Placeholder 4"/>
+          <p:cNvSpPr>
+            <a:spLocks noGrp="1"/>
+          </p:cNvSpPr>
+          <p:nvPr>
+            <p:ph type="ftr" sz="quarter" idx="11"/>
           </p:nvPr>
         </p:nvSpPr>
         <p:spPr/>
@@ -877,48 +1362,13 @@
           <a:bodyPr/>
           <a:lstStyle/>
           <a:p>
-            <a:fld id="{85BF9358-3AEC-4E50-AD46-D7C937B91650}" type="datetimeFigureOut">
-              <a:rPr lang="en-US" smtClean="0"/>
-              <a:t>12/3/2024</a:t>
-            </a:fld>
             <a:endParaRPr lang="en-US"/>
           </a:p>
         </p:txBody>
       </p:sp>
       <p:sp>
         <p:nvSpPr>
-          <p:cNvPr id="5" name="Footer Placeholder 4">
-            <a:extLst>
-              <a:ext uri="{FF2B5EF4-FFF2-40B4-BE49-F238E27FC236}">
-                <a16:creationId xmlns:a16="http://schemas.microsoft.com/office/drawing/2014/main" id="{1C5C8E1F-7028-A7F9-E262-9A9FC0A35579}"/>
-              </a:ext>
-            </a:extLst>
-          </p:cNvPr>
-          <p:cNvSpPr>
-            <a:spLocks noGrp="1"/>
-          </p:cNvSpPr>
-          <p:nvPr>
-            <p:ph type="ftr" sz="quarter" idx="11"/>
-          </p:nvPr>
-        </p:nvSpPr>
-        <p:spPr/>
-        <p:txBody>
-          <a:bodyPr/>
-          <a:lstStyle/>
-          <a:p>
-            <a:endParaRPr lang="en-US"/>
-          </a:p>
-        </p:txBody>
-      </p:sp>
-      <p:sp>
-        <p:nvSpPr>
-          <p:cNvPr id="6" name="Slide Number Placeholder 5">
-            <a:extLst>
-              <a:ext uri="{FF2B5EF4-FFF2-40B4-BE49-F238E27FC236}">
-                <a16:creationId xmlns:a16="http://schemas.microsoft.com/office/drawing/2014/main" id="{6565C6D8-3258-7A6F-2711-0A5DD8A8F0CF}"/>
-              </a:ext>
-            </a:extLst>
-          </p:cNvPr>
+          <p:cNvPr id="6" name="Slide Number Placeholder 5"/>
           <p:cNvSpPr>
             <a:spLocks noGrp="1"/>
           </p:cNvSpPr>
@@ -942,7 +1392,7 @@
     </p:spTree>
     <p:extLst>
       <p:ext uri="{BB962C8B-B14F-4D97-AF65-F5344CB8AC3E}">
-        <p14:creationId xmlns:p14="http://schemas.microsoft.com/office/powerpoint/2010/main" val="3350073039"/>
+        <p14:creationId xmlns:p14="http://schemas.microsoft.com/office/powerpoint/2010/main" val="3101968163"/>
       </p:ext>
     </p:extLst>
   </p:cSld>
@@ -953,8 +1403,16 @@
 </file>
 
 <file path=ppt/slideLayouts/slideLayout3.xml><?xml version="1.0" encoding="utf-8"?>
-<p:sldLayout xmlns:a="http://schemas.openxmlformats.org/drawingml/2006/main" xmlns:r="http://schemas.openxmlformats.org/officeDocument/2006/relationships" xmlns:p="http://schemas.openxmlformats.org/presentationml/2006/main" type="secHead" preserve="1">
+<p:sldLayout xmlns:a="http://schemas.openxmlformats.org/drawingml/2006/main" xmlns:r="http://schemas.openxmlformats.org/officeDocument/2006/relationships" xmlns:p="http://schemas.openxmlformats.org/presentationml/2006/main" showMasterSp="0" type="secHead" preserve="1">
   <p:cSld name="Section Header">
+    <p:bg>
+      <p:bgPr>
+        <a:solidFill>
+          <a:schemeClr val="bg1"/>
+        </a:solidFill>
+        <a:effectLst/>
+      </p:bgPr>
+    </p:bg>
     <p:spTree>
       <p:nvGrpSpPr>
         <p:cNvPr id="1" name=""/>
@@ -971,79 +1429,157 @@
       </p:grpSpPr>
       <p:sp>
         <p:nvSpPr>
-          <p:cNvPr id="2" name="Title 1">
-            <a:extLst>
-              <a:ext uri="{FF2B5EF4-FFF2-40B4-BE49-F238E27FC236}">
-                <a16:creationId xmlns:a16="http://schemas.microsoft.com/office/drawing/2014/main" id="{E43B8A77-D33D-20BE-E15B-CA789A65DC54}"/>
-              </a:ext>
-            </a:extLst>
-          </p:cNvPr>
-          <p:cNvSpPr>
-            <a:spLocks noGrp="1"/>
-          </p:cNvSpPr>
-          <p:nvPr>
-            <p:ph type="title"/>
-          </p:nvPr>
+          <p:cNvPr id="7" name="Rectangle 6"/>
+          <p:cNvSpPr/>
+          <p:nvPr/>
         </p:nvSpPr>
         <p:spPr>
           <a:xfrm>
-            <a:off x="831850" y="1709738"/>
-            <a:ext cx="10515600" cy="2852737"/>
+            <a:off x="3175" y="6400800"/>
+            <a:ext cx="12188825" cy="457200"/>
+          </a:xfrm>
+          <a:prstGeom prst="rect">
+            <a:avLst/>
+          </a:prstGeom>
+          <a:solidFill>
+            <a:schemeClr val="accent2"/>
+          </a:solidFill>
+          <a:ln>
+            <a:noFill/>
+          </a:ln>
+        </p:spPr>
+        <p:style>
+          <a:lnRef idx="2">
+            <a:schemeClr val="accent1">
+              <a:shade val="50000"/>
+            </a:schemeClr>
+          </a:lnRef>
+          <a:fillRef idx="1">
+            <a:schemeClr val="accent1"/>
+          </a:fillRef>
+          <a:effectRef idx="0">
+            <a:schemeClr val="accent1"/>
+          </a:effectRef>
+          <a:fontRef idx="minor">
+            <a:schemeClr val="lt1"/>
+          </a:fontRef>
+        </p:style>
+      </p:sp>
+      <p:sp>
+        <p:nvSpPr>
+          <p:cNvPr id="8" name="Rectangle 7"/>
+          <p:cNvSpPr/>
+          <p:nvPr/>
+        </p:nvSpPr>
+        <p:spPr>
+          <a:xfrm>
+            <a:off x="15" y="6334316"/>
+            <a:ext cx="12188825" cy="64008"/>
+          </a:xfrm>
+          <a:prstGeom prst="rect">
+            <a:avLst/>
+          </a:prstGeom>
+          <a:solidFill>
+            <a:schemeClr val="accent1"/>
+          </a:solidFill>
+          <a:ln>
+            <a:noFill/>
+          </a:ln>
+        </p:spPr>
+        <p:style>
+          <a:lnRef idx="2">
+            <a:schemeClr val="accent1">
+              <a:shade val="50000"/>
+            </a:schemeClr>
+          </a:lnRef>
+          <a:fillRef idx="1">
+            <a:schemeClr val="accent1"/>
+          </a:fillRef>
+          <a:effectRef idx="0">
+            <a:schemeClr val="accent1"/>
+          </a:effectRef>
+          <a:fontRef idx="minor">
+            <a:schemeClr val="lt1"/>
+          </a:fontRef>
+        </p:style>
+      </p:sp>
+      <p:sp>
+        <p:nvSpPr>
+          <p:cNvPr id="2" name="Title 1"/>
+          <p:cNvSpPr>
+            <a:spLocks noGrp="1"/>
+          </p:cNvSpPr>
+          <p:nvPr>
+            <p:ph type="title"/>
+          </p:nvPr>
+        </p:nvSpPr>
+        <p:spPr>
+          <a:xfrm>
+            <a:off x="1097280" y="758952"/>
+            <a:ext cx="10058400" cy="3566160"/>
           </a:xfrm>
         </p:spPr>
         <p:txBody>
-          <a:bodyPr anchor="b"/>
+          <a:bodyPr anchor="b" anchorCtr="0">
+            <a:normAutofit/>
+          </a:bodyPr>
           <a:lstStyle>
             <a:lvl1pPr>
-              <a:defRPr sz="6000"/>
-            </a:lvl1pPr>
-          </a:lstStyle>
-          <a:p>
-            <a:r>
-              <a:rPr lang="en-US"/>
-              <a:t>Click to edit Master title style</a:t>
-            </a:r>
-          </a:p>
-        </p:txBody>
-      </p:sp>
-      <p:sp>
-        <p:nvSpPr>
-          <p:cNvPr id="3" name="Text Placeholder 2">
-            <a:extLst>
-              <a:ext uri="{FF2B5EF4-FFF2-40B4-BE49-F238E27FC236}">
-                <a16:creationId xmlns:a16="http://schemas.microsoft.com/office/drawing/2014/main" id="{AA00FD0F-05D4-9741-1ADE-32D4FBF739A5}"/>
-              </a:ext>
-            </a:extLst>
-          </p:cNvPr>
-          <p:cNvSpPr>
-            <a:spLocks noGrp="1"/>
-          </p:cNvSpPr>
-          <p:nvPr>
-            <p:ph type="body" idx="1"/>
-          </p:nvPr>
-        </p:nvSpPr>
-        <p:spPr>
-          <a:xfrm>
-            <a:off x="831850" y="4589463"/>
-            <a:ext cx="10515600" cy="1500187"/>
-          </a:xfrm>
-        </p:spPr>
-        <p:txBody>
-          <a:bodyPr/>
-          <a:lstStyle>
-            <a:lvl1pPr marL="0" indent="0">
-              <a:buNone/>
-              <a:defRPr sz="2400">
+              <a:lnSpc>
+                <a:spcPct val="85000"/>
+              </a:lnSpc>
+              <a:defRPr sz="8000" b="0">
                 <a:solidFill>
                   <a:schemeClr val="tx1">
-                    <a:tint val="75000"/>
+                    <a:lumMod val="85000"/>
+                    <a:lumOff val="15000"/>
                   </a:schemeClr>
                 </a:solidFill>
               </a:defRPr>
             </a:lvl1pPr>
+          </a:lstStyle>
+          <a:p>
+            <a:r>
+              <a:rPr lang="en-US"/>
+              <a:t>Click to edit Master title style</a:t>
+            </a:r>
+            <a:endParaRPr lang="en-US" dirty="0"/>
+          </a:p>
+        </p:txBody>
+      </p:sp>
+      <p:sp>
+        <p:nvSpPr>
+          <p:cNvPr id="3" name="Text Placeholder 2"/>
+          <p:cNvSpPr>
+            <a:spLocks noGrp="1"/>
+          </p:cNvSpPr>
+          <p:nvPr>
+            <p:ph type="body" idx="1"/>
+          </p:nvPr>
+        </p:nvSpPr>
+        <p:spPr>
+          <a:xfrm>
+            <a:off x="1097280" y="4453128"/>
+            <a:ext cx="10058400" cy="1143000"/>
+          </a:xfrm>
+        </p:spPr>
+        <p:txBody>
+          <a:bodyPr lIns="91440" rIns="91440" anchor="t" anchorCtr="0">
+            <a:normAutofit/>
+          </a:bodyPr>
+          <a:lstStyle>
+            <a:lvl1pPr marL="0" indent="0">
+              <a:buNone/>
+              <a:defRPr sz="2400" cap="all" spc="200" baseline="0">
+                <a:solidFill>
+                  <a:schemeClr val="tx2"/>
+                </a:solidFill>
+                <a:latin typeface="+mj-lt"/>
+              </a:defRPr>
+            </a:lvl1pPr>
             <a:lvl2pPr marL="457200" indent="0">
               <a:buNone/>
-              <a:defRPr sz="2000">
+              <a:defRPr sz="1800">
                 <a:solidFill>
                   <a:schemeClr val="tx1">
                     <a:tint val="75000"/>
@@ -1053,7 +1589,7 @@
             </a:lvl2pPr>
             <a:lvl3pPr marL="914400" indent="0">
               <a:buNone/>
-              <a:defRPr sz="1800">
+              <a:defRPr sz="1600">
                 <a:solidFill>
                   <a:schemeClr val="tx1">
                     <a:tint val="75000"/>
@@ -1063,7 +1599,7 @@
             </a:lvl3pPr>
             <a:lvl4pPr marL="1371600" indent="0">
               <a:buNone/>
-              <a:defRPr sz="1600">
+              <a:defRPr sz="1400">
                 <a:solidFill>
                   <a:schemeClr val="tx1">
                     <a:tint val="75000"/>
@@ -1073,7 +1609,7 @@
             </a:lvl4pPr>
             <a:lvl5pPr marL="1828800" indent="0">
               <a:buNone/>
-              <a:defRPr sz="1600">
+              <a:defRPr sz="1400">
                 <a:solidFill>
                   <a:schemeClr val="tx1">
                     <a:tint val="75000"/>
@@ -1083,7 +1619,7 @@
             </a:lvl5pPr>
             <a:lvl6pPr marL="2286000" indent="0">
               <a:buNone/>
-              <a:defRPr sz="1600">
+              <a:defRPr sz="1400">
                 <a:solidFill>
                   <a:schemeClr val="tx1">
                     <a:tint val="75000"/>
@@ -1093,7 +1629,7 @@
             </a:lvl6pPr>
             <a:lvl7pPr marL="2743200" indent="0">
               <a:buNone/>
-              <a:defRPr sz="1600">
+              <a:defRPr sz="1400">
                 <a:solidFill>
                   <a:schemeClr val="tx1">
                     <a:tint val="75000"/>
@@ -1103,7 +1639,7 @@
             </a:lvl7pPr>
             <a:lvl8pPr marL="3200400" indent="0">
               <a:buNone/>
-              <a:defRPr sz="1600">
+              <a:defRPr sz="1400">
                 <a:solidFill>
                   <a:schemeClr val="tx1">
                     <a:tint val="75000"/>
@@ -1113,7 +1649,7 @@
             </a:lvl8pPr>
             <a:lvl9pPr marL="3657600" indent="0">
               <a:buNone/>
-              <a:defRPr sz="1600">
+              <a:defRPr sz="1400">
                 <a:solidFill>
                   <a:schemeClr val="tx1">
                     <a:tint val="75000"/>
@@ -1133,13 +1669,7 @@
       </p:sp>
       <p:sp>
         <p:nvSpPr>
-          <p:cNvPr id="4" name="Date Placeholder 3">
-            <a:extLst>
-              <a:ext uri="{FF2B5EF4-FFF2-40B4-BE49-F238E27FC236}">
-                <a16:creationId xmlns:a16="http://schemas.microsoft.com/office/drawing/2014/main" id="{970B6854-1E1E-1A43-A510-4479782ADDAF}"/>
-              </a:ext>
-            </a:extLst>
-          </p:cNvPr>
+          <p:cNvPr id="4" name="Date Placeholder 3"/>
           <p:cNvSpPr>
             <a:spLocks noGrp="1"/>
           </p:cNvSpPr>
@@ -1154,7 +1684,7 @@
           <a:p>
             <a:fld id="{85BF9358-3AEC-4E50-AD46-D7C937B91650}" type="datetimeFigureOut">
               <a:rPr lang="en-US" smtClean="0"/>
-              <a:t>12/3/2024</a:t>
+              <a:t>12/5/2024</a:t>
             </a:fld>
             <a:endParaRPr lang="en-US"/>
           </a:p>
@@ -1162,13 +1692,7 @@
       </p:sp>
       <p:sp>
         <p:nvSpPr>
-          <p:cNvPr id="5" name="Footer Placeholder 4">
-            <a:extLst>
-              <a:ext uri="{FF2B5EF4-FFF2-40B4-BE49-F238E27FC236}">
-                <a16:creationId xmlns:a16="http://schemas.microsoft.com/office/drawing/2014/main" id="{F8075A33-D31D-225A-2331-0005692421FB}"/>
-              </a:ext>
-            </a:extLst>
-          </p:cNvPr>
+          <p:cNvPr id="5" name="Footer Placeholder 4"/>
           <p:cNvSpPr>
             <a:spLocks noGrp="1"/>
           </p:cNvSpPr>
@@ -1187,13 +1711,7 @@
       </p:sp>
       <p:sp>
         <p:nvSpPr>
-          <p:cNvPr id="6" name="Slide Number Placeholder 5">
-            <a:extLst>
-              <a:ext uri="{FF2B5EF4-FFF2-40B4-BE49-F238E27FC236}">
-                <a16:creationId xmlns:a16="http://schemas.microsoft.com/office/drawing/2014/main" id="{632FCA42-F2DB-E6FC-DD0E-9ED503BC3CBE}"/>
-              </a:ext>
-            </a:extLst>
-          </p:cNvPr>
+          <p:cNvPr id="6" name="Slide Number Placeholder 5"/>
           <p:cNvSpPr>
             <a:spLocks noGrp="1"/>
           </p:cNvSpPr>
@@ -1214,10 +1732,48 @@
           </a:p>
         </p:txBody>
       </p:sp>
+      <p:cxnSp>
+        <p:nvCxnSpPr>
+          <p:cNvPr id="9" name="Straight Connector 8"/>
+          <p:cNvCxnSpPr/>
+          <p:nvPr/>
+        </p:nvCxnSpPr>
+        <p:spPr>
+          <a:xfrm>
+            <a:off x="1207658" y="4343400"/>
+            <a:ext cx="9875520" cy="0"/>
+          </a:xfrm>
+          <a:prstGeom prst="line">
+            <a:avLst/>
+          </a:prstGeom>
+          <a:ln w="6350">
+            <a:solidFill>
+              <a:schemeClr val="tx1">
+                <a:lumMod val="50000"/>
+                <a:lumOff val="50000"/>
+              </a:schemeClr>
+            </a:solidFill>
+          </a:ln>
+        </p:spPr>
+        <p:style>
+          <a:lnRef idx="1">
+            <a:schemeClr val="accent1"/>
+          </a:lnRef>
+          <a:fillRef idx="0">
+            <a:schemeClr val="accent1"/>
+          </a:fillRef>
+          <a:effectRef idx="0">
+            <a:schemeClr val="accent1"/>
+          </a:effectRef>
+          <a:fontRef idx="minor">
+            <a:schemeClr val="tx1"/>
+          </a:fontRef>
+        </p:style>
+      </p:cxnSp>
     </p:spTree>
     <p:extLst>
       <p:ext uri="{BB962C8B-B14F-4D97-AF65-F5344CB8AC3E}">
-        <p14:creationId xmlns:p14="http://schemas.microsoft.com/office/powerpoint/2010/main" val="4214322409"/>
+        <p14:creationId xmlns:p14="http://schemas.microsoft.com/office/powerpoint/2010/main" val="1904064088"/>
       </p:ext>
     </p:extLst>
   </p:cSld>
@@ -1246,13 +1802,7 @@
       </p:grpSpPr>
       <p:sp>
         <p:nvSpPr>
-          <p:cNvPr id="2" name="Title 1">
-            <a:extLst>
-              <a:ext uri="{FF2B5EF4-FFF2-40B4-BE49-F238E27FC236}">
-                <a16:creationId xmlns:a16="http://schemas.microsoft.com/office/drawing/2014/main" id="{391B44DB-ED0E-7752-F92A-2E317FBEAD98}"/>
-              </a:ext>
-            </a:extLst>
-          </p:cNvPr>
+          <p:cNvPr id="8" name="Title 7"/>
           <p:cNvSpPr>
             <a:spLocks noGrp="1"/>
           </p:cNvSpPr>
@@ -1260,7 +1810,12 @@
             <p:ph type="title"/>
           </p:nvPr>
         </p:nvSpPr>
-        <p:spPr/>
+        <p:spPr>
+          <a:xfrm>
+            <a:off x="1097280" y="286603"/>
+            <a:ext cx="10058400" cy="1450757"/>
+          </a:xfrm>
+        </p:spPr>
         <p:txBody>
           <a:bodyPr/>
           <a:lstStyle/>
@@ -1269,18 +1824,13 @@
               <a:rPr lang="en-US"/>
               <a:t>Click to edit Master title style</a:t>
             </a:r>
-          </a:p>
-        </p:txBody>
-      </p:sp>
-      <p:sp>
-        <p:nvSpPr>
-          <p:cNvPr id="3" name="Content Placeholder 2">
-            <a:extLst>
-              <a:ext uri="{FF2B5EF4-FFF2-40B4-BE49-F238E27FC236}">
-                <a16:creationId xmlns:a16="http://schemas.microsoft.com/office/drawing/2014/main" id="{309DFFAA-184D-80B9-427A-7A1B7B573CB4}"/>
-              </a:ext>
-            </a:extLst>
-          </p:cNvPr>
+            <a:endParaRPr lang="en-US" dirty="0"/>
+          </a:p>
+        </p:txBody>
+      </p:sp>
+      <p:sp>
+        <p:nvSpPr>
+          <p:cNvPr id="3" name="Content Placeholder 2"/>
           <p:cNvSpPr>
             <a:spLocks noGrp="1"/>
           </p:cNvSpPr>
@@ -1290,8 +1840,8 @@
         </p:nvSpPr>
         <p:spPr>
           <a:xfrm>
-            <a:off x="838200" y="1825625"/>
-            <a:ext cx="5181600" cy="4351338"/>
+            <a:off x="1097279" y="1845734"/>
+            <a:ext cx="4937760" cy="4023360"/>
           </a:xfrm>
         </p:spPr>
         <p:txBody>
@@ -1331,18 +1881,13 @@
               <a:rPr lang="en-US"/>
               <a:t>Fifth level</a:t>
             </a:r>
-          </a:p>
-        </p:txBody>
-      </p:sp>
-      <p:sp>
-        <p:nvSpPr>
-          <p:cNvPr id="4" name="Content Placeholder 3">
-            <a:extLst>
-              <a:ext uri="{FF2B5EF4-FFF2-40B4-BE49-F238E27FC236}">
-                <a16:creationId xmlns:a16="http://schemas.microsoft.com/office/drawing/2014/main" id="{756EA593-BA89-EE64-EA0F-E841CF4EFE55}"/>
-              </a:ext>
-            </a:extLst>
-          </p:cNvPr>
+            <a:endParaRPr lang="en-US" dirty="0"/>
+          </a:p>
+        </p:txBody>
+      </p:sp>
+      <p:sp>
+        <p:nvSpPr>
+          <p:cNvPr id="4" name="Content Placeholder 3"/>
           <p:cNvSpPr>
             <a:spLocks noGrp="1"/>
           </p:cNvSpPr>
@@ -1352,8 +1897,8 @@
         </p:nvSpPr>
         <p:spPr>
           <a:xfrm>
-            <a:off x="6172200" y="1825625"/>
-            <a:ext cx="5181600" cy="4351338"/>
+            <a:off x="6217920" y="1845735"/>
+            <a:ext cx="4937760" cy="4023360"/>
           </a:xfrm>
         </p:spPr>
         <p:txBody>
@@ -1393,18 +1938,13 @@
               <a:rPr lang="en-US"/>
               <a:t>Fifth level</a:t>
             </a:r>
-          </a:p>
-        </p:txBody>
-      </p:sp>
-      <p:sp>
-        <p:nvSpPr>
-          <p:cNvPr id="5" name="Date Placeholder 4">
-            <a:extLst>
-              <a:ext uri="{FF2B5EF4-FFF2-40B4-BE49-F238E27FC236}">
-                <a16:creationId xmlns:a16="http://schemas.microsoft.com/office/drawing/2014/main" id="{C5444F23-DEA0-8993-E663-9ABE89D39D73}"/>
-              </a:ext>
-            </a:extLst>
-          </p:cNvPr>
+            <a:endParaRPr lang="en-US" dirty="0"/>
+          </a:p>
+        </p:txBody>
+      </p:sp>
+      <p:sp>
+        <p:nvSpPr>
+          <p:cNvPr id="5" name="Date Placeholder 4"/>
           <p:cNvSpPr>
             <a:spLocks noGrp="1"/>
           </p:cNvSpPr>
@@ -1419,7 +1959,7 @@
           <a:p>
             <a:fld id="{85BF9358-3AEC-4E50-AD46-D7C937B91650}" type="datetimeFigureOut">
               <a:rPr lang="en-US" smtClean="0"/>
-              <a:t>12/3/2024</a:t>
+              <a:t>12/5/2024</a:t>
             </a:fld>
             <a:endParaRPr lang="en-US"/>
           </a:p>
@@ -1427,13 +1967,7 @@
       </p:sp>
       <p:sp>
         <p:nvSpPr>
-          <p:cNvPr id="6" name="Footer Placeholder 5">
-            <a:extLst>
-              <a:ext uri="{FF2B5EF4-FFF2-40B4-BE49-F238E27FC236}">
-                <a16:creationId xmlns:a16="http://schemas.microsoft.com/office/drawing/2014/main" id="{4F181A86-FA4B-535F-E93D-6C3F34CCD306}"/>
-              </a:ext>
-            </a:extLst>
-          </p:cNvPr>
+          <p:cNvPr id="6" name="Footer Placeholder 5"/>
           <p:cNvSpPr>
             <a:spLocks noGrp="1"/>
           </p:cNvSpPr>
@@ -1452,13 +1986,7 @@
       </p:sp>
       <p:sp>
         <p:nvSpPr>
-          <p:cNvPr id="7" name="Slide Number Placeholder 6">
-            <a:extLst>
-              <a:ext uri="{FF2B5EF4-FFF2-40B4-BE49-F238E27FC236}">
-                <a16:creationId xmlns:a16="http://schemas.microsoft.com/office/drawing/2014/main" id="{CA76BE13-50EF-2B43-97CB-8F6E88B23CEA}"/>
-              </a:ext>
-            </a:extLst>
-          </p:cNvPr>
+          <p:cNvPr id="7" name="Slide Number Placeholder 6"/>
           <p:cNvSpPr>
             <a:spLocks noGrp="1"/>
           </p:cNvSpPr>
@@ -1482,7 +2010,7 @@
     </p:spTree>
     <p:extLst>
       <p:ext uri="{BB962C8B-B14F-4D97-AF65-F5344CB8AC3E}">
-        <p14:creationId xmlns:p14="http://schemas.microsoft.com/office/powerpoint/2010/main" val="2659976471"/>
+        <p14:creationId xmlns:p14="http://schemas.microsoft.com/office/powerpoint/2010/main" val="1259633374"/>
       </p:ext>
     </p:extLst>
   </p:cSld>
@@ -1511,13 +2039,7 @@
       </p:grpSpPr>
       <p:sp>
         <p:nvSpPr>
-          <p:cNvPr id="2" name="Title 1">
-            <a:extLst>
-              <a:ext uri="{FF2B5EF4-FFF2-40B4-BE49-F238E27FC236}">
-                <a16:creationId xmlns:a16="http://schemas.microsoft.com/office/drawing/2014/main" id="{3757ED96-3337-4349-A385-303072883BE3}"/>
-              </a:ext>
-            </a:extLst>
-          </p:cNvPr>
+          <p:cNvPr id="10" name="Title 9"/>
           <p:cNvSpPr>
             <a:spLocks noGrp="1"/>
           </p:cNvSpPr>
@@ -1527,8 +2049,8 @@
         </p:nvSpPr>
         <p:spPr>
           <a:xfrm>
-            <a:off x="839788" y="365125"/>
-            <a:ext cx="10515600" cy="1325563"/>
+            <a:off x="1097280" y="286603"/>
+            <a:ext cx="10058400" cy="1450757"/>
           </a:xfrm>
         </p:spPr>
         <p:txBody>
@@ -1539,18 +2061,13 @@
               <a:rPr lang="en-US"/>
               <a:t>Click to edit Master title style</a:t>
             </a:r>
-          </a:p>
-        </p:txBody>
-      </p:sp>
-      <p:sp>
-        <p:nvSpPr>
-          <p:cNvPr id="3" name="Text Placeholder 2">
-            <a:extLst>
-              <a:ext uri="{FF2B5EF4-FFF2-40B4-BE49-F238E27FC236}">
-                <a16:creationId xmlns:a16="http://schemas.microsoft.com/office/drawing/2014/main" id="{6E1C155D-F07F-07F9-1FC6-BE73CACF1071}"/>
-              </a:ext>
-            </a:extLst>
-          </p:cNvPr>
+            <a:endParaRPr lang="en-US" dirty="0"/>
+          </a:p>
+        </p:txBody>
+      </p:sp>
+      <p:sp>
+        <p:nvSpPr>
+          <p:cNvPr id="3" name="Text Placeholder 2"/>
           <p:cNvSpPr>
             <a:spLocks noGrp="1"/>
           </p:cNvSpPr>
@@ -1560,16 +2077,22 @@
         </p:nvSpPr>
         <p:spPr>
           <a:xfrm>
-            <a:off x="839788" y="1681163"/>
-            <a:ext cx="5157787" cy="823912"/>
+            <a:off x="1097280" y="1846052"/>
+            <a:ext cx="4937760" cy="736282"/>
           </a:xfrm>
         </p:spPr>
         <p:txBody>
-          <a:bodyPr anchor="b"/>
+          <a:bodyPr lIns="91440" rIns="91440" anchor="ctr">
+            <a:normAutofit/>
+          </a:bodyPr>
           <a:lstStyle>
             <a:lvl1pPr marL="0" indent="0">
               <a:buNone/>
-              <a:defRPr sz="2400" b="1"/>
+              <a:defRPr sz="2000" b="0" cap="all" baseline="0">
+                <a:solidFill>
+                  <a:schemeClr val="tx2"/>
+                </a:solidFill>
+              </a:defRPr>
             </a:lvl1pPr>
             <a:lvl2pPr marL="457200" indent="0">
               <a:buNone/>
@@ -1615,13 +2138,7 @@
       </p:sp>
       <p:sp>
         <p:nvSpPr>
-          <p:cNvPr id="4" name="Content Placeholder 3">
-            <a:extLst>
-              <a:ext uri="{FF2B5EF4-FFF2-40B4-BE49-F238E27FC236}">
-                <a16:creationId xmlns:a16="http://schemas.microsoft.com/office/drawing/2014/main" id="{5B41495F-2E47-1831-AFBF-738313FBE297}"/>
-              </a:ext>
-            </a:extLst>
-          </p:cNvPr>
+          <p:cNvPr id="4" name="Content Placeholder 3"/>
           <p:cNvSpPr>
             <a:spLocks noGrp="1"/>
           </p:cNvSpPr>
@@ -1631,8 +2148,8 @@
         </p:nvSpPr>
         <p:spPr>
           <a:xfrm>
-            <a:off x="839788" y="2505075"/>
-            <a:ext cx="5157787" cy="3684588"/>
+            <a:off x="1097280" y="2582334"/>
+            <a:ext cx="4937760" cy="3378200"/>
           </a:xfrm>
         </p:spPr>
         <p:txBody>
@@ -1672,18 +2189,13 @@
               <a:rPr lang="en-US"/>
               <a:t>Fifth level</a:t>
             </a:r>
-          </a:p>
-        </p:txBody>
-      </p:sp>
-      <p:sp>
-        <p:nvSpPr>
-          <p:cNvPr id="5" name="Text Placeholder 4">
-            <a:extLst>
-              <a:ext uri="{FF2B5EF4-FFF2-40B4-BE49-F238E27FC236}">
-                <a16:creationId xmlns:a16="http://schemas.microsoft.com/office/drawing/2014/main" id="{68CCA697-A734-A955-766C-16C402F61E70}"/>
-              </a:ext>
-            </a:extLst>
-          </p:cNvPr>
+            <a:endParaRPr lang="en-US" dirty="0"/>
+          </a:p>
+        </p:txBody>
+      </p:sp>
+      <p:sp>
+        <p:nvSpPr>
+          <p:cNvPr id="5" name="Text Placeholder 4"/>
           <p:cNvSpPr>
             <a:spLocks noGrp="1"/>
           </p:cNvSpPr>
@@ -1693,16 +2205,22 @@
         </p:nvSpPr>
         <p:spPr>
           <a:xfrm>
-            <a:off x="6172200" y="1681163"/>
-            <a:ext cx="5183188" cy="823912"/>
+            <a:off x="6217920" y="1846052"/>
+            <a:ext cx="4937760" cy="736282"/>
           </a:xfrm>
         </p:spPr>
         <p:txBody>
-          <a:bodyPr anchor="b"/>
+          <a:bodyPr lIns="91440" rIns="91440" anchor="ctr">
+            <a:normAutofit/>
+          </a:bodyPr>
           <a:lstStyle>
             <a:lvl1pPr marL="0" indent="0">
               <a:buNone/>
-              <a:defRPr sz="2400" b="1"/>
+              <a:defRPr sz="2000" b="0" cap="all" baseline="0">
+                <a:solidFill>
+                  <a:schemeClr val="tx2"/>
+                </a:solidFill>
+              </a:defRPr>
             </a:lvl1pPr>
             <a:lvl2pPr marL="457200" indent="0">
               <a:buNone/>
@@ -1748,13 +2266,7 @@
       </p:sp>
       <p:sp>
         <p:nvSpPr>
-          <p:cNvPr id="6" name="Content Placeholder 5">
-            <a:extLst>
-              <a:ext uri="{FF2B5EF4-FFF2-40B4-BE49-F238E27FC236}">
-                <a16:creationId xmlns:a16="http://schemas.microsoft.com/office/drawing/2014/main" id="{DF7508B5-9B19-1FEC-E49C-A1A437476705}"/>
-              </a:ext>
-            </a:extLst>
-          </p:cNvPr>
+          <p:cNvPr id="6" name="Content Placeholder 5"/>
           <p:cNvSpPr>
             <a:spLocks noGrp="1"/>
           </p:cNvSpPr>
@@ -1764,8 +2276,8 @@
         </p:nvSpPr>
         <p:spPr>
           <a:xfrm>
-            <a:off x="6172200" y="2505075"/>
-            <a:ext cx="5183188" cy="3684588"/>
+            <a:off x="6217920" y="2582334"/>
+            <a:ext cx="4937760" cy="3378200"/>
           </a:xfrm>
         </p:spPr>
         <p:txBody>
@@ -1805,18 +2317,13 @@
               <a:rPr lang="en-US"/>
               <a:t>Fifth level</a:t>
             </a:r>
-          </a:p>
-        </p:txBody>
-      </p:sp>
-      <p:sp>
-        <p:nvSpPr>
-          <p:cNvPr id="7" name="Date Placeholder 6">
-            <a:extLst>
-              <a:ext uri="{FF2B5EF4-FFF2-40B4-BE49-F238E27FC236}">
-                <a16:creationId xmlns:a16="http://schemas.microsoft.com/office/drawing/2014/main" id="{73D3100E-21E9-E076-A7DE-50D096C986CF}"/>
-              </a:ext>
-            </a:extLst>
-          </p:cNvPr>
+            <a:endParaRPr lang="en-US" dirty="0"/>
+          </a:p>
+        </p:txBody>
+      </p:sp>
+      <p:sp>
+        <p:nvSpPr>
+          <p:cNvPr id="7" name="Date Placeholder 6"/>
           <p:cNvSpPr>
             <a:spLocks noGrp="1"/>
           </p:cNvSpPr>
@@ -1831,7 +2338,7 @@
           <a:p>
             <a:fld id="{85BF9358-3AEC-4E50-AD46-D7C937B91650}" type="datetimeFigureOut">
               <a:rPr lang="en-US" smtClean="0"/>
-              <a:t>12/3/2024</a:t>
+              <a:t>12/5/2024</a:t>
             </a:fld>
             <a:endParaRPr lang="en-US"/>
           </a:p>
@@ -1839,13 +2346,7 @@
       </p:sp>
       <p:sp>
         <p:nvSpPr>
-          <p:cNvPr id="8" name="Footer Placeholder 7">
-            <a:extLst>
-              <a:ext uri="{FF2B5EF4-FFF2-40B4-BE49-F238E27FC236}">
-                <a16:creationId xmlns:a16="http://schemas.microsoft.com/office/drawing/2014/main" id="{0B91096A-B08A-97D0-803C-82990024C3CC}"/>
-              </a:ext>
-            </a:extLst>
-          </p:cNvPr>
+          <p:cNvPr id="8" name="Footer Placeholder 7"/>
           <p:cNvSpPr>
             <a:spLocks noGrp="1"/>
           </p:cNvSpPr>
@@ -1864,13 +2365,7 @@
       </p:sp>
       <p:sp>
         <p:nvSpPr>
-          <p:cNvPr id="9" name="Slide Number Placeholder 8">
-            <a:extLst>
-              <a:ext uri="{FF2B5EF4-FFF2-40B4-BE49-F238E27FC236}">
-                <a16:creationId xmlns:a16="http://schemas.microsoft.com/office/drawing/2014/main" id="{A7D51A6C-2F13-FF83-1CFB-4F8A98B1AB18}"/>
-              </a:ext>
-            </a:extLst>
-          </p:cNvPr>
+          <p:cNvPr id="9" name="Slide Number Placeholder 8"/>
           <p:cNvSpPr>
             <a:spLocks noGrp="1"/>
           </p:cNvSpPr>
@@ -1894,7 +2389,7 @@
     </p:spTree>
     <p:extLst>
       <p:ext uri="{BB962C8B-B14F-4D97-AF65-F5344CB8AC3E}">
-        <p14:creationId xmlns:p14="http://schemas.microsoft.com/office/powerpoint/2010/main" val="1569725515"/>
+        <p14:creationId xmlns:p14="http://schemas.microsoft.com/office/powerpoint/2010/main" val="3446511004"/>
       </p:ext>
     </p:extLst>
   </p:cSld>
@@ -1923,13 +2418,7 @@
       </p:grpSpPr>
       <p:sp>
         <p:nvSpPr>
-          <p:cNvPr id="2" name="Title 1">
-            <a:extLst>
-              <a:ext uri="{FF2B5EF4-FFF2-40B4-BE49-F238E27FC236}">
-                <a16:creationId xmlns:a16="http://schemas.microsoft.com/office/drawing/2014/main" id="{FA8932DB-F472-24D3-395F-25614F01FB1F}"/>
-              </a:ext>
-            </a:extLst>
-          </p:cNvPr>
+          <p:cNvPr id="2" name="Title 1"/>
           <p:cNvSpPr>
             <a:spLocks noGrp="1"/>
           </p:cNvSpPr>
@@ -1946,18 +2435,13 @@
               <a:rPr lang="en-US"/>
               <a:t>Click to edit Master title style</a:t>
             </a:r>
-          </a:p>
-        </p:txBody>
-      </p:sp>
-      <p:sp>
-        <p:nvSpPr>
-          <p:cNvPr id="3" name="Date Placeholder 2">
-            <a:extLst>
-              <a:ext uri="{FF2B5EF4-FFF2-40B4-BE49-F238E27FC236}">
-                <a16:creationId xmlns:a16="http://schemas.microsoft.com/office/drawing/2014/main" id="{46ADB594-7345-12A9-AA85-B625225958BF}"/>
-              </a:ext>
-            </a:extLst>
-          </p:cNvPr>
+            <a:endParaRPr lang="en-US" dirty="0"/>
+          </a:p>
+        </p:txBody>
+      </p:sp>
+      <p:sp>
+        <p:nvSpPr>
+          <p:cNvPr id="3" name="Date Placeholder 2"/>
           <p:cNvSpPr>
             <a:spLocks noGrp="1"/>
           </p:cNvSpPr>
@@ -1972,7 +2456,7 @@
           <a:p>
             <a:fld id="{85BF9358-3AEC-4E50-AD46-D7C937B91650}" type="datetimeFigureOut">
               <a:rPr lang="en-US" smtClean="0"/>
-              <a:t>12/3/2024</a:t>
+              <a:t>12/5/2024</a:t>
             </a:fld>
             <a:endParaRPr lang="en-US"/>
           </a:p>
@@ -1980,13 +2464,7 @@
       </p:sp>
       <p:sp>
         <p:nvSpPr>
-          <p:cNvPr id="4" name="Footer Placeholder 3">
-            <a:extLst>
-              <a:ext uri="{FF2B5EF4-FFF2-40B4-BE49-F238E27FC236}">
-                <a16:creationId xmlns:a16="http://schemas.microsoft.com/office/drawing/2014/main" id="{C53E52A6-0DD6-BBBC-4C6C-80561B5B244B}"/>
-              </a:ext>
-            </a:extLst>
-          </p:cNvPr>
+          <p:cNvPr id="4" name="Footer Placeholder 3"/>
           <p:cNvSpPr>
             <a:spLocks noGrp="1"/>
           </p:cNvSpPr>
@@ -2005,13 +2483,7 @@
       </p:sp>
       <p:sp>
         <p:nvSpPr>
-          <p:cNvPr id="5" name="Slide Number Placeholder 4">
-            <a:extLst>
-              <a:ext uri="{FF2B5EF4-FFF2-40B4-BE49-F238E27FC236}">
-                <a16:creationId xmlns:a16="http://schemas.microsoft.com/office/drawing/2014/main" id="{17CAF426-95D9-E511-B80F-72AA00A17A20}"/>
-              </a:ext>
-            </a:extLst>
-          </p:cNvPr>
+          <p:cNvPr id="5" name="Slide Number Placeholder 4"/>
           <p:cNvSpPr>
             <a:spLocks noGrp="1"/>
           </p:cNvSpPr>
@@ -2035,7 +2507,7 @@
     </p:spTree>
     <p:extLst>
       <p:ext uri="{BB962C8B-B14F-4D97-AF65-F5344CB8AC3E}">
-        <p14:creationId xmlns:p14="http://schemas.microsoft.com/office/powerpoint/2010/main" val="4158459299"/>
+        <p14:creationId xmlns:p14="http://schemas.microsoft.com/office/powerpoint/2010/main" val="479944510"/>
       </p:ext>
     </p:extLst>
   </p:cSld>
@@ -2046,7 +2518,7 @@
 </file>
 
 <file path=ppt/slideLayouts/slideLayout7.xml><?xml version="1.0" encoding="utf-8"?>
-<p:sldLayout xmlns:a="http://schemas.openxmlformats.org/drawingml/2006/main" xmlns:r="http://schemas.openxmlformats.org/officeDocument/2006/relationships" xmlns:p="http://schemas.openxmlformats.org/presentationml/2006/main" type="blank" preserve="1">
+<p:sldLayout xmlns:a="http://schemas.openxmlformats.org/drawingml/2006/main" xmlns:r="http://schemas.openxmlformats.org/officeDocument/2006/relationships" xmlns:p="http://schemas.openxmlformats.org/presentationml/2006/main" showMasterSp="0" type="blank" preserve="1">
   <p:cSld name="Blank">
     <p:spTree>
       <p:nvGrpSpPr>
@@ -2064,13 +2536,83 @@
       </p:grpSpPr>
       <p:sp>
         <p:nvSpPr>
-          <p:cNvPr id="2" name="Date Placeholder 1">
-            <a:extLst>
-              <a:ext uri="{FF2B5EF4-FFF2-40B4-BE49-F238E27FC236}">
-                <a16:creationId xmlns:a16="http://schemas.microsoft.com/office/drawing/2014/main" id="{225770B1-5F3F-338C-3F19-B1488CAB8C24}"/>
-              </a:ext>
-            </a:extLst>
-          </p:cNvPr>
+          <p:cNvPr id="5" name="Rectangle 4"/>
+          <p:cNvSpPr/>
+          <p:nvPr/>
+        </p:nvSpPr>
+        <p:spPr>
+          <a:xfrm>
+            <a:off x="3175" y="6400800"/>
+            <a:ext cx="12188825" cy="457200"/>
+          </a:xfrm>
+          <a:prstGeom prst="rect">
+            <a:avLst/>
+          </a:prstGeom>
+          <a:solidFill>
+            <a:schemeClr val="accent2"/>
+          </a:solidFill>
+          <a:ln>
+            <a:noFill/>
+          </a:ln>
+        </p:spPr>
+        <p:style>
+          <a:lnRef idx="2">
+            <a:schemeClr val="accent1">
+              <a:shade val="50000"/>
+            </a:schemeClr>
+          </a:lnRef>
+          <a:fillRef idx="1">
+            <a:schemeClr val="accent1"/>
+          </a:fillRef>
+          <a:effectRef idx="0">
+            <a:schemeClr val="accent1"/>
+          </a:effectRef>
+          <a:fontRef idx="minor">
+            <a:schemeClr val="lt1"/>
+          </a:fontRef>
+        </p:style>
+      </p:sp>
+      <p:sp>
+        <p:nvSpPr>
+          <p:cNvPr id="6" name="Rectangle 5"/>
+          <p:cNvSpPr/>
+          <p:nvPr/>
+        </p:nvSpPr>
+        <p:spPr>
+          <a:xfrm>
+            <a:off x="15" y="6334316"/>
+            <a:ext cx="12188825" cy="64008"/>
+          </a:xfrm>
+          <a:prstGeom prst="rect">
+            <a:avLst/>
+          </a:prstGeom>
+          <a:solidFill>
+            <a:schemeClr val="accent1"/>
+          </a:solidFill>
+          <a:ln>
+            <a:noFill/>
+          </a:ln>
+        </p:spPr>
+        <p:style>
+          <a:lnRef idx="2">
+            <a:schemeClr val="accent1">
+              <a:shade val="50000"/>
+            </a:schemeClr>
+          </a:lnRef>
+          <a:fillRef idx="1">
+            <a:schemeClr val="accent1"/>
+          </a:fillRef>
+          <a:effectRef idx="0">
+            <a:schemeClr val="accent1"/>
+          </a:effectRef>
+          <a:fontRef idx="minor">
+            <a:schemeClr val="lt1"/>
+          </a:fontRef>
+        </p:style>
+      </p:sp>
+      <p:sp>
+        <p:nvSpPr>
+          <p:cNvPr id="7" name="Date Placeholder 6"/>
           <p:cNvSpPr>
             <a:spLocks noGrp="1"/>
           </p:cNvSpPr>
@@ -2085,7 +2627,7 @@
           <a:p>
             <a:fld id="{85BF9358-3AEC-4E50-AD46-D7C937B91650}" type="datetimeFigureOut">
               <a:rPr lang="en-US" smtClean="0"/>
-              <a:t>12/3/2024</a:t>
+              <a:t>12/5/2024</a:t>
             </a:fld>
             <a:endParaRPr lang="en-US"/>
           </a:p>
@@ -2093,13 +2635,7 @@
       </p:sp>
       <p:sp>
         <p:nvSpPr>
-          <p:cNvPr id="3" name="Footer Placeholder 2">
-            <a:extLst>
-              <a:ext uri="{FF2B5EF4-FFF2-40B4-BE49-F238E27FC236}">
-                <a16:creationId xmlns:a16="http://schemas.microsoft.com/office/drawing/2014/main" id="{133C8524-4FBB-9746-7BC7-86DE3F6B96B9}"/>
-              </a:ext>
-            </a:extLst>
-          </p:cNvPr>
+          <p:cNvPr id="8" name="Footer Placeholder 7"/>
           <p:cNvSpPr>
             <a:spLocks noGrp="1"/>
           </p:cNvSpPr>
@@ -2110,7 +2646,15 @@
         <p:spPr/>
         <p:txBody>
           <a:bodyPr/>
-          <a:lstStyle/>
+          <a:lstStyle>
+            <a:lvl1pPr>
+              <a:defRPr>
+                <a:solidFill>
+                  <a:srgbClr val="FFFFFF"/>
+                </a:solidFill>
+              </a:defRPr>
+            </a:lvl1pPr>
+          </a:lstStyle>
           <a:p>
             <a:endParaRPr lang="en-US"/>
           </a:p>
@@ -2118,13 +2662,7 @@
       </p:sp>
       <p:sp>
         <p:nvSpPr>
-          <p:cNvPr id="4" name="Slide Number Placeholder 3">
-            <a:extLst>
-              <a:ext uri="{FF2B5EF4-FFF2-40B4-BE49-F238E27FC236}">
-                <a16:creationId xmlns:a16="http://schemas.microsoft.com/office/drawing/2014/main" id="{3FE13E17-2E64-00CD-9C1F-9B7D715CA77A}"/>
-              </a:ext>
-            </a:extLst>
-          </p:cNvPr>
+          <p:cNvPr id="9" name="Slide Number Placeholder 8"/>
           <p:cNvSpPr>
             <a:spLocks noGrp="1"/>
           </p:cNvSpPr>
@@ -2148,7 +2686,7 @@
     </p:spTree>
     <p:extLst>
       <p:ext uri="{BB962C8B-B14F-4D97-AF65-F5344CB8AC3E}">
-        <p14:creationId xmlns:p14="http://schemas.microsoft.com/office/powerpoint/2010/main" val="2636466536"/>
+        <p14:creationId xmlns:p14="http://schemas.microsoft.com/office/powerpoint/2010/main" val="3980692448"/>
       </p:ext>
     </p:extLst>
   </p:cSld>
@@ -2159,7 +2697,7 @@
 </file>
 
 <file path=ppt/slideLayouts/slideLayout8.xml><?xml version="1.0" encoding="utf-8"?>
-<p:sldLayout xmlns:a="http://schemas.openxmlformats.org/drawingml/2006/main" xmlns:r="http://schemas.openxmlformats.org/officeDocument/2006/relationships" xmlns:p="http://schemas.openxmlformats.org/presentationml/2006/main" type="objTx" preserve="1">
+<p:sldLayout xmlns:a="http://schemas.openxmlformats.org/drawingml/2006/main" xmlns:r="http://schemas.openxmlformats.org/officeDocument/2006/relationships" xmlns:p="http://schemas.openxmlformats.org/presentationml/2006/main" showMasterSp="0" type="objTx" preserve="1">
   <p:cSld name="Content with Caption">
     <p:spTree>
       <p:nvGrpSpPr>
@@ -2177,31 +2715,107 @@
       </p:grpSpPr>
       <p:sp>
         <p:nvSpPr>
-          <p:cNvPr id="2" name="Title 1">
-            <a:extLst>
-              <a:ext uri="{FF2B5EF4-FFF2-40B4-BE49-F238E27FC236}">
-                <a16:creationId xmlns:a16="http://schemas.microsoft.com/office/drawing/2014/main" id="{D04F1FA6-26C4-68A4-6363-242E76BFB0CC}"/>
-              </a:ext>
-            </a:extLst>
-          </p:cNvPr>
-          <p:cNvSpPr>
-            <a:spLocks noGrp="1"/>
-          </p:cNvSpPr>
-          <p:nvPr>
-            <p:ph type="title"/>
-          </p:nvPr>
+          <p:cNvPr id="8" name="Rectangle 7"/>
+          <p:cNvSpPr/>
+          <p:nvPr/>
         </p:nvSpPr>
         <p:spPr>
           <a:xfrm>
-            <a:off x="839788" y="457200"/>
-            <a:ext cx="3932237" cy="1600200"/>
+            <a:off x="16" y="0"/>
+            <a:ext cx="4050791" cy="6858000"/>
+          </a:xfrm>
+          <a:prstGeom prst="rect">
+            <a:avLst/>
+          </a:prstGeom>
+          <a:solidFill>
+            <a:schemeClr val="accent2"/>
+          </a:solidFill>
+          <a:ln>
+            <a:noFill/>
+          </a:ln>
+        </p:spPr>
+        <p:style>
+          <a:lnRef idx="2">
+            <a:schemeClr val="accent1">
+              <a:shade val="50000"/>
+            </a:schemeClr>
+          </a:lnRef>
+          <a:fillRef idx="1">
+            <a:schemeClr val="accent1"/>
+          </a:fillRef>
+          <a:effectRef idx="0">
+            <a:schemeClr val="accent1"/>
+          </a:effectRef>
+          <a:fontRef idx="minor">
+            <a:schemeClr val="lt1"/>
+          </a:fontRef>
+        </p:style>
+      </p:sp>
+      <p:sp>
+        <p:nvSpPr>
+          <p:cNvPr id="9" name="Rectangle 8"/>
+          <p:cNvSpPr/>
+          <p:nvPr/>
+        </p:nvSpPr>
+        <p:spPr>
+          <a:xfrm>
+            <a:off x="4040071" y="0"/>
+            <a:ext cx="64008" cy="6858000"/>
+          </a:xfrm>
+          <a:prstGeom prst="rect">
+            <a:avLst/>
+          </a:prstGeom>
+          <a:solidFill>
+            <a:schemeClr val="accent1"/>
+          </a:solidFill>
+          <a:ln>
+            <a:noFill/>
+          </a:ln>
+        </p:spPr>
+        <p:style>
+          <a:lnRef idx="2">
+            <a:schemeClr val="accent1">
+              <a:shade val="50000"/>
+            </a:schemeClr>
+          </a:lnRef>
+          <a:fillRef idx="1">
+            <a:schemeClr val="accent1"/>
+          </a:fillRef>
+          <a:effectRef idx="0">
+            <a:schemeClr val="accent1"/>
+          </a:effectRef>
+          <a:fontRef idx="minor">
+            <a:schemeClr val="lt1"/>
+          </a:fontRef>
+        </p:style>
+      </p:sp>
+      <p:sp>
+        <p:nvSpPr>
+          <p:cNvPr id="2" name="Title 1"/>
+          <p:cNvSpPr>
+            <a:spLocks noGrp="1"/>
+          </p:cNvSpPr>
+          <p:nvPr>
+            <p:ph type="title"/>
+          </p:nvPr>
+        </p:nvSpPr>
+        <p:spPr>
+          <a:xfrm>
+            <a:off x="457200" y="594359"/>
+            <a:ext cx="3200400" cy="2286000"/>
           </a:xfrm>
         </p:spPr>
         <p:txBody>
-          <a:bodyPr anchor="b"/>
+          <a:bodyPr anchor="b">
+            <a:normAutofit/>
+          </a:bodyPr>
           <a:lstStyle>
             <a:lvl1pPr>
-              <a:defRPr sz="3200"/>
+              <a:defRPr sz="3600" b="0">
+                <a:solidFill>
+                  <a:srgbClr val="FFFFFF"/>
+                </a:solidFill>
+              </a:defRPr>
             </a:lvl1pPr>
           </a:lstStyle>
           <a:p>
@@ -2209,18 +2823,13 @@
               <a:rPr lang="en-US"/>
               <a:t>Click to edit Master title style</a:t>
             </a:r>
-          </a:p>
-        </p:txBody>
-      </p:sp>
-      <p:sp>
-        <p:nvSpPr>
-          <p:cNvPr id="3" name="Content Placeholder 2">
-            <a:extLst>
-              <a:ext uri="{FF2B5EF4-FFF2-40B4-BE49-F238E27FC236}">
-                <a16:creationId xmlns:a16="http://schemas.microsoft.com/office/drawing/2014/main" id="{A39E16F6-B99F-0ADA-E586-24B93989CD0A}"/>
-              </a:ext>
-            </a:extLst>
-          </p:cNvPr>
+            <a:endParaRPr lang="en-US" dirty="0"/>
+          </a:p>
+        </p:txBody>
+      </p:sp>
+      <p:sp>
+        <p:nvSpPr>
+          <p:cNvPr id="3" name="Content Placeholder 2"/>
           <p:cNvSpPr>
             <a:spLocks noGrp="1"/>
           </p:cNvSpPr>
@@ -2230,223 +2839,208 @@
         </p:nvSpPr>
         <p:spPr>
           <a:xfrm>
-            <a:off x="5183188" y="987425"/>
-            <a:ext cx="6172200" cy="4873625"/>
+            <a:off x="4800600" y="731520"/>
+            <a:ext cx="6492240" cy="5257800"/>
           </a:xfrm>
         </p:spPr>
+        <p:txBody>
+          <a:bodyPr/>
+          <a:lstStyle/>
+          <a:p>
+            <a:pPr lvl="0"/>
+            <a:r>
+              <a:rPr lang="en-US"/>
+              <a:t>Click to edit Master text styles</a:t>
+            </a:r>
+          </a:p>
+          <a:p>
+            <a:pPr lvl="1"/>
+            <a:r>
+              <a:rPr lang="en-US"/>
+              <a:t>Second level</a:t>
+            </a:r>
+          </a:p>
+          <a:p>
+            <a:pPr lvl="2"/>
+            <a:r>
+              <a:rPr lang="en-US"/>
+              <a:t>Third level</a:t>
+            </a:r>
+          </a:p>
+          <a:p>
+            <a:pPr lvl="3"/>
+            <a:r>
+              <a:rPr lang="en-US"/>
+              <a:t>Fourth level</a:t>
+            </a:r>
+          </a:p>
+          <a:p>
+            <a:pPr lvl="4"/>
+            <a:r>
+              <a:rPr lang="en-US"/>
+              <a:t>Fifth level</a:t>
+            </a:r>
+            <a:endParaRPr lang="en-US" dirty="0"/>
+          </a:p>
+        </p:txBody>
+      </p:sp>
+      <p:sp>
+        <p:nvSpPr>
+          <p:cNvPr id="4" name="Text Placeholder 3"/>
+          <p:cNvSpPr>
+            <a:spLocks noGrp="1"/>
+          </p:cNvSpPr>
+          <p:nvPr>
+            <p:ph type="body" sz="half" idx="2"/>
+          </p:nvPr>
+        </p:nvSpPr>
+        <p:spPr>
+          <a:xfrm>
+            <a:off x="457200" y="2926080"/>
+            <a:ext cx="3200400" cy="3379124"/>
+          </a:xfrm>
+        </p:spPr>
+        <p:txBody>
+          <a:bodyPr lIns="91440" rIns="91440">
+            <a:normAutofit/>
+          </a:bodyPr>
+          <a:lstStyle>
+            <a:lvl1pPr marL="0" indent="0">
+              <a:buNone/>
+              <a:defRPr sz="1500">
+                <a:solidFill>
+                  <a:srgbClr val="FFFFFF"/>
+                </a:solidFill>
+              </a:defRPr>
+            </a:lvl1pPr>
+            <a:lvl2pPr marL="457200" indent="0">
+              <a:buNone/>
+              <a:defRPr sz="1200"/>
+            </a:lvl2pPr>
+            <a:lvl3pPr marL="914400" indent="0">
+              <a:buNone/>
+              <a:defRPr sz="1000"/>
+            </a:lvl3pPr>
+            <a:lvl4pPr marL="1371600" indent="0">
+              <a:buNone/>
+              <a:defRPr sz="900"/>
+            </a:lvl4pPr>
+            <a:lvl5pPr marL="1828800" indent="0">
+              <a:buNone/>
+              <a:defRPr sz="900"/>
+            </a:lvl5pPr>
+            <a:lvl6pPr marL="2286000" indent="0">
+              <a:buNone/>
+              <a:defRPr sz="900"/>
+            </a:lvl6pPr>
+            <a:lvl7pPr marL="2743200" indent="0">
+              <a:buNone/>
+              <a:defRPr sz="900"/>
+            </a:lvl7pPr>
+            <a:lvl8pPr marL="3200400" indent="0">
+              <a:buNone/>
+              <a:defRPr sz="900"/>
+            </a:lvl8pPr>
+            <a:lvl9pPr marL="3657600" indent="0">
+              <a:buNone/>
+              <a:defRPr sz="900"/>
+            </a:lvl9pPr>
+          </a:lstStyle>
+          <a:p>
+            <a:pPr lvl="0"/>
+            <a:r>
+              <a:rPr lang="en-US"/>
+              <a:t>Click to edit Master text styles</a:t>
+            </a:r>
+          </a:p>
+        </p:txBody>
+      </p:sp>
+      <p:sp>
+        <p:nvSpPr>
+          <p:cNvPr id="5" name="Date Placeholder 4"/>
+          <p:cNvSpPr>
+            <a:spLocks noGrp="1"/>
+          </p:cNvSpPr>
+          <p:nvPr>
+            <p:ph type="dt" sz="half" idx="10"/>
+          </p:nvPr>
+        </p:nvSpPr>
+        <p:spPr>
+          <a:xfrm>
+            <a:off x="465512" y="6459785"/>
+            <a:ext cx="2618510" cy="365125"/>
+          </a:xfrm>
+        </p:spPr>
+        <p:txBody>
+          <a:bodyPr/>
+          <a:lstStyle>
+            <a:lvl1pPr algn="l">
+              <a:defRPr/>
+            </a:lvl1pPr>
+          </a:lstStyle>
+          <a:p>
+            <a:fld id="{85BF9358-3AEC-4E50-AD46-D7C937B91650}" type="datetimeFigureOut">
+              <a:rPr lang="en-US" smtClean="0"/>
+              <a:t>12/5/2024</a:t>
+            </a:fld>
+            <a:endParaRPr lang="en-US"/>
+          </a:p>
+        </p:txBody>
+      </p:sp>
+      <p:sp>
+        <p:nvSpPr>
+          <p:cNvPr id="6" name="Footer Placeholder 5"/>
+          <p:cNvSpPr>
+            <a:spLocks noGrp="1"/>
+          </p:cNvSpPr>
+          <p:nvPr>
+            <p:ph type="ftr" sz="quarter" idx="11"/>
+          </p:nvPr>
+        </p:nvSpPr>
+        <p:spPr>
+          <a:xfrm>
+            <a:off x="4800600" y="6459785"/>
+            <a:ext cx="4648200" cy="365125"/>
+          </a:xfrm>
+        </p:spPr>
+        <p:txBody>
+          <a:bodyPr/>
+          <a:lstStyle>
+            <a:lvl1pPr algn="l">
+              <a:defRPr>
+                <a:solidFill>
+                  <a:schemeClr val="tx2"/>
+                </a:solidFill>
+              </a:defRPr>
+            </a:lvl1pPr>
+          </a:lstStyle>
+          <a:p>
+            <a:endParaRPr lang="en-US"/>
+          </a:p>
+        </p:txBody>
+      </p:sp>
+      <p:sp>
+        <p:nvSpPr>
+          <p:cNvPr id="7" name="Slide Number Placeholder 6"/>
+          <p:cNvSpPr>
+            <a:spLocks noGrp="1"/>
+          </p:cNvSpPr>
+          <p:nvPr>
+            <p:ph type="sldNum" sz="quarter" idx="12"/>
+          </p:nvPr>
+        </p:nvSpPr>
+        <p:spPr/>
         <p:txBody>
           <a:bodyPr/>
           <a:lstStyle>
             <a:lvl1pPr>
-              <a:defRPr sz="3200"/>
+              <a:defRPr>
+                <a:solidFill>
+                  <a:schemeClr val="tx2"/>
+                </a:solidFill>
+              </a:defRPr>
             </a:lvl1pPr>
-            <a:lvl2pPr>
-              <a:defRPr sz="2800"/>
-            </a:lvl2pPr>
-            <a:lvl3pPr>
-              <a:defRPr sz="2400"/>
-            </a:lvl3pPr>
-            <a:lvl4pPr>
-              <a:defRPr sz="2000"/>
-            </a:lvl4pPr>
-            <a:lvl5pPr>
-              <a:defRPr sz="2000"/>
-            </a:lvl5pPr>
-            <a:lvl6pPr>
-              <a:defRPr sz="2000"/>
-            </a:lvl6pPr>
-            <a:lvl7pPr>
-              <a:defRPr sz="2000"/>
-            </a:lvl7pPr>
-            <a:lvl8pPr>
-              <a:defRPr sz="2000"/>
-            </a:lvl8pPr>
-            <a:lvl9pPr>
-              <a:defRPr sz="2000"/>
-            </a:lvl9pPr>
           </a:lstStyle>
-          <a:p>
-            <a:pPr lvl="0"/>
-            <a:r>
-              <a:rPr lang="en-US"/>
-              <a:t>Click to edit Master text styles</a:t>
-            </a:r>
-          </a:p>
-          <a:p>
-            <a:pPr lvl="1"/>
-            <a:r>
-              <a:rPr lang="en-US"/>
-              <a:t>Second level</a:t>
-            </a:r>
-          </a:p>
-          <a:p>
-            <a:pPr lvl="2"/>
-            <a:r>
-              <a:rPr lang="en-US"/>
-              <a:t>Third level</a:t>
-            </a:r>
-          </a:p>
-          <a:p>
-            <a:pPr lvl="3"/>
-            <a:r>
-              <a:rPr lang="en-US"/>
-              <a:t>Fourth level</a:t>
-            </a:r>
-          </a:p>
-          <a:p>
-            <a:pPr lvl="4"/>
-            <a:r>
-              <a:rPr lang="en-US"/>
-              <a:t>Fifth level</a:t>
-            </a:r>
-          </a:p>
-        </p:txBody>
-      </p:sp>
-      <p:sp>
-        <p:nvSpPr>
-          <p:cNvPr id="4" name="Text Placeholder 3">
-            <a:extLst>
-              <a:ext uri="{FF2B5EF4-FFF2-40B4-BE49-F238E27FC236}">
-                <a16:creationId xmlns:a16="http://schemas.microsoft.com/office/drawing/2014/main" id="{FC694A50-79D0-BC6B-FD78-1083B60FC822}"/>
-              </a:ext>
-            </a:extLst>
-          </p:cNvPr>
-          <p:cNvSpPr>
-            <a:spLocks noGrp="1"/>
-          </p:cNvSpPr>
-          <p:nvPr>
-            <p:ph type="body" sz="half" idx="2"/>
-          </p:nvPr>
-        </p:nvSpPr>
-        <p:spPr>
-          <a:xfrm>
-            <a:off x="839788" y="2057400"/>
-            <a:ext cx="3932237" cy="3811588"/>
-          </a:xfrm>
-        </p:spPr>
-        <p:txBody>
-          <a:bodyPr/>
-          <a:lstStyle>
-            <a:lvl1pPr marL="0" indent="0">
-              <a:buNone/>
-              <a:defRPr sz="1600"/>
-            </a:lvl1pPr>
-            <a:lvl2pPr marL="457200" indent="0">
-              <a:buNone/>
-              <a:defRPr sz="1400"/>
-            </a:lvl2pPr>
-            <a:lvl3pPr marL="914400" indent="0">
-              <a:buNone/>
-              <a:defRPr sz="1200"/>
-            </a:lvl3pPr>
-            <a:lvl4pPr marL="1371600" indent="0">
-              <a:buNone/>
-              <a:defRPr sz="1000"/>
-            </a:lvl4pPr>
-            <a:lvl5pPr marL="1828800" indent="0">
-              <a:buNone/>
-              <a:defRPr sz="1000"/>
-            </a:lvl5pPr>
-            <a:lvl6pPr marL="2286000" indent="0">
-              <a:buNone/>
-              <a:defRPr sz="1000"/>
-            </a:lvl6pPr>
-            <a:lvl7pPr marL="2743200" indent="0">
-              <a:buNone/>
-              <a:defRPr sz="1000"/>
-            </a:lvl7pPr>
-            <a:lvl8pPr marL="3200400" indent="0">
-              <a:buNone/>
-              <a:defRPr sz="1000"/>
-            </a:lvl8pPr>
-            <a:lvl9pPr marL="3657600" indent="0">
-              <a:buNone/>
-              <a:defRPr sz="1000"/>
-            </a:lvl9pPr>
-          </a:lstStyle>
-          <a:p>
-            <a:pPr lvl="0"/>
-            <a:r>
-              <a:rPr lang="en-US"/>
-              <a:t>Click to edit Master text styles</a:t>
-            </a:r>
-          </a:p>
-        </p:txBody>
-      </p:sp>
-      <p:sp>
-        <p:nvSpPr>
-          <p:cNvPr id="5" name="Date Placeholder 4">
-            <a:extLst>
-              <a:ext uri="{FF2B5EF4-FFF2-40B4-BE49-F238E27FC236}">
-                <a16:creationId xmlns:a16="http://schemas.microsoft.com/office/drawing/2014/main" id="{6CFE0E21-50D2-D99F-3AF0-AA08853F7361}"/>
-              </a:ext>
-            </a:extLst>
-          </p:cNvPr>
-          <p:cNvSpPr>
-            <a:spLocks noGrp="1"/>
-          </p:cNvSpPr>
-          <p:nvPr>
-            <p:ph type="dt" sz="half" idx="10"/>
-          </p:nvPr>
-        </p:nvSpPr>
-        <p:spPr/>
-        <p:txBody>
-          <a:bodyPr/>
-          <a:lstStyle/>
-          <a:p>
-            <a:fld id="{85BF9358-3AEC-4E50-AD46-D7C937B91650}" type="datetimeFigureOut">
-              <a:rPr lang="en-US" smtClean="0"/>
-              <a:t>12/3/2024</a:t>
-            </a:fld>
-            <a:endParaRPr lang="en-US"/>
-          </a:p>
-        </p:txBody>
-      </p:sp>
-      <p:sp>
-        <p:nvSpPr>
-          <p:cNvPr id="6" name="Footer Placeholder 5">
-            <a:extLst>
-              <a:ext uri="{FF2B5EF4-FFF2-40B4-BE49-F238E27FC236}">
-                <a16:creationId xmlns:a16="http://schemas.microsoft.com/office/drawing/2014/main" id="{9DD6BA97-B63D-FDF9-3F0F-D2D5B071672D}"/>
-              </a:ext>
-            </a:extLst>
-          </p:cNvPr>
-          <p:cNvSpPr>
-            <a:spLocks noGrp="1"/>
-          </p:cNvSpPr>
-          <p:nvPr>
-            <p:ph type="ftr" sz="quarter" idx="11"/>
-          </p:nvPr>
-        </p:nvSpPr>
-        <p:spPr/>
-        <p:txBody>
-          <a:bodyPr/>
-          <a:lstStyle/>
-          <a:p>
-            <a:endParaRPr lang="en-US"/>
-          </a:p>
-        </p:txBody>
-      </p:sp>
-      <p:sp>
-        <p:nvSpPr>
-          <p:cNvPr id="7" name="Slide Number Placeholder 6">
-            <a:extLst>
-              <a:ext uri="{FF2B5EF4-FFF2-40B4-BE49-F238E27FC236}">
-                <a16:creationId xmlns:a16="http://schemas.microsoft.com/office/drawing/2014/main" id="{6408A760-19D6-C962-5E7B-B4C89CEB33FB}"/>
-              </a:ext>
-            </a:extLst>
-          </p:cNvPr>
-          <p:cNvSpPr>
-            <a:spLocks noGrp="1"/>
-          </p:cNvSpPr>
-          <p:nvPr>
-            <p:ph type="sldNum" sz="quarter" idx="12"/>
-          </p:nvPr>
-        </p:nvSpPr>
-        <p:spPr/>
-        <p:txBody>
-          <a:bodyPr/>
-          <a:lstStyle/>
           <a:p>
             <a:fld id="{180DC03E-B0DB-4CC4-B96B-1F0F378BEC2D}" type="slidenum">
               <a:rPr lang="en-US" smtClean="0"/>
@@ -2459,7 +3053,7 @@
     </p:spTree>
     <p:extLst>
       <p:ext uri="{BB962C8B-B14F-4D97-AF65-F5344CB8AC3E}">
-        <p14:creationId xmlns:p14="http://schemas.microsoft.com/office/powerpoint/2010/main" val="1882945824"/>
+        <p14:creationId xmlns:p14="http://schemas.microsoft.com/office/powerpoint/2010/main" val="3101598750"/>
       </p:ext>
     </p:extLst>
   </p:cSld>
@@ -2470,7 +3064,7 @@
 </file>
 
 <file path=ppt/slideLayouts/slideLayout9.xml><?xml version="1.0" encoding="utf-8"?>
-<p:sldLayout xmlns:a="http://schemas.openxmlformats.org/drawingml/2006/main" xmlns:r="http://schemas.openxmlformats.org/officeDocument/2006/relationships" xmlns:p="http://schemas.openxmlformats.org/presentationml/2006/main" type="picTx" preserve="1">
+<p:sldLayout xmlns:a="http://schemas.openxmlformats.org/drawingml/2006/main" xmlns:r="http://schemas.openxmlformats.org/officeDocument/2006/relationships" xmlns:p="http://schemas.openxmlformats.org/presentationml/2006/main" showMasterSp="0" type="picTx" preserve="1">
   <p:cSld name="Picture with Caption">
     <p:spTree>
       <p:nvGrpSpPr>
@@ -2488,31 +3082,107 @@
       </p:grpSpPr>
       <p:sp>
         <p:nvSpPr>
-          <p:cNvPr id="2" name="Title 1">
-            <a:extLst>
-              <a:ext uri="{FF2B5EF4-FFF2-40B4-BE49-F238E27FC236}">
-                <a16:creationId xmlns:a16="http://schemas.microsoft.com/office/drawing/2014/main" id="{D26FCA1F-7D16-8801-9AD5-B9021C81A5F4}"/>
-              </a:ext>
-            </a:extLst>
-          </p:cNvPr>
-          <p:cNvSpPr>
-            <a:spLocks noGrp="1"/>
-          </p:cNvSpPr>
-          <p:nvPr>
-            <p:ph type="title"/>
-          </p:nvPr>
+          <p:cNvPr id="8" name="Rectangle 7"/>
+          <p:cNvSpPr/>
+          <p:nvPr/>
         </p:nvSpPr>
         <p:spPr>
           <a:xfrm>
-            <a:off x="839788" y="457200"/>
-            <a:ext cx="3932237" cy="1600200"/>
+            <a:off x="0" y="4953000"/>
+            <a:ext cx="12188825" cy="1905000"/>
+          </a:xfrm>
+          <a:prstGeom prst="rect">
+            <a:avLst/>
+          </a:prstGeom>
+          <a:solidFill>
+            <a:schemeClr val="accent2"/>
+          </a:solidFill>
+          <a:ln>
+            <a:noFill/>
+          </a:ln>
+        </p:spPr>
+        <p:style>
+          <a:lnRef idx="2">
+            <a:schemeClr val="accent1">
+              <a:shade val="50000"/>
+            </a:schemeClr>
+          </a:lnRef>
+          <a:fillRef idx="1">
+            <a:schemeClr val="accent1"/>
+          </a:fillRef>
+          <a:effectRef idx="0">
+            <a:schemeClr val="accent1"/>
+          </a:effectRef>
+          <a:fontRef idx="minor">
+            <a:schemeClr val="lt1"/>
+          </a:fontRef>
+        </p:style>
+      </p:sp>
+      <p:sp>
+        <p:nvSpPr>
+          <p:cNvPr id="9" name="Rectangle 8"/>
+          <p:cNvSpPr/>
+          <p:nvPr/>
+        </p:nvSpPr>
+        <p:spPr>
+          <a:xfrm>
+            <a:off x="15" y="4915076"/>
+            <a:ext cx="12188825" cy="64008"/>
+          </a:xfrm>
+          <a:prstGeom prst="rect">
+            <a:avLst/>
+          </a:prstGeom>
+          <a:solidFill>
+            <a:schemeClr val="accent1"/>
+          </a:solidFill>
+          <a:ln>
+            <a:noFill/>
+          </a:ln>
+        </p:spPr>
+        <p:style>
+          <a:lnRef idx="2">
+            <a:schemeClr val="accent1">
+              <a:shade val="50000"/>
+            </a:schemeClr>
+          </a:lnRef>
+          <a:fillRef idx="1">
+            <a:schemeClr val="accent1"/>
+          </a:fillRef>
+          <a:effectRef idx="0">
+            <a:schemeClr val="accent1"/>
+          </a:effectRef>
+          <a:fontRef idx="minor">
+            <a:schemeClr val="lt1"/>
+          </a:fontRef>
+        </p:style>
+      </p:sp>
+      <p:sp>
+        <p:nvSpPr>
+          <p:cNvPr id="2" name="Title 1"/>
+          <p:cNvSpPr>
+            <a:spLocks noGrp="1"/>
+          </p:cNvSpPr>
+          <p:nvPr>
+            <p:ph type="title"/>
+          </p:nvPr>
+        </p:nvSpPr>
+        <p:spPr>
+          <a:xfrm>
+            <a:off x="1097280" y="5074920"/>
+            <a:ext cx="10113264" cy="822960"/>
           </a:xfrm>
         </p:spPr>
         <p:txBody>
-          <a:bodyPr anchor="b"/>
+          <a:bodyPr lIns="91440" tIns="0" rIns="91440" bIns="0" anchor="b">
+            <a:noAutofit/>
+          </a:bodyPr>
           <a:lstStyle>
             <a:lvl1pPr>
-              <a:defRPr sz="3200"/>
+              <a:defRPr sz="3600" b="0">
+                <a:solidFill>
+                  <a:srgbClr val="FFFFFF"/>
+                </a:solidFill>
+              </a:defRPr>
             </a:lvl1pPr>
           </a:lstStyle>
           <a:p>
@@ -2520,20 +3190,15 @@
               <a:rPr lang="en-US"/>
               <a:t>Click to edit Master title style</a:t>
             </a:r>
-          </a:p>
-        </p:txBody>
-      </p:sp>
-      <p:sp>
-        <p:nvSpPr>
-          <p:cNvPr id="3" name="Picture Placeholder 2">
-            <a:extLst>
-              <a:ext uri="{FF2B5EF4-FFF2-40B4-BE49-F238E27FC236}">
-                <a16:creationId xmlns:a16="http://schemas.microsoft.com/office/drawing/2014/main" id="{5B6B3F70-EC11-6599-4C97-AE1E5CA2D6FE}"/>
-              </a:ext>
-            </a:extLst>
-          </p:cNvPr>
-          <p:cNvSpPr>
-            <a:spLocks noGrp="1"/>
+            <a:endParaRPr lang="en-US" dirty="0"/>
+          </a:p>
+        </p:txBody>
+      </p:sp>
+      <p:sp>
+        <p:nvSpPr>
+          <p:cNvPr id="3" name="Picture Placeholder 2"/>
+          <p:cNvSpPr>
+            <a:spLocks noGrp="1" noChangeAspect="1"/>
           </p:cNvSpPr>
           <p:nvPr>
             <p:ph type="pic" idx="1"/>
@@ -2541,16 +3206,26 @@
         </p:nvSpPr>
         <p:spPr>
           <a:xfrm>
-            <a:off x="5183188" y="987425"/>
-            <a:ext cx="6172200" cy="4873625"/>
+            <a:off x="15" y="0"/>
+            <a:ext cx="12191985" cy="4915076"/>
           </a:xfrm>
+          <a:blipFill>
+            <a:blip r:embed="rId2"/>
+            <a:stretch>
+              <a:fillRect/>
+            </a:stretch>
+          </a:blipFill>
         </p:spPr>
         <p:txBody>
-          <a:bodyPr/>
+          <a:bodyPr lIns="457200" tIns="457200" anchor="t"/>
           <a:lstStyle>
             <a:lvl1pPr marL="0" indent="0">
               <a:buNone/>
-              <a:defRPr sz="3200"/>
+              <a:defRPr sz="3200">
+                <a:solidFill>
+                  <a:schemeClr val="bg1"/>
+                </a:solidFill>
+              </a:defRPr>
             </a:lvl1pPr>
             <a:lvl2pPr marL="457200" indent="0">
               <a:buNone/>
@@ -2586,19 +3261,17 @@
             </a:lvl9pPr>
           </a:lstStyle>
           <a:p>
-            <a:endParaRPr lang="en-US"/>
-          </a:p>
-        </p:txBody>
-      </p:sp>
-      <p:sp>
-        <p:nvSpPr>
-          <p:cNvPr id="4" name="Text Placeholder 3">
-            <a:extLst>
-              <a:ext uri="{FF2B5EF4-FFF2-40B4-BE49-F238E27FC236}">
-                <a16:creationId xmlns:a16="http://schemas.microsoft.com/office/drawing/2014/main" id="{BE247361-04E0-C4B6-7632-51A6FFFB2F4E}"/>
-              </a:ext>
-            </a:extLst>
-          </p:cNvPr>
+            <a:r>
+              <a:rPr lang="en-US"/>
+              <a:t>Click icon to add picture</a:t>
+            </a:r>
+            <a:endParaRPr lang="en-US" dirty="0"/>
+          </a:p>
+        </p:txBody>
+      </p:sp>
+      <p:sp>
+        <p:nvSpPr>
+          <p:cNvPr id="4" name="Text Placeholder 3"/>
           <p:cNvSpPr>
             <a:spLocks noGrp="1"/>
           </p:cNvSpPr>
@@ -2608,48 +3281,60 @@
         </p:nvSpPr>
         <p:spPr>
           <a:xfrm>
-            <a:off x="839788" y="2057400"/>
-            <a:ext cx="3932237" cy="3811588"/>
+            <a:off x="1097280" y="5907023"/>
+            <a:ext cx="10113264" cy="594360"/>
           </a:xfrm>
         </p:spPr>
         <p:txBody>
-          <a:bodyPr/>
+          <a:bodyPr lIns="91440" tIns="0" rIns="91440" bIns="0">
+            <a:normAutofit/>
+          </a:bodyPr>
           <a:lstStyle>
             <a:lvl1pPr marL="0" indent="0">
+              <a:spcBef>
+                <a:spcPts val="0"/>
+              </a:spcBef>
+              <a:spcAft>
+                <a:spcPts val="600"/>
+              </a:spcAft>
               <a:buNone/>
-              <a:defRPr sz="1600"/>
+              <a:defRPr sz="1500">
+                <a:solidFill>
+                  <a:srgbClr val="FFFFFF"/>
+                </a:solidFill>
+              </a:defRPr>
             </a:lvl1pPr>
             <a:lvl2pPr marL="457200" indent="0">
               <a:buNone/>
-              <a:defRPr sz="1400"/>
+              <a:defRPr sz="1200"/>
             </a:lvl2pPr>
             <a:lvl3pPr marL="914400" indent="0">
               <a:buNone/>
-              <a:defRPr sz="1200"/>
+              <a:defRPr sz="1000"/>
             </a:lvl3pPr>
             <a:lvl4pPr marL="1371600" indent="0">
               <a:buNone/>
-              <a:defRPr sz="1000"/>
+              <a:defRPr sz="900"/>
             </a:lvl4pPr>
             <a:lvl5pPr marL="1828800" indent="0">
               <a:buNone/>
-              <a:defRPr sz="1000"/>
+              <a:defRPr sz="900"/>
             </a:lvl5pPr>
             <a:lvl6pPr marL="2286000" indent="0">
               <a:buNone/>
-              <a:defRPr sz="1000"/>
+              <a:defRPr sz="900"/>
             </a:lvl6pPr>
             <a:lvl7pPr marL="2743200" indent="0">
               <a:buNone/>
-              <a:defRPr sz="1000"/>
+              <a:defRPr sz="900"/>
             </a:lvl7pPr>
             <a:lvl8pPr marL="3200400" indent="0">
               <a:buNone/>
-              <a:defRPr sz="1000"/>
+              <a:defRPr sz="900"/>
             </a:lvl8pPr>
             <a:lvl9pPr marL="3657600" indent="0">
               <a:buNone/>
-              <a:defRPr sz="1000"/>
+              <a:defRPr sz="900"/>
             </a:lvl9pPr>
           </a:lstStyle>
           <a:p>
@@ -2663,13 +3348,7 @@
       </p:sp>
       <p:sp>
         <p:nvSpPr>
-          <p:cNvPr id="5" name="Date Placeholder 4">
-            <a:extLst>
-              <a:ext uri="{FF2B5EF4-FFF2-40B4-BE49-F238E27FC236}">
-                <a16:creationId xmlns:a16="http://schemas.microsoft.com/office/drawing/2014/main" id="{64179ED6-C36D-73D3-0A73-71BD88BCB705}"/>
-              </a:ext>
-            </a:extLst>
-          </p:cNvPr>
+          <p:cNvPr id="5" name="Date Placeholder 4"/>
           <p:cNvSpPr>
             <a:spLocks noGrp="1"/>
           </p:cNvSpPr>
@@ -2684,7 +3363,7 @@
           <a:p>
             <a:fld id="{85BF9358-3AEC-4E50-AD46-D7C937B91650}" type="datetimeFigureOut">
               <a:rPr lang="en-US" smtClean="0"/>
-              <a:t>12/3/2024</a:t>
+              <a:t>12/5/2024</a:t>
             </a:fld>
             <a:endParaRPr lang="en-US"/>
           </a:p>
@@ -2692,13 +3371,7 @@
       </p:sp>
       <p:sp>
         <p:nvSpPr>
-          <p:cNvPr id="6" name="Footer Placeholder 5">
-            <a:extLst>
-              <a:ext uri="{FF2B5EF4-FFF2-40B4-BE49-F238E27FC236}">
-                <a16:creationId xmlns:a16="http://schemas.microsoft.com/office/drawing/2014/main" id="{31A83624-94F0-7424-F69A-2EFF8ADA9367}"/>
-              </a:ext>
-            </a:extLst>
-          </p:cNvPr>
+          <p:cNvPr id="6" name="Footer Placeholder 5"/>
           <p:cNvSpPr>
             <a:spLocks noGrp="1"/>
           </p:cNvSpPr>
@@ -2717,13 +3390,7 @@
       </p:sp>
       <p:sp>
         <p:nvSpPr>
-          <p:cNvPr id="7" name="Slide Number Placeholder 6">
-            <a:extLst>
-              <a:ext uri="{FF2B5EF4-FFF2-40B4-BE49-F238E27FC236}">
-                <a16:creationId xmlns:a16="http://schemas.microsoft.com/office/drawing/2014/main" id="{47F7BFDE-6AF4-944E-72B5-B5234AC77F64}"/>
-              </a:ext>
-            </a:extLst>
-          </p:cNvPr>
+          <p:cNvPr id="7" name="Slide Number Placeholder 6"/>
           <p:cNvSpPr>
             <a:spLocks noGrp="1"/>
           </p:cNvSpPr>
@@ -2747,7 +3414,7 @@
     </p:spTree>
     <p:extLst>
       <p:ext uri="{BB962C8B-B14F-4D97-AF65-F5344CB8AC3E}">
-        <p14:creationId xmlns:p14="http://schemas.microsoft.com/office/powerpoint/2010/main" val="1965342800"/>
+        <p14:creationId xmlns:p14="http://schemas.microsoft.com/office/powerpoint/2010/main" val="2306153485"/>
       </p:ext>
     </p:extLst>
   </p:cSld>
@@ -2781,31 +3448,101 @@
       </p:grpSpPr>
       <p:sp>
         <p:nvSpPr>
-          <p:cNvPr id="2" name="Title Placeholder 1">
-            <a:extLst>
-              <a:ext uri="{FF2B5EF4-FFF2-40B4-BE49-F238E27FC236}">
-                <a16:creationId xmlns:a16="http://schemas.microsoft.com/office/drawing/2014/main" id="{ECA8B294-24D7-D909-2574-F50281EA0B65}"/>
-              </a:ext>
-            </a:extLst>
-          </p:cNvPr>
-          <p:cNvSpPr>
-            <a:spLocks noGrp="1"/>
-          </p:cNvSpPr>
-          <p:nvPr>
-            <p:ph type="title"/>
-          </p:nvPr>
+          <p:cNvPr id="7" name="Rectangle 6"/>
+          <p:cNvSpPr/>
+          <p:nvPr/>
         </p:nvSpPr>
         <p:spPr>
           <a:xfrm>
-            <a:off x="838200" y="365125"/>
-            <a:ext cx="10515600" cy="1325563"/>
+            <a:off x="1" y="6400800"/>
+            <a:ext cx="12192000" cy="457200"/>
+          </a:xfrm>
+          <a:prstGeom prst="rect">
+            <a:avLst/>
+          </a:prstGeom>
+          <a:solidFill>
+            <a:schemeClr val="accent2"/>
+          </a:solidFill>
+          <a:ln>
+            <a:noFill/>
+          </a:ln>
+        </p:spPr>
+        <p:style>
+          <a:lnRef idx="2">
+            <a:schemeClr val="accent1">
+              <a:shade val="50000"/>
+            </a:schemeClr>
+          </a:lnRef>
+          <a:fillRef idx="1">
+            <a:schemeClr val="accent1"/>
+          </a:fillRef>
+          <a:effectRef idx="0">
+            <a:schemeClr val="accent1"/>
+          </a:effectRef>
+          <a:fontRef idx="minor">
+            <a:schemeClr val="lt1"/>
+          </a:fontRef>
+        </p:style>
+      </p:sp>
+      <p:sp>
+        <p:nvSpPr>
+          <p:cNvPr id="9" name="Rectangle 8"/>
+          <p:cNvSpPr/>
+          <p:nvPr/>
+        </p:nvSpPr>
+        <p:spPr>
+          <a:xfrm>
+            <a:off x="0" y="6334316"/>
+            <a:ext cx="12192001" cy="65998"/>
+          </a:xfrm>
+          <a:prstGeom prst="rect">
+            <a:avLst/>
+          </a:prstGeom>
+          <a:solidFill>
+            <a:schemeClr val="accent1"/>
+          </a:solidFill>
+          <a:ln>
+            <a:noFill/>
+          </a:ln>
+        </p:spPr>
+        <p:style>
+          <a:lnRef idx="2">
+            <a:schemeClr val="accent1">
+              <a:shade val="50000"/>
+            </a:schemeClr>
+          </a:lnRef>
+          <a:fillRef idx="1">
+            <a:schemeClr val="accent1"/>
+          </a:fillRef>
+          <a:effectRef idx="0">
+            <a:schemeClr val="accent1"/>
+          </a:effectRef>
+          <a:fontRef idx="minor">
+            <a:schemeClr val="lt1"/>
+          </a:fontRef>
+        </p:style>
+      </p:sp>
+      <p:sp>
+        <p:nvSpPr>
+          <p:cNvPr id="2" name="Title Placeholder 1"/>
+          <p:cNvSpPr>
+            <a:spLocks noGrp="1"/>
+          </p:cNvSpPr>
+          <p:nvPr>
+            <p:ph type="title"/>
+          </p:nvPr>
+        </p:nvSpPr>
+        <p:spPr>
+          <a:xfrm>
+            <a:off x="1097280" y="286603"/>
+            <a:ext cx="10058400" cy="1450757"/>
           </a:xfrm>
           <a:prstGeom prst="rect">
             <a:avLst/>
           </a:prstGeom>
         </p:spPr>
         <p:txBody>
-          <a:bodyPr vert="horz" lIns="91440" tIns="45720" rIns="91440" bIns="45720" rtlCol="0" anchor="ctr">
+          <a:bodyPr vert="horz" lIns="91440" tIns="45720" rIns="91440" bIns="45720" rtlCol="0" anchor="b">
             <a:normAutofit/>
           </a:bodyPr>
           <a:lstStyle/>
@@ -2814,18 +3551,13 @@
               <a:rPr lang="en-US"/>
               <a:t>Click to edit Master title style</a:t>
             </a:r>
-          </a:p>
-        </p:txBody>
-      </p:sp>
-      <p:sp>
-        <p:nvSpPr>
-          <p:cNvPr id="3" name="Text Placeholder 2">
-            <a:extLst>
-              <a:ext uri="{FF2B5EF4-FFF2-40B4-BE49-F238E27FC236}">
-                <a16:creationId xmlns:a16="http://schemas.microsoft.com/office/drawing/2014/main" id="{970F36BC-4A47-8AAE-5143-98A1B2F0F156}"/>
-              </a:ext>
-            </a:extLst>
-          </p:cNvPr>
+            <a:endParaRPr lang="en-US" dirty="0"/>
+          </a:p>
+        </p:txBody>
+      </p:sp>
+      <p:sp>
+        <p:nvSpPr>
+          <p:cNvPr id="3" name="Text Placeholder 2"/>
           <p:cNvSpPr>
             <a:spLocks noGrp="1"/>
           </p:cNvSpPr>
@@ -2835,15 +3567,15 @@
         </p:nvSpPr>
         <p:spPr>
           <a:xfrm>
-            <a:off x="838200" y="1825625"/>
-            <a:ext cx="10515600" cy="4351338"/>
+            <a:off x="1097280" y="1845734"/>
+            <a:ext cx="10058400" cy="4023360"/>
           </a:xfrm>
           <a:prstGeom prst="rect">
             <a:avLst/>
           </a:prstGeom>
         </p:spPr>
         <p:txBody>
-          <a:bodyPr vert="horz" lIns="91440" tIns="45720" rIns="91440" bIns="45720" rtlCol="0">
+          <a:bodyPr vert="horz" lIns="0" tIns="45720" rIns="0" bIns="45720" rtlCol="0">
             <a:normAutofit/>
           </a:bodyPr>
           <a:lstStyle/>
@@ -2881,18 +3613,13 @@
               <a:rPr lang="en-US"/>
               <a:t>Fifth level</a:t>
             </a:r>
-          </a:p>
-        </p:txBody>
-      </p:sp>
-      <p:sp>
-        <p:nvSpPr>
-          <p:cNvPr id="4" name="Date Placeholder 3">
-            <a:extLst>
-              <a:ext uri="{FF2B5EF4-FFF2-40B4-BE49-F238E27FC236}">
-                <a16:creationId xmlns:a16="http://schemas.microsoft.com/office/drawing/2014/main" id="{C1135564-C602-986E-3AEE-2AB711CFD1EB}"/>
-              </a:ext>
-            </a:extLst>
-          </p:cNvPr>
+            <a:endParaRPr lang="en-US" dirty="0"/>
+          </a:p>
+        </p:txBody>
+      </p:sp>
+      <p:sp>
+        <p:nvSpPr>
+          <p:cNvPr id="4" name="Date Placeholder 3"/>
           <p:cNvSpPr>
             <a:spLocks noGrp="1"/>
           </p:cNvSpPr>
@@ -2902,8 +3629,8 @@
         </p:nvSpPr>
         <p:spPr>
           <a:xfrm>
-            <a:off x="838200" y="6356350"/>
-            <a:ext cx="2743200" cy="365125"/>
+            <a:off x="1097280" y="6459785"/>
+            <a:ext cx="2472271" cy="365125"/>
           </a:xfrm>
           <a:prstGeom prst="rect">
             <a:avLst/>
@@ -2913,11 +3640,9 @@
           <a:bodyPr vert="horz" lIns="91440" tIns="45720" rIns="91440" bIns="45720" rtlCol="0" anchor="ctr"/>
           <a:lstStyle>
             <a:lvl1pPr algn="l">
-              <a:defRPr sz="1200">
+              <a:defRPr sz="900">
                 <a:solidFill>
-                  <a:schemeClr val="tx1">
-                    <a:tint val="75000"/>
-                  </a:schemeClr>
+                  <a:srgbClr val="FFFFFF"/>
                 </a:solidFill>
               </a:defRPr>
             </a:lvl1pPr>
@@ -2925,7 +3650,7 @@
           <a:p>
             <a:fld id="{85BF9358-3AEC-4E50-AD46-D7C937B91650}" type="datetimeFigureOut">
               <a:rPr lang="en-US" smtClean="0"/>
-              <a:t>12/3/2024</a:t>
+              <a:t>12/5/2024</a:t>
             </a:fld>
             <a:endParaRPr lang="en-US"/>
           </a:p>
@@ -2933,13 +3658,7 @@
       </p:sp>
       <p:sp>
         <p:nvSpPr>
-          <p:cNvPr id="5" name="Footer Placeholder 4">
-            <a:extLst>
-              <a:ext uri="{FF2B5EF4-FFF2-40B4-BE49-F238E27FC236}">
-                <a16:creationId xmlns:a16="http://schemas.microsoft.com/office/drawing/2014/main" id="{B430A4C6-14DC-F4EC-F337-A32A16A173C1}"/>
-              </a:ext>
-            </a:extLst>
-          </p:cNvPr>
+          <p:cNvPr id="5" name="Footer Placeholder 4"/>
           <p:cNvSpPr>
             <a:spLocks noGrp="1"/>
           </p:cNvSpPr>
@@ -2949,8 +3668,8 @@
         </p:nvSpPr>
         <p:spPr>
           <a:xfrm>
-            <a:off x="4038600" y="6356350"/>
-            <a:ext cx="4114800" cy="365125"/>
+            <a:off x="3686185" y="6459785"/>
+            <a:ext cx="4822804" cy="365125"/>
           </a:xfrm>
           <a:prstGeom prst="rect">
             <a:avLst/>
@@ -2960,11 +3679,9 @@
           <a:bodyPr vert="horz" lIns="91440" tIns="45720" rIns="91440" bIns="45720" rtlCol="0" anchor="ctr"/>
           <a:lstStyle>
             <a:lvl1pPr algn="ctr">
-              <a:defRPr sz="1200">
+              <a:defRPr sz="900" cap="all" baseline="0">
                 <a:solidFill>
-                  <a:schemeClr val="tx1">
-                    <a:tint val="75000"/>
-                  </a:schemeClr>
+                  <a:srgbClr val="FFFFFF"/>
                 </a:solidFill>
               </a:defRPr>
             </a:lvl1pPr>
@@ -2976,13 +3693,7 @@
       </p:sp>
       <p:sp>
         <p:nvSpPr>
-          <p:cNvPr id="6" name="Slide Number Placeholder 5">
-            <a:extLst>
-              <a:ext uri="{FF2B5EF4-FFF2-40B4-BE49-F238E27FC236}">
-                <a16:creationId xmlns:a16="http://schemas.microsoft.com/office/drawing/2014/main" id="{5C229505-7B7A-2153-BC3D-04A7A6DD16B6}"/>
-              </a:ext>
-            </a:extLst>
-          </p:cNvPr>
+          <p:cNvPr id="6" name="Slide Number Placeholder 5"/>
           <p:cNvSpPr>
             <a:spLocks noGrp="1"/>
           </p:cNvSpPr>
@@ -2992,8 +3703,8 @@
         </p:nvSpPr>
         <p:spPr>
           <a:xfrm>
-            <a:off x="8610600" y="6356350"/>
-            <a:ext cx="2743200" cy="365125"/>
+            <a:off x="9900458" y="6459785"/>
+            <a:ext cx="1312025" cy="365125"/>
           </a:xfrm>
           <a:prstGeom prst="rect">
             <a:avLst/>
@@ -3003,11 +3714,9 @@
           <a:bodyPr vert="horz" lIns="91440" tIns="45720" rIns="91440" bIns="45720" rtlCol="0" anchor="ctr"/>
           <a:lstStyle>
             <a:lvl1pPr algn="r">
-              <a:defRPr sz="1200">
+              <a:defRPr sz="1050">
                 <a:solidFill>
-                  <a:schemeClr val="tx1">
-                    <a:tint val="75000"/>
-                  </a:schemeClr>
+                  <a:srgbClr val="FFFFFF"/>
                 </a:solidFill>
               </a:defRPr>
             </a:lvl1pPr>
@@ -3021,40 +3730,81 @@
           </a:p>
         </p:txBody>
       </p:sp>
+      <p:cxnSp>
+        <p:nvCxnSpPr>
+          <p:cNvPr id="10" name="Straight Connector 9"/>
+          <p:cNvCxnSpPr/>
+          <p:nvPr/>
+        </p:nvCxnSpPr>
+        <p:spPr>
+          <a:xfrm>
+            <a:off x="1193532" y="1737845"/>
+            <a:ext cx="9966960" cy="0"/>
+          </a:xfrm>
+          <a:prstGeom prst="line">
+            <a:avLst/>
+          </a:prstGeom>
+          <a:ln w="6350">
+            <a:solidFill>
+              <a:schemeClr val="tx1">
+                <a:lumMod val="50000"/>
+                <a:lumOff val="50000"/>
+              </a:schemeClr>
+            </a:solidFill>
+          </a:ln>
+        </p:spPr>
+        <p:style>
+          <a:lnRef idx="1">
+            <a:schemeClr val="accent1"/>
+          </a:lnRef>
+          <a:fillRef idx="0">
+            <a:schemeClr val="accent1"/>
+          </a:fillRef>
+          <a:effectRef idx="0">
+            <a:schemeClr val="accent1"/>
+          </a:effectRef>
+          <a:fontRef idx="minor">
+            <a:schemeClr val="tx1"/>
+          </a:fontRef>
+        </p:style>
+      </p:cxnSp>
     </p:spTree>
     <p:extLst>
       <p:ext uri="{BB962C8B-B14F-4D97-AF65-F5344CB8AC3E}">
-        <p14:creationId xmlns:p14="http://schemas.microsoft.com/office/powerpoint/2010/main" val="2140529597"/>
+        <p14:creationId xmlns:p14="http://schemas.microsoft.com/office/powerpoint/2010/main" val="3178329392"/>
       </p:ext>
     </p:extLst>
   </p:cSld>
   <p:clrMap bg1="lt1" tx1="dk1" bg2="lt2" tx2="dk2" accent1="accent1" accent2="accent2" accent3="accent3" accent4="accent4" accent5="accent5" accent6="accent6" hlink="hlink" folHlink="folHlink"/>
   <p:sldLayoutIdLst>
-    <p:sldLayoutId id="2147483649" r:id="rId1"/>
-    <p:sldLayoutId id="2147483650" r:id="rId2"/>
-    <p:sldLayoutId id="2147483651" r:id="rId3"/>
-    <p:sldLayoutId id="2147483652" r:id="rId4"/>
-    <p:sldLayoutId id="2147483653" r:id="rId5"/>
-    <p:sldLayoutId id="2147483654" r:id="rId6"/>
-    <p:sldLayoutId id="2147483655" r:id="rId7"/>
-    <p:sldLayoutId id="2147483656" r:id="rId8"/>
-    <p:sldLayoutId id="2147483657" r:id="rId9"/>
-    <p:sldLayoutId id="2147483658" r:id="rId10"/>
-    <p:sldLayoutId id="2147483659" r:id="rId11"/>
+    <p:sldLayoutId id="2147483782" r:id="rId1"/>
+    <p:sldLayoutId id="2147483783" r:id="rId2"/>
+    <p:sldLayoutId id="2147483784" r:id="rId3"/>
+    <p:sldLayoutId id="2147483785" r:id="rId4"/>
+    <p:sldLayoutId id="2147483786" r:id="rId5"/>
+    <p:sldLayoutId id="2147483787" r:id="rId6"/>
+    <p:sldLayoutId id="2147483788" r:id="rId7"/>
+    <p:sldLayoutId id="2147483789" r:id="rId8"/>
+    <p:sldLayoutId id="2147483790" r:id="rId9"/>
+    <p:sldLayoutId id="2147483791" r:id="rId10"/>
+    <p:sldLayoutId id="2147483792" r:id="rId11"/>
   </p:sldLayoutIdLst>
   <p:txStyles>
     <p:titleStyle>
       <a:lvl1pPr algn="l" defTabSz="914400" rtl="0" eaLnBrk="1" latinLnBrk="0" hangingPunct="1">
         <a:lnSpc>
-          <a:spcPct val="90000"/>
+          <a:spcPct val="85000"/>
         </a:lnSpc>
         <a:spcBef>
           <a:spcPct val="0"/>
         </a:spcBef>
         <a:buNone/>
-        <a:defRPr sz="4400" kern="1200">
+        <a:defRPr sz="4800" kern="1200" spc="-50" baseline="0">
           <a:solidFill>
-            <a:schemeClr val="tx1"/>
+            <a:schemeClr val="tx1">
+              <a:lumMod val="75000"/>
+              <a:lumOff val="25000"/>
+            </a:schemeClr>
           </a:solidFill>
           <a:latin typeface="+mj-lt"/>
           <a:ea typeface="+mj-ea"/>
@@ -3063,162 +3813,244 @@
       </a:lvl1pPr>
     </p:titleStyle>
     <p:bodyStyle>
-      <a:lvl1pPr marL="228600" indent="-228600" algn="l" defTabSz="914400" rtl="0" eaLnBrk="1" latinLnBrk="0" hangingPunct="1">
+      <a:lvl1pPr marL="91440" indent="-91440" algn="l" defTabSz="914400" rtl="0" eaLnBrk="1" latinLnBrk="0" hangingPunct="1">
         <a:lnSpc>
           <a:spcPct val="90000"/>
         </a:lnSpc>
         <a:spcBef>
-          <a:spcPts val="1000"/>
+          <a:spcPts val="1200"/>
         </a:spcBef>
-        <a:buFont typeface="Arial" panose="020B0604020202020204" pitchFamily="34" charset="0"/>
-        <a:buChar char="•"/>
-        <a:defRPr sz="2800" kern="1200">
+        <a:spcAft>
+          <a:spcPts val="200"/>
+        </a:spcAft>
+        <a:buClr>
+          <a:schemeClr val="accent1"/>
+        </a:buClr>
+        <a:buSzPct val="100000"/>
+        <a:buFont typeface="Calibri" panose="020F0502020204030204" pitchFamily="34" charset="0"/>
+        <a:buChar char=" "/>
+        <a:defRPr sz="2000" kern="1200">
           <a:solidFill>
-            <a:schemeClr val="tx1"/>
+            <a:schemeClr val="tx1">
+              <a:lumMod val="75000"/>
+              <a:lumOff val="25000"/>
+            </a:schemeClr>
           </a:solidFill>
           <a:latin typeface="+mn-lt"/>
           <a:ea typeface="+mn-ea"/>
           <a:cs typeface="+mn-cs"/>
         </a:defRPr>
       </a:lvl1pPr>
-      <a:lvl2pPr marL="685800" indent="-228600" algn="l" defTabSz="914400" rtl="0" eaLnBrk="1" latinLnBrk="0" hangingPunct="1">
+      <a:lvl2pPr marL="384048" indent="-182880" algn="l" defTabSz="914400" rtl="0" eaLnBrk="1" latinLnBrk="0" hangingPunct="1">
         <a:lnSpc>
           <a:spcPct val="90000"/>
         </a:lnSpc>
         <a:spcBef>
-          <a:spcPts val="500"/>
+          <a:spcPts val="200"/>
         </a:spcBef>
-        <a:buFont typeface="Arial" panose="020B0604020202020204" pitchFamily="34" charset="0"/>
-        <a:buChar char="•"/>
-        <a:defRPr sz="2400" kern="1200">
+        <a:spcAft>
+          <a:spcPts val="400"/>
+        </a:spcAft>
+        <a:buClr>
+          <a:schemeClr val="accent1"/>
+        </a:buClr>
+        <a:buFont typeface="Calibri" pitchFamily="34" charset="0"/>
+        <a:buChar char="◦"/>
+        <a:defRPr sz="1800" kern="1200">
           <a:solidFill>
-            <a:schemeClr val="tx1"/>
+            <a:schemeClr val="tx1">
+              <a:lumMod val="75000"/>
+              <a:lumOff val="25000"/>
+            </a:schemeClr>
           </a:solidFill>
           <a:latin typeface="+mn-lt"/>
           <a:ea typeface="+mn-ea"/>
           <a:cs typeface="+mn-cs"/>
         </a:defRPr>
       </a:lvl2pPr>
-      <a:lvl3pPr marL="1143000" indent="-228600" algn="l" defTabSz="914400" rtl="0" eaLnBrk="1" latinLnBrk="0" hangingPunct="1">
+      <a:lvl3pPr marL="566928" indent="-182880" algn="l" defTabSz="914400" rtl="0" eaLnBrk="1" latinLnBrk="0" hangingPunct="1">
         <a:lnSpc>
           <a:spcPct val="90000"/>
         </a:lnSpc>
         <a:spcBef>
-          <a:spcPts val="500"/>
+          <a:spcPts val="200"/>
         </a:spcBef>
-        <a:buFont typeface="Arial" panose="020B0604020202020204" pitchFamily="34" charset="0"/>
-        <a:buChar char="•"/>
-        <a:defRPr sz="2000" kern="1200">
+        <a:spcAft>
+          <a:spcPts val="400"/>
+        </a:spcAft>
+        <a:buClr>
+          <a:schemeClr val="accent1"/>
+        </a:buClr>
+        <a:buFont typeface="Calibri" pitchFamily="34" charset="0"/>
+        <a:buChar char="◦"/>
+        <a:defRPr sz="1400" kern="1200">
           <a:solidFill>
-            <a:schemeClr val="tx1"/>
+            <a:schemeClr val="tx1">
+              <a:lumMod val="75000"/>
+              <a:lumOff val="25000"/>
+            </a:schemeClr>
           </a:solidFill>
           <a:latin typeface="+mn-lt"/>
           <a:ea typeface="+mn-ea"/>
           <a:cs typeface="+mn-cs"/>
         </a:defRPr>
       </a:lvl3pPr>
-      <a:lvl4pPr marL="1600200" indent="-228600" algn="l" defTabSz="914400" rtl="0" eaLnBrk="1" latinLnBrk="0" hangingPunct="1">
+      <a:lvl4pPr marL="749808" indent="-182880" algn="l" defTabSz="914400" rtl="0" eaLnBrk="1" latinLnBrk="0" hangingPunct="1">
         <a:lnSpc>
           <a:spcPct val="90000"/>
         </a:lnSpc>
         <a:spcBef>
-          <a:spcPts val="500"/>
+          <a:spcPts val="200"/>
         </a:spcBef>
-        <a:buFont typeface="Arial" panose="020B0604020202020204" pitchFamily="34" charset="0"/>
-        <a:buChar char="•"/>
-        <a:defRPr sz="1800" kern="1200">
+        <a:spcAft>
+          <a:spcPts val="400"/>
+        </a:spcAft>
+        <a:buClr>
+          <a:schemeClr val="accent1"/>
+        </a:buClr>
+        <a:buFont typeface="Calibri" pitchFamily="34" charset="0"/>
+        <a:buChar char="◦"/>
+        <a:defRPr sz="1400" kern="1200">
           <a:solidFill>
-            <a:schemeClr val="tx1"/>
+            <a:schemeClr val="tx1">
+              <a:lumMod val="75000"/>
+              <a:lumOff val="25000"/>
+            </a:schemeClr>
           </a:solidFill>
           <a:latin typeface="+mn-lt"/>
           <a:ea typeface="+mn-ea"/>
           <a:cs typeface="+mn-cs"/>
         </a:defRPr>
       </a:lvl4pPr>
-      <a:lvl5pPr marL="2057400" indent="-228600" algn="l" defTabSz="914400" rtl="0" eaLnBrk="1" latinLnBrk="0" hangingPunct="1">
+      <a:lvl5pPr marL="932688" indent="-182880" algn="l" defTabSz="914400" rtl="0" eaLnBrk="1" latinLnBrk="0" hangingPunct="1">
         <a:lnSpc>
           <a:spcPct val="90000"/>
         </a:lnSpc>
         <a:spcBef>
-          <a:spcPts val="500"/>
+          <a:spcPts val="200"/>
         </a:spcBef>
-        <a:buFont typeface="Arial" panose="020B0604020202020204" pitchFamily="34" charset="0"/>
-        <a:buChar char="•"/>
-        <a:defRPr sz="1800" kern="1200">
+        <a:spcAft>
+          <a:spcPts val="400"/>
+        </a:spcAft>
+        <a:buClr>
+          <a:schemeClr val="accent1"/>
+        </a:buClr>
+        <a:buFont typeface="Calibri" pitchFamily="34" charset="0"/>
+        <a:buChar char="◦"/>
+        <a:defRPr sz="1400" kern="1200">
           <a:solidFill>
-            <a:schemeClr val="tx1"/>
+            <a:schemeClr val="tx1">
+              <a:lumMod val="75000"/>
+              <a:lumOff val="25000"/>
+            </a:schemeClr>
           </a:solidFill>
           <a:latin typeface="+mn-lt"/>
           <a:ea typeface="+mn-ea"/>
           <a:cs typeface="+mn-cs"/>
         </a:defRPr>
       </a:lvl5pPr>
-      <a:lvl6pPr marL="2514600" indent="-228600" algn="l" defTabSz="914400" rtl="0" eaLnBrk="1" latinLnBrk="0" hangingPunct="1">
+      <a:lvl6pPr marL="1100000" indent="-228600" algn="l" defTabSz="914400" rtl="0" eaLnBrk="1" latinLnBrk="0" hangingPunct="1">
         <a:lnSpc>
           <a:spcPct val="90000"/>
         </a:lnSpc>
         <a:spcBef>
-          <a:spcPts val="500"/>
+          <a:spcPts val="200"/>
         </a:spcBef>
-        <a:buFont typeface="Arial" panose="020B0604020202020204" pitchFamily="34" charset="0"/>
-        <a:buChar char="•"/>
-        <a:defRPr sz="1800" kern="1200">
+        <a:spcAft>
+          <a:spcPts val="400"/>
+        </a:spcAft>
+        <a:buClr>
+          <a:schemeClr val="accent1"/>
+        </a:buClr>
+        <a:buFont typeface="Calibri" pitchFamily="34" charset="0"/>
+        <a:buChar char="◦"/>
+        <a:defRPr sz="1400" kern="1200">
           <a:solidFill>
-            <a:schemeClr val="tx1"/>
+            <a:schemeClr val="tx1">
+              <a:lumMod val="75000"/>
+              <a:lumOff val="25000"/>
+            </a:schemeClr>
           </a:solidFill>
           <a:latin typeface="+mn-lt"/>
           <a:ea typeface="+mn-ea"/>
           <a:cs typeface="+mn-cs"/>
         </a:defRPr>
       </a:lvl6pPr>
-      <a:lvl7pPr marL="2971800" indent="-228600" algn="l" defTabSz="914400" rtl="0" eaLnBrk="1" latinLnBrk="0" hangingPunct="1">
+      <a:lvl7pPr marL="1300000" indent="-228600" algn="l" defTabSz="914400" rtl="0" eaLnBrk="1" latinLnBrk="0" hangingPunct="1">
         <a:lnSpc>
           <a:spcPct val="90000"/>
         </a:lnSpc>
         <a:spcBef>
-          <a:spcPts val="500"/>
+          <a:spcPts val="200"/>
         </a:spcBef>
-        <a:buFont typeface="Arial" panose="020B0604020202020204" pitchFamily="34" charset="0"/>
-        <a:buChar char="•"/>
-        <a:defRPr sz="1800" kern="1200">
+        <a:spcAft>
+          <a:spcPts val="400"/>
+        </a:spcAft>
+        <a:buClr>
+          <a:schemeClr val="accent1"/>
+        </a:buClr>
+        <a:buFont typeface="Calibri" pitchFamily="34" charset="0"/>
+        <a:buChar char="◦"/>
+        <a:defRPr sz="1400" kern="1200">
           <a:solidFill>
-            <a:schemeClr val="tx1"/>
+            <a:schemeClr val="tx1">
+              <a:lumMod val="75000"/>
+              <a:lumOff val="25000"/>
+            </a:schemeClr>
           </a:solidFill>
           <a:latin typeface="+mn-lt"/>
           <a:ea typeface="+mn-ea"/>
           <a:cs typeface="+mn-cs"/>
         </a:defRPr>
       </a:lvl7pPr>
-      <a:lvl8pPr marL="3429000" indent="-228600" algn="l" defTabSz="914400" rtl="0" eaLnBrk="1" latinLnBrk="0" hangingPunct="1">
+      <a:lvl8pPr marL="1500000" indent="-228600" algn="l" defTabSz="914400" rtl="0" eaLnBrk="1" latinLnBrk="0" hangingPunct="1">
         <a:lnSpc>
           <a:spcPct val="90000"/>
         </a:lnSpc>
         <a:spcBef>
-          <a:spcPts val="500"/>
+          <a:spcPts val="200"/>
         </a:spcBef>
-        <a:buFont typeface="Arial" panose="020B0604020202020204" pitchFamily="34" charset="0"/>
-        <a:buChar char="•"/>
-        <a:defRPr sz="1800" kern="1200">
+        <a:spcAft>
+          <a:spcPts val="400"/>
+        </a:spcAft>
+        <a:buClr>
+          <a:schemeClr val="accent1"/>
+        </a:buClr>
+        <a:buFont typeface="Calibri" pitchFamily="34" charset="0"/>
+        <a:buChar char="◦"/>
+        <a:defRPr sz="1400" kern="1200">
           <a:solidFill>
-            <a:schemeClr val="tx1"/>
+            <a:schemeClr val="tx1">
+              <a:lumMod val="75000"/>
+              <a:lumOff val="25000"/>
+            </a:schemeClr>
           </a:solidFill>
           <a:latin typeface="+mn-lt"/>
           <a:ea typeface="+mn-ea"/>
           <a:cs typeface="+mn-cs"/>
         </a:defRPr>
       </a:lvl8pPr>
-      <a:lvl9pPr marL="3886200" indent="-228600" algn="l" defTabSz="914400" rtl="0" eaLnBrk="1" latinLnBrk="0" hangingPunct="1">
+      <a:lvl9pPr marL="1700000" indent="-228600" algn="l" defTabSz="914400" rtl="0" eaLnBrk="1" latinLnBrk="0" hangingPunct="1">
         <a:lnSpc>
           <a:spcPct val="90000"/>
         </a:lnSpc>
         <a:spcBef>
-          <a:spcPts val="500"/>
+          <a:spcPts val="200"/>
         </a:spcBef>
-        <a:buFont typeface="Arial" panose="020B0604020202020204" pitchFamily="34" charset="0"/>
-        <a:buChar char="•"/>
-        <a:defRPr sz="1800" kern="1200">
+        <a:spcAft>
+          <a:spcPts val="400"/>
+        </a:spcAft>
+        <a:buClr>
+          <a:schemeClr val="accent1"/>
+        </a:buClr>
+        <a:buFont typeface="Calibri" pitchFamily="34" charset="0"/>
+        <a:buChar char="◦"/>
+        <a:defRPr sz="1400" kern="1200">
           <a:solidFill>
-            <a:schemeClr val="tx1"/>
+            <a:schemeClr val="tx1">
+              <a:lumMod val="75000"/>
+              <a:lumOff val="25000"/>
+            </a:schemeClr>
           </a:solidFill>
           <a:latin typeface="+mn-lt"/>
           <a:ea typeface="+mn-ea"/>
@@ -3358,37 +4190,22 @@
             <p:ph type="ctrTitle"/>
           </p:nvPr>
         </p:nvSpPr>
-        <p:spPr/>
-        <p:txBody>
-          <a:bodyPr/>
+        <p:spPr>
+          <a:xfrm>
+            <a:off x="537681" y="2537048"/>
+            <a:ext cx="9144000" cy="1783904"/>
+          </a:xfrm>
+        </p:spPr>
+        <p:txBody>
+          <a:bodyPr>
+            <a:normAutofit fontScale="90000"/>
+          </a:bodyPr>
           <a:lstStyle/>
           <a:p>
-            <a:endParaRPr lang="en-US"/>
-          </a:p>
-        </p:txBody>
-      </p:sp>
-      <p:sp>
-        <p:nvSpPr>
-          <p:cNvPr id="3" name="Subtitle 2">
-            <a:extLst>
-              <a:ext uri="{FF2B5EF4-FFF2-40B4-BE49-F238E27FC236}">
-                <a16:creationId xmlns:a16="http://schemas.microsoft.com/office/drawing/2014/main" id="{E504AD74-53F5-8A88-FDA4-78BB745C4358}"/>
-              </a:ext>
-            </a:extLst>
-          </p:cNvPr>
-          <p:cNvSpPr>
-            <a:spLocks noGrp="1"/>
-          </p:cNvSpPr>
-          <p:nvPr>
-            <p:ph type="subTitle" idx="1"/>
-          </p:nvPr>
-        </p:nvSpPr>
-        <p:spPr/>
-        <p:txBody>
-          <a:bodyPr/>
-          <a:lstStyle/>
-          <a:p>
-            <a:endParaRPr lang="en-US"/>
+            <a:r>
+              <a:rPr lang="en-US" dirty="0"/>
+              <a:t>Approximation Algorithm for Minimum Vertex Cover</a:t>
+            </a:r>
           </a:p>
         </p:txBody>
       </p:sp>
@@ -3405,55 +4222,2960 @@
 </p:sld>
 </file>
 
+<file path=ppt/slides/slide2.xml><?xml version="1.0" encoding="utf-8"?>
+<p:sld xmlns:a="http://schemas.openxmlformats.org/drawingml/2006/main" xmlns:r="http://schemas.openxmlformats.org/officeDocument/2006/relationships" xmlns:p="http://schemas.openxmlformats.org/presentationml/2006/main">
+  <p:cSld>
+    <p:spTree>
+      <p:nvGrpSpPr>
+        <p:cNvPr id="1" name=""/>
+        <p:cNvGrpSpPr/>
+        <p:nvPr/>
+      </p:nvGrpSpPr>
+      <p:grpSpPr>
+        <a:xfrm>
+          <a:off x="0" y="0"/>
+          <a:ext cx="0" cy="0"/>
+          <a:chOff x="0" y="0"/>
+          <a:chExt cx="0" cy="0"/>
+        </a:xfrm>
+      </p:grpSpPr>
+      <p:sp>
+        <p:nvSpPr>
+          <p:cNvPr id="2" name="Title 1">
+            <a:extLst>
+              <a:ext uri="{FF2B5EF4-FFF2-40B4-BE49-F238E27FC236}">
+                <a16:creationId xmlns:a16="http://schemas.microsoft.com/office/drawing/2014/main" id="{B447DCCD-841B-FF88-9B83-F898A034CB02}"/>
+              </a:ext>
+            </a:extLst>
+          </p:cNvPr>
+          <p:cNvSpPr>
+            <a:spLocks noGrp="1"/>
+          </p:cNvSpPr>
+          <p:nvPr>
+            <p:ph type="title"/>
+          </p:nvPr>
+        </p:nvSpPr>
+        <p:spPr>
+          <a:xfrm>
+            <a:off x="677334" y="609600"/>
+            <a:ext cx="2826154" cy="726040"/>
+          </a:xfrm>
+        </p:spPr>
+        <p:txBody>
+          <a:bodyPr>
+            <a:normAutofit fontScale="90000"/>
+          </a:bodyPr>
+          <a:lstStyle/>
+          <a:p>
+            <a:r>
+              <a:rPr lang="en-US" dirty="0"/>
+              <a:t>Pseudocode</a:t>
+            </a:r>
+          </a:p>
+        </p:txBody>
+      </p:sp>
+      <p:sp>
+        <p:nvSpPr>
+          <p:cNvPr id="3" name="TextBox 2">
+            <a:extLst>
+              <a:ext uri="{FF2B5EF4-FFF2-40B4-BE49-F238E27FC236}">
+                <a16:creationId xmlns:a16="http://schemas.microsoft.com/office/drawing/2014/main" id="{7038A72F-0F8F-780B-14FB-6E5F1CA04543}"/>
+              </a:ext>
+            </a:extLst>
+          </p:cNvPr>
+          <p:cNvSpPr txBox="1"/>
+          <p:nvPr/>
+        </p:nvSpPr>
+        <p:spPr>
+          <a:xfrm>
+            <a:off x="677334" y="1998511"/>
+            <a:ext cx="12842699" cy="3785652"/>
+          </a:xfrm>
+          <a:prstGeom prst="rect">
+            <a:avLst/>
+          </a:prstGeom>
+          <a:noFill/>
+        </p:spPr>
+        <p:txBody>
+          <a:bodyPr wrap="square" rtlCol="0">
+            <a:spAutoFit/>
+          </a:bodyPr>
+          <a:lstStyle/>
+          <a:p>
+            <a:r>
+              <a:rPr lang="en-US" sz="2000" b="0" dirty="0">
+                <a:effectLst/>
+                <a:latin typeface="Consolas" panose="020B0609020204030204" pitchFamily="49" charset="0"/>
+              </a:rPr>
+              <a:t>def </a:t>
+            </a:r>
+            <a:r>
+              <a:rPr lang="en-US" sz="2000" b="0" dirty="0" err="1">
+                <a:effectLst/>
+                <a:latin typeface="Consolas" panose="020B0609020204030204" pitchFamily="49" charset="0"/>
+              </a:rPr>
+              <a:t>find_min_cover</a:t>
+            </a:r>
+            <a:r>
+              <a:rPr lang="en-US" sz="2000" b="0" dirty="0">
+                <a:effectLst/>
+                <a:latin typeface="Consolas" panose="020B0609020204030204" pitchFamily="49" charset="0"/>
+              </a:rPr>
+              <a:t>(</a:t>
+            </a:r>
+            <a:r>
+              <a:rPr lang="en-US" sz="2000" b="0" dirty="0" err="1">
+                <a:effectLst/>
+                <a:latin typeface="Consolas" panose="020B0609020204030204" pitchFamily="49" charset="0"/>
+              </a:rPr>
+              <a:t>adj_matrix</a:t>
+            </a:r>
+            <a:r>
+              <a:rPr lang="en-US" sz="2000" b="0" dirty="0">
+                <a:effectLst/>
+                <a:latin typeface="Consolas" panose="020B0609020204030204" pitchFamily="49" charset="0"/>
+              </a:rPr>
+              <a:t>):</a:t>
+            </a:r>
+          </a:p>
+          <a:p>
+            <a:r>
+              <a:rPr lang="en-US" sz="2000" b="0" dirty="0">
+                <a:effectLst/>
+                <a:latin typeface="Consolas" panose="020B0609020204030204" pitchFamily="49" charset="0"/>
+              </a:rPr>
+              <a:t>    result = set()</a:t>
+            </a:r>
+          </a:p>
+          <a:p>
+            <a:br>
+              <a:rPr lang="en-US" sz="2000" b="0" dirty="0">
+                <a:effectLst/>
+                <a:latin typeface="Consolas" panose="020B0609020204030204" pitchFamily="49" charset="0"/>
+              </a:rPr>
+            </a:br>
+            <a:r>
+              <a:rPr lang="en-US" sz="2000" b="0" dirty="0">
+                <a:effectLst/>
+                <a:latin typeface="Consolas" panose="020B0609020204030204" pitchFamily="49" charset="0"/>
+              </a:rPr>
+              <a:t>    while True:</a:t>
+            </a:r>
+          </a:p>
+          <a:p>
+            <a:r>
+              <a:rPr lang="en-US" sz="2000" b="0" dirty="0">
+                <a:effectLst/>
+                <a:latin typeface="Consolas" panose="020B0609020204030204" pitchFamily="49" charset="0"/>
+              </a:rPr>
+              <a:t>        </a:t>
+            </a:r>
+            <a:r>
+              <a:rPr lang="en-US" sz="2000" b="0" dirty="0" err="1">
+                <a:effectLst/>
+                <a:latin typeface="Consolas" panose="020B0609020204030204" pitchFamily="49" charset="0"/>
+              </a:rPr>
+              <a:t>removed_vertex</a:t>
+            </a:r>
+            <a:r>
+              <a:rPr lang="en-US" sz="2000" b="0" dirty="0">
+                <a:effectLst/>
+                <a:latin typeface="Consolas" panose="020B0609020204030204" pitchFamily="49" charset="0"/>
+              </a:rPr>
+              <a:t>, </a:t>
+            </a:r>
+            <a:r>
+              <a:rPr lang="en-US" sz="2000" b="0" dirty="0" err="1">
+                <a:effectLst/>
+                <a:latin typeface="Consolas" panose="020B0609020204030204" pitchFamily="49" charset="0"/>
+              </a:rPr>
+              <a:t>adj_matrix</a:t>
+            </a:r>
+            <a:r>
+              <a:rPr lang="en-US" sz="2000" b="0" dirty="0">
+                <a:effectLst/>
+                <a:latin typeface="Consolas" panose="020B0609020204030204" pitchFamily="49" charset="0"/>
+              </a:rPr>
+              <a:t> = </a:t>
+            </a:r>
+            <a:r>
+              <a:rPr lang="en-US" sz="2000" b="0" dirty="0" err="1">
+                <a:effectLst/>
+                <a:latin typeface="Consolas" panose="020B0609020204030204" pitchFamily="49" charset="0"/>
+              </a:rPr>
+              <a:t>remove_highest_degree</a:t>
+            </a:r>
+            <a:r>
+              <a:rPr lang="en-US" sz="2000" b="0" dirty="0">
+                <a:effectLst/>
+                <a:latin typeface="Consolas" panose="020B0609020204030204" pitchFamily="49" charset="0"/>
+              </a:rPr>
+              <a:t>(</a:t>
+            </a:r>
+            <a:r>
+              <a:rPr lang="en-US" sz="2000" b="0" dirty="0" err="1">
+                <a:effectLst/>
+                <a:latin typeface="Consolas" panose="020B0609020204030204" pitchFamily="49" charset="0"/>
+              </a:rPr>
+              <a:t>adj_matrix</a:t>
+            </a:r>
+            <a:r>
+              <a:rPr lang="en-US" sz="2000" b="0" dirty="0">
+                <a:effectLst/>
+                <a:latin typeface="Consolas" panose="020B0609020204030204" pitchFamily="49" charset="0"/>
+              </a:rPr>
+              <a:t>)</a:t>
+            </a:r>
+          </a:p>
+          <a:p>
+            <a:br>
+              <a:rPr lang="en-US" sz="2000" b="0" dirty="0">
+                <a:effectLst/>
+                <a:latin typeface="Consolas" panose="020B0609020204030204" pitchFamily="49" charset="0"/>
+              </a:rPr>
+            </a:br>
+            <a:r>
+              <a:rPr lang="en-US" sz="2000" b="0" dirty="0">
+                <a:effectLst/>
+                <a:latin typeface="Consolas" panose="020B0609020204030204" pitchFamily="49" charset="0"/>
+              </a:rPr>
+              <a:t>        </a:t>
+            </a:r>
+            <a:r>
+              <a:rPr lang="en-US" sz="2000" b="0" dirty="0" err="1">
+                <a:effectLst/>
+                <a:latin typeface="Consolas" panose="020B0609020204030204" pitchFamily="49" charset="0"/>
+              </a:rPr>
+              <a:t>result.add</a:t>
+            </a:r>
+            <a:r>
+              <a:rPr lang="en-US" sz="2000" b="0" dirty="0">
+                <a:effectLst/>
+                <a:latin typeface="Consolas" panose="020B0609020204030204" pitchFamily="49" charset="0"/>
+              </a:rPr>
+              <a:t>(</a:t>
+            </a:r>
+            <a:r>
+              <a:rPr lang="en-US" sz="2000" b="0" dirty="0" err="1">
+                <a:effectLst/>
+                <a:latin typeface="Consolas" panose="020B0609020204030204" pitchFamily="49" charset="0"/>
+              </a:rPr>
+              <a:t>removed_vertex</a:t>
+            </a:r>
+            <a:r>
+              <a:rPr lang="en-US" sz="2000" b="0" dirty="0">
+                <a:effectLst/>
+                <a:latin typeface="Consolas" panose="020B0609020204030204" pitchFamily="49" charset="0"/>
+              </a:rPr>
+              <a:t>)</a:t>
+            </a:r>
+          </a:p>
+          <a:p>
+            <a:br>
+              <a:rPr lang="en-US" sz="2000" b="0" dirty="0">
+                <a:effectLst/>
+                <a:latin typeface="Consolas" panose="020B0609020204030204" pitchFamily="49" charset="0"/>
+              </a:rPr>
+            </a:br>
+            <a:r>
+              <a:rPr lang="en-US" sz="2000" b="0" dirty="0">
+                <a:effectLst/>
+                <a:latin typeface="Consolas" panose="020B0609020204030204" pitchFamily="49" charset="0"/>
+              </a:rPr>
+              <a:t>        if </a:t>
+            </a:r>
+            <a:r>
+              <a:rPr lang="en-US" sz="2000" b="0" dirty="0" err="1">
+                <a:effectLst/>
+                <a:latin typeface="Consolas" panose="020B0609020204030204" pitchFamily="49" charset="0"/>
+              </a:rPr>
+              <a:t>check_edges</a:t>
+            </a:r>
+            <a:r>
+              <a:rPr lang="en-US" sz="2000" b="0" dirty="0">
+                <a:effectLst/>
+                <a:latin typeface="Consolas" panose="020B0609020204030204" pitchFamily="49" charset="0"/>
+              </a:rPr>
+              <a:t>(</a:t>
+            </a:r>
+            <a:r>
+              <a:rPr lang="en-US" sz="2000" b="0" dirty="0" err="1">
+                <a:effectLst/>
+                <a:latin typeface="Consolas" panose="020B0609020204030204" pitchFamily="49" charset="0"/>
+              </a:rPr>
+              <a:t>adj_matrix</a:t>
+            </a:r>
+            <a:r>
+              <a:rPr lang="en-US" sz="2000" b="0" dirty="0">
+                <a:effectLst/>
+                <a:latin typeface="Consolas" panose="020B0609020204030204" pitchFamily="49" charset="0"/>
+              </a:rPr>
+              <a:t>):</a:t>
+            </a:r>
+          </a:p>
+          <a:p>
+            <a:r>
+              <a:rPr lang="en-US" sz="2000" b="0" dirty="0">
+                <a:effectLst/>
+                <a:latin typeface="Consolas" panose="020B0609020204030204" pitchFamily="49" charset="0"/>
+              </a:rPr>
+              <a:t>            break</a:t>
+            </a:r>
+          </a:p>
+          <a:p>
+            <a:br>
+              <a:rPr lang="en-US" sz="2000" b="0" dirty="0">
+                <a:effectLst/>
+                <a:latin typeface="Consolas" panose="020B0609020204030204" pitchFamily="49" charset="0"/>
+              </a:rPr>
+            </a:br>
+            <a:r>
+              <a:rPr lang="en-US" sz="2000" b="0" dirty="0">
+                <a:effectLst/>
+                <a:latin typeface="Consolas" panose="020B0609020204030204" pitchFamily="49" charset="0"/>
+              </a:rPr>
+              <a:t>    return result</a:t>
+            </a:r>
+          </a:p>
+        </p:txBody>
+      </p:sp>
+    </p:spTree>
+    <p:extLst>
+      <p:ext uri="{BB962C8B-B14F-4D97-AF65-F5344CB8AC3E}">
+        <p14:creationId xmlns:p14="http://schemas.microsoft.com/office/powerpoint/2010/main" val="1810074082"/>
+      </p:ext>
+    </p:extLst>
+  </p:cSld>
+  <p:clrMapOvr>
+    <a:masterClrMapping/>
+  </p:clrMapOvr>
+</p:sld>
+</file>
+
+<file path=ppt/slides/slide3.xml><?xml version="1.0" encoding="utf-8"?>
+<p:sld xmlns:a="http://schemas.openxmlformats.org/drawingml/2006/main" xmlns:r="http://schemas.openxmlformats.org/officeDocument/2006/relationships" xmlns:p="http://schemas.openxmlformats.org/presentationml/2006/main">
+  <p:cSld>
+    <p:spTree>
+      <p:nvGrpSpPr>
+        <p:cNvPr id="1" name="">
+          <a:extLst>
+            <a:ext uri="{FF2B5EF4-FFF2-40B4-BE49-F238E27FC236}">
+              <a16:creationId xmlns:a16="http://schemas.microsoft.com/office/drawing/2014/main" id="{838FBF15-53C7-93EA-E0F8-A5BAC4CE99EE}"/>
+            </a:ext>
+          </a:extLst>
+        </p:cNvPr>
+        <p:cNvGrpSpPr/>
+        <p:nvPr/>
+      </p:nvGrpSpPr>
+      <p:grpSpPr>
+        <a:xfrm>
+          <a:off x="0" y="0"/>
+          <a:ext cx="0" cy="0"/>
+          <a:chOff x="0" y="0"/>
+          <a:chExt cx="0" cy="0"/>
+        </a:xfrm>
+      </p:grpSpPr>
+      <p:sp>
+        <p:nvSpPr>
+          <p:cNvPr id="2" name="Title 1">
+            <a:extLst>
+              <a:ext uri="{FF2B5EF4-FFF2-40B4-BE49-F238E27FC236}">
+                <a16:creationId xmlns:a16="http://schemas.microsoft.com/office/drawing/2014/main" id="{50340E64-B18F-043E-FEBC-E691B62A0891}"/>
+              </a:ext>
+            </a:extLst>
+          </p:cNvPr>
+          <p:cNvSpPr>
+            <a:spLocks noGrp="1"/>
+          </p:cNvSpPr>
+          <p:nvPr>
+            <p:ph type="title"/>
+          </p:nvPr>
+        </p:nvSpPr>
+        <p:spPr>
+          <a:xfrm>
+            <a:off x="677334" y="609600"/>
+            <a:ext cx="2826154" cy="726040"/>
+          </a:xfrm>
+        </p:spPr>
+        <p:txBody>
+          <a:bodyPr>
+            <a:normAutofit fontScale="90000"/>
+          </a:bodyPr>
+          <a:lstStyle/>
+          <a:p>
+            <a:r>
+              <a:rPr lang="en-US" dirty="0"/>
+              <a:t>Pseudocode</a:t>
+            </a:r>
+          </a:p>
+        </p:txBody>
+      </p:sp>
+      <p:sp>
+        <p:nvSpPr>
+          <p:cNvPr id="3" name="TextBox 2">
+            <a:extLst>
+              <a:ext uri="{FF2B5EF4-FFF2-40B4-BE49-F238E27FC236}">
+                <a16:creationId xmlns:a16="http://schemas.microsoft.com/office/drawing/2014/main" id="{D039C788-A84E-7409-F4EB-4956470C561A}"/>
+              </a:ext>
+            </a:extLst>
+          </p:cNvPr>
+          <p:cNvSpPr txBox="1"/>
+          <p:nvPr/>
+        </p:nvSpPr>
+        <p:spPr>
+          <a:xfrm>
+            <a:off x="677334" y="1847195"/>
+            <a:ext cx="12842699" cy="4401205"/>
+          </a:xfrm>
+          <a:prstGeom prst="rect">
+            <a:avLst/>
+          </a:prstGeom>
+          <a:noFill/>
+        </p:spPr>
+        <p:txBody>
+          <a:bodyPr wrap="square" rtlCol="0">
+            <a:spAutoFit/>
+          </a:bodyPr>
+          <a:lstStyle/>
+          <a:p>
+            <a:r>
+              <a:rPr lang="en-US" sz="2000" b="0" dirty="0">
+                <a:effectLst/>
+                <a:latin typeface="Consolas" panose="020B0609020204030204" pitchFamily="49" charset="0"/>
+              </a:rPr>
+              <a:t>def </a:t>
+            </a:r>
+            <a:r>
+              <a:rPr lang="en-US" sz="2000" b="0" dirty="0" err="1">
+                <a:effectLst/>
+                <a:latin typeface="Consolas" panose="020B0609020204030204" pitchFamily="49" charset="0"/>
+              </a:rPr>
+              <a:t>remove_highest_degree</a:t>
+            </a:r>
+            <a:r>
+              <a:rPr lang="en-US" sz="2000" b="0" dirty="0">
+                <a:effectLst/>
+                <a:latin typeface="Consolas" panose="020B0609020204030204" pitchFamily="49" charset="0"/>
+              </a:rPr>
+              <a:t>(</a:t>
+            </a:r>
+            <a:r>
+              <a:rPr lang="en-US" sz="2000" b="0" dirty="0" err="1">
+                <a:effectLst/>
+                <a:latin typeface="Consolas" panose="020B0609020204030204" pitchFamily="49" charset="0"/>
+              </a:rPr>
+              <a:t>adj_matrix</a:t>
+            </a:r>
+            <a:r>
+              <a:rPr lang="en-US" sz="2000" b="0" dirty="0">
+                <a:effectLst/>
+                <a:latin typeface="Consolas" panose="020B0609020204030204" pitchFamily="49" charset="0"/>
+              </a:rPr>
+              <a:t>):</a:t>
+            </a:r>
+          </a:p>
+          <a:p>
+            <a:r>
+              <a:rPr lang="en-US" sz="2000" b="0" dirty="0">
+                <a:effectLst/>
+                <a:latin typeface="Consolas" panose="020B0609020204030204" pitchFamily="49" charset="0"/>
+              </a:rPr>
+              <a:t>    degrees = {v: </a:t>
+            </a:r>
+            <a:r>
+              <a:rPr lang="en-US" sz="2000" b="0" dirty="0" err="1">
+                <a:effectLst/>
+                <a:latin typeface="Consolas" panose="020B0609020204030204" pitchFamily="49" charset="0"/>
+              </a:rPr>
+              <a:t>len</a:t>
+            </a:r>
+            <a:r>
+              <a:rPr lang="en-US" sz="2000" b="0" dirty="0">
+                <a:effectLst/>
+                <a:latin typeface="Consolas" panose="020B0609020204030204" pitchFamily="49" charset="0"/>
+              </a:rPr>
+              <a:t>(neighbors) for v, neighbors in </a:t>
+            </a:r>
+            <a:r>
+              <a:rPr lang="en-US" sz="2000" b="0" dirty="0" err="1">
+                <a:effectLst/>
+                <a:latin typeface="Consolas" panose="020B0609020204030204" pitchFamily="49" charset="0"/>
+              </a:rPr>
+              <a:t>adj_matrix.items</a:t>
+            </a:r>
+            <a:r>
+              <a:rPr lang="en-US" sz="2000" b="0" dirty="0">
+                <a:effectLst/>
+                <a:latin typeface="Consolas" panose="020B0609020204030204" pitchFamily="49" charset="0"/>
+              </a:rPr>
+              <a:t>()}</a:t>
+            </a:r>
+          </a:p>
+          <a:p>
+            <a:r>
+              <a:rPr lang="en-US" sz="2000" b="0" dirty="0">
+                <a:effectLst/>
+                <a:latin typeface="Consolas" panose="020B0609020204030204" pitchFamily="49" charset="0"/>
+              </a:rPr>
+              <a:t>    </a:t>
+            </a:r>
+            <a:r>
+              <a:rPr lang="en-US" sz="2000" b="0" dirty="0" err="1">
+                <a:effectLst/>
+                <a:latin typeface="Consolas" panose="020B0609020204030204" pitchFamily="49" charset="0"/>
+              </a:rPr>
+              <a:t>max_degree</a:t>
+            </a:r>
+            <a:r>
+              <a:rPr lang="en-US" sz="2000" b="0" dirty="0">
+                <a:effectLst/>
+                <a:latin typeface="Consolas" panose="020B0609020204030204" pitchFamily="49" charset="0"/>
+              </a:rPr>
+              <a:t> = max(</a:t>
+            </a:r>
+            <a:r>
+              <a:rPr lang="en-US" sz="2000" b="0" dirty="0" err="1">
+                <a:effectLst/>
+                <a:latin typeface="Consolas" panose="020B0609020204030204" pitchFamily="49" charset="0"/>
+              </a:rPr>
+              <a:t>degrees.values</a:t>
+            </a:r>
+            <a:r>
+              <a:rPr lang="en-US" sz="2000" b="0" dirty="0">
+                <a:effectLst/>
+                <a:latin typeface="Consolas" panose="020B0609020204030204" pitchFamily="49" charset="0"/>
+              </a:rPr>
+              <a:t>())</a:t>
+            </a:r>
+          </a:p>
+          <a:p>
+            <a:br>
+              <a:rPr lang="en-US" sz="2000" b="0" dirty="0">
+                <a:effectLst/>
+                <a:latin typeface="Consolas" panose="020B0609020204030204" pitchFamily="49" charset="0"/>
+              </a:rPr>
+            </a:br>
+            <a:r>
+              <a:rPr lang="en-US" sz="2000" b="0" dirty="0">
+                <a:effectLst/>
+                <a:latin typeface="Consolas" panose="020B0609020204030204" pitchFamily="49" charset="0"/>
+              </a:rPr>
+              <a:t>    candidates = [v for v, d in </a:t>
+            </a:r>
+            <a:r>
+              <a:rPr lang="en-US" sz="2000" b="0" dirty="0" err="1">
+                <a:effectLst/>
+                <a:latin typeface="Consolas" panose="020B0609020204030204" pitchFamily="49" charset="0"/>
+              </a:rPr>
+              <a:t>degrees.items</a:t>
+            </a:r>
+            <a:r>
+              <a:rPr lang="en-US" sz="2000" b="0" dirty="0">
+                <a:effectLst/>
+                <a:latin typeface="Consolas" panose="020B0609020204030204" pitchFamily="49" charset="0"/>
+              </a:rPr>
+              <a:t>() if d == </a:t>
+            </a:r>
+            <a:r>
+              <a:rPr lang="en-US" sz="2000" b="0" dirty="0" err="1">
+                <a:effectLst/>
+                <a:latin typeface="Consolas" panose="020B0609020204030204" pitchFamily="49" charset="0"/>
+              </a:rPr>
+              <a:t>max_degree</a:t>
+            </a:r>
+            <a:r>
+              <a:rPr lang="en-US" sz="2000" b="0" dirty="0">
+                <a:effectLst/>
+                <a:latin typeface="Consolas" panose="020B0609020204030204" pitchFamily="49" charset="0"/>
+              </a:rPr>
+              <a:t>]</a:t>
+            </a:r>
+          </a:p>
+          <a:p>
+            <a:br>
+              <a:rPr lang="en-US" sz="2000" b="0" dirty="0">
+                <a:effectLst/>
+                <a:latin typeface="Consolas" panose="020B0609020204030204" pitchFamily="49" charset="0"/>
+              </a:rPr>
+            </a:br>
+            <a:r>
+              <a:rPr lang="en-US" sz="2000" b="0" dirty="0">
+                <a:effectLst/>
+                <a:latin typeface="Consolas" panose="020B0609020204030204" pitchFamily="49" charset="0"/>
+              </a:rPr>
+              <a:t>    </a:t>
+            </a:r>
+            <a:r>
+              <a:rPr lang="en-US" sz="2000" b="0" dirty="0" err="1">
+                <a:effectLst/>
+                <a:latin typeface="Consolas" panose="020B0609020204030204" pitchFamily="49" charset="0"/>
+              </a:rPr>
+              <a:t>selected_vertex</a:t>
+            </a:r>
+            <a:r>
+              <a:rPr lang="en-US" sz="2000" b="0" dirty="0">
+                <a:effectLst/>
+                <a:latin typeface="Consolas" panose="020B0609020204030204" pitchFamily="49" charset="0"/>
+              </a:rPr>
+              <a:t> = </a:t>
+            </a:r>
+            <a:r>
+              <a:rPr lang="en-US" sz="2000" b="0" dirty="0" err="1">
+                <a:effectLst/>
+                <a:latin typeface="Consolas" panose="020B0609020204030204" pitchFamily="49" charset="0"/>
+              </a:rPr>
+              <a:t>random.choice</a:t>
+            </a:r>
+            <a:r>
+              <a:rPr lang="en-US" sz="2000" b="0" dirty="0">
+                <a:effectLst/>
+                <a:latin typeface="Consolas" panose="020B0609020204030204" pitchFamily="49" charset="0"/>
+              </a:rPr>
+              <a:t>(candidates)</a:t>
+            </a:r>
+          </a:p>
+          <a:p>
+            <a:br>
+              <a:rPr lang="en-US" sz="2000" b="0" dirty="0">
+                <a:effectLst/>
+                <a:latin typeface="Consolas" panose="020B0609020204030204" pitchFamily="49" charset="0"/>
+              </a:rPr>
+            </a:br>
+            <a:r>
+              <a:rPr lang="en-US" sz="2000" b="0" dirty="0">
+                <a:effectLst/>
+                <a:latin typeface="Consolas" panose="020B0609020204030204" pitchFamily="49" charset="0"/>
+              </a:rPr>
+              <a:t>    </a:t>
+            </a:r>
+            <a:r>
+              <a:rPr lang="en-US" sz="2000" b="0" dirty="0" err="1">
+                <a:effectLst/>
+                <a:latin typeface="Consolas" panose="020B0609020204030204" pitchFamily="49" charset="0"/>
+              </a:rPr>
+              <a:t>updated_adj_matrix</a:t>
+            </a:r>
+            <a:r>
+              <a:rPr lang="en-US" sz="2000" b="0" dirty="0">
+                <a:effectLst/>
+                <a:latin typeface="Consolas" panose="020B0609020204030204" pitchFamily="49" charset="0"/>
+              </a:rPr>
+              <a:t> = {</a:t>
+            </a:r>
+          </a:p>
+          <a:p>
+            <a:r>
+              <a:rPr lang="en-US" sz="2000" b="0" dirty="0">
+                <a:effectLst/>
+                <a:latin typeface="Consolas" panose="020B0609020204030204" pitchFamily="49" charset="0"/>
+              </a:rPr>
+              <a:t>        v: [neighbor for neighbor in neighbors if neighbor != </a:t>
+            </a:r>
+            <a:r>
+              <a:rPr lang="en-US" sz="2000" b="0" dirty="0" err="1">
+                <a:effectLst/>
+                <a:latin typeface="Consolas" panose="020B0609020204030204" pitchFamily="49" charset="0"/>
+              </a:rPr>
+              <a:t>selected_vertex</a:t>
+            </a:r>
+            <a:r>
+              <a:rPr lang="en-US" sz="2000" b="0" dirty="0">
+                <a:effectLst/>
+                <a:latin typeface="Consolas" panose="020B0609020204030204" pitchFamily="49" charset="0"/>
+              </a:rPr>
+              <a:t>]</a:t>
+            </a:r>
+          </a:p>
+          <a:p>
+            <a:r>
+              <a:rPr lang="en-US" sz="2000" b="0" dirty="0">
+                <a:effectLst/>
+                <a:latin typeface="Consolas" panose="020B0609020204030204" pitchFamily="49" charset="0"/>
+              </a:rPr>
+              <a:t>        for v, neighbors in </a:t>
+            </a:r>
+            <a:r>
+              <a:rPr lang="en-US" sz="2000" b="0" dirty="0" err="1">
+                <a:effectLst/>
+                <a:latin typeface="Consolas" panose="020B0609020204030204" pitchFamily="49" charset="0"/>
+              </a:rPr>
+              <a:t>adj_matrix.items</a:t>
+            </a:r>
+            <a:r>
+              <a:rPr lang="en-US" sz="2000" b="0" dirty="0">
+                <a:effectLst/>
+                <a:latin typeface="Consolas" panose="020B0609020204030204" pitchFamily="49" charset="0"/>
+              </a:rPr>
+              <a:t>() if v != </a:t>
+            </a:r>
+            <a:r>
+              <a:rPr lang="en-US" sz="2000" b="0" dirty="0" err="1">
+                <a:effectLst/>
+                <a:latin typeface="Consolas" panose="020B0609020204030204" pitchFamily="49" charset="0"/>
+              </a:rPr>
+              <a:t>selected_vertex</a:t>
+            </a:r>
+            <a:endParaRPr lang="en-US" sz="2000" b="0" dirty="0">
+              <a:effectLst/>
+              <a:latin typeface="Consolas" panose="020B0609020204030204" pitchFamily="49" charset="0"/>
+            </a:endParaRPr>
+          </a:p>
+          <a:p>
+            <a:r>
+              <a:rPr lang="en-US" sz="2000" b="0" dirty="0">
+                <a:effectLst/>
+                <a:latin typeface="Consolas" panose="020B0609020204030204" pitchFamily="49" charset="0"/>
+              </a:rPr>
+              <a:t>    }</a:t>
+            </a:r>
+          </a:p>
+          <a:p>
+            <a:br>
+              <a:rPr lang="en-US" sz="2000" b="0" dirty="0">
+                <a:effectLst/>
+                <a:latin typeface="Consolas" panose="020B0609020204030204" pitchFamily="49" charset="0"/>
+              </a:rPr>
+            </a:br>
+            <a:r>
+              <a:rPr lang="en-US" sz="2000" b="0" dirty="0">
+                <a:effectLst/>
+                <a:latin typeface="Consolas" panose="020B0609020204030204" pitchFamily="49" charset="0"/>
+              </a:rPr>
+              <a:t>    return </a:t>
+            </a:r>
+            <a:r>
+              <a:rPr lang="en-US" sz="2000" b="0" dirty="0" err="1">
+                <a:effectLst/>
+                <a:latin typeface="Consolas" panose="020B0609020204030204" pitchFamily="49" charset="0"/>
+              </a:rPr>
+              <a:t>selected_vertex</a:t>
+            </a:r>
+            <a:r>
+              <a:rPr lang="en-US" sz="2000" b="0" dirty="0">
+                <a:effectLst/>
+                <a:latin typeface="Consolas" panose="020B0609020204030204" pitchFamily="49" charset="0"/>
+              </a:rPr>
+              <a:t>, </a:t>
+            </a:r>
+            <a:r>
+              <a:rPr lang="en-US" sz="2000" b="0" dirty="0" err="1">
+                <a:effectLst/>
+                <a:latin typeface="Consolas" panose="020B0609020204030204" pitchFamily="49" charset="0"/>
+              </a:rPr>
+              <a:t>updated_adj_matrix</a:t>
+            </a:r>
+            <a:endParaRPr lang="en-US" sz="2000" b="0" dirty="0">
+              <a:effectLst/>
+              <a:latin typeface="Consolas" panose="020B0609020204030204" pitchFamily="49" charset="0"/>
+            </a:endParaRPr>
+          </a:p>
+        </p:txBody>
+      </p:sp>
+    </p:spTree>
+    <p:extLst>
+      <p:ext uri="{BB962C8B-B14F-4D97-AF65-F5344CB8AC3E}">
+        <p14:creationId xmlns:p14="http://schemas.microsoft.com/office/powerpoint/2010/main" val="2576681312"/>
+      </p:ext>
+    </p:extLst>
+  </p:cSld>
+  <p:clrMapOvr>
+    <a:masterClrMapping/>
+  </p:clrMapOvr>
+</p:sld>
+</file>
+
+<file path=ppt/slides/slide4.xml><?xml version="1.0" encoding="utf-8"?>
+<p:sld xmlns:a="http://schemas.openxmlformats.org/drawingml/2006/main" xmlns:r="http://schemas.openxmlformats.org/officeDocument/2006/relationships" xmlns:p="http://schemas.openxmlformats.org/presentationml/2006/main">
+  <p:cSld>
+    <p:spTree>
+      <p:nvGrpSpPr>
+        <p:cNvPr id="1" name=""/>
+        <p:cNvGrpSpPr/>
+        <p:nvPr/>
+      </p:nvGrpSpPr>
+      <p:grpSpPr>
+        <a:xfrm>
+          <a:off x="0" y="0"/>
+          <a:ext cx="0" cy="0"/>
+          <a:chOff x="0" y="0"/>
+          <a:chExt cx="0" cy="0"/>
+        </a:xfrm>
+      </p:grpSpPr>
+      <p:sp>
+        <p:nvSpPr>
+          <p:cNvPr id="2" name="Title 1">
+            <a:extLst>
+              <a:ext uri="{FF2B5EF4-FFF2-40B4-BE49-F238E27FC236}">
+                <a16:creationId xmlns:a16="http://schemas.microsoft.com/office/drawing/2014/main" id="{8419F9C1-480F-7353-9AE5-A3AD7C7E7336}"/>
+              </a:ext>
+            </a:extLst>
+          </p:cNvPr>
+          <p:cNvSpPr>
+            <a:spLocks noGrp="1"/>
+          </p:cNvSpPr>
+          <p:nvPr>
+            <p:ph type="title"/>
+          </p:nvPr>
+        </p:nvSpPr>
+        <p:spPr/>
+        <p:txBody>
+          <a:bodyPr/>
+          <a:lstStyle/>
+          <a:p>
+            <a:r>
+              <a:rPr lang="en-US" dirty="0"/>
+              <a:t>Analysis</a:t>
+            </a:r>
+          </a:p>
+        </p:txBody>
+      </p:sp>
+      <p:sp>
+        <p:nvSpPr>
+          <p:cNvPr id="3" name="Content Placeholder 2">
+            <a:extLst>
+              <a:ext uri="{FF2B5EF4-FFF2-40B4-BE49-F238E27FC236}">
+                <a16:creationId xmlns:a16="http://schemas.microsoft.com/office/drawing/2014/main" id="{39FE5285-EEF5-A867-946E-CA98BA0CB349}"/>
+              </a:ext>
+            </a:extLst>
+          </p:cNvPr>
+          <p:cNvSpPr>
+            <a:spLocks noGrp="1"/>
+          </p:cNvSpPr>
+          <p:nvPr>
+            <p:ph idx="1"/>
+          </p:nvPr>
+        </p:nvSpPr>
+        <p:spPr>
+          <a:xfrm>
+            <a:off x="1097280" y="1917653"/>
+            <a:ext cx="10058400" cy="3096136"/>
+          </a:xfrm>
+        </p:spPr>
+        <p:txBody>
+          <a:bodyPr/>
+          <a:lstStyle/>
+          <a:p>
+            <a:r>
+              <a:rPr lang="en-US" dirty="0" err="1"/>
+              <a:t>remove_highest_degree</a:t>
+            </a:r>
+            <a:endParaRPr lang="en-US" dirty="0"/>
+          </a:p>
+          <a:p>
+            <a:pPr lvl="1"/>
+            <a:r>
+              <a:rPr lang="en-US" dirty="0"/>
+              <a:t>Worst case: O(V + E)</a:t>
+            </a:r>
+          </a:p>
+          <a:p>
+            <a:pPr lvl="1"/>
+            <a:r>
+              <a:rPr lang="en-US" dirty="0"/>
+              <a:t>Must compute the degree of each vertex involves iterating through all vertices and their neighbors</a:t>
+            </a:r>
+          </a:p>
+          <a:p>
+            <a:pPr lvl="1"/>
+            <a:endParaRPr lang="en-US" dirty="0"/>
+          </a:p>
+          <a:p>
+            <a:pPr marL="91440" lvl="1" indent="-91440">
+              <a:spcBef>
+                <a:spcPts val="1200"/>
+              </a:spcBef>
+              <a:spcAft>
+                <a:spcPts val="200"/>
+              </a:spcAft>
+              <a:buSzPct val="100000"/>
+              <a:buFont typeface="Calibri" panose="020F0502020204030204" pitchFamily="34" charset="0"/>
+              <a:buChar char=" "/>
+            </a:pPr>
+            <a:r>
+              <a:rPr lang="en-US" sz="2000" dirty="0" err="1"/>
+              <a:t>find_min_cover</a:t>
+            </a:r>
+            <a:endParaRPr lang="en-US" sz="1600" dirty="0"/>
+          </a:p>
+          <a:p>
+            <a:pPr lvl="1">
+              <a:buSzPct val="100000"/>
+            </a:pPr>
+            <a:r>
+              <a:rPr lang="en-US" dirty="0"/>
+              <a:t>Worst case: </a:t>
+            </a:r>
+            <a:r>
+              <a:rPr lang="pt-BR" dirty="0"/>
+              <a:t>O(V * (V + E)) = O(V² + V * E)</a:t>
+            </a:r>
+          </a:p>
+          <a:p>
+            <a:pPr lvl="1">
+              <a:buSzPct val="100000"/>
+            </a:pPr>
+            <a:r>
+              <a:rPr lang="en-US" dirty="0"/>
+              <a:t>The function repeatedly calls </a:t>
+            </a:r>
+            <a:r>
+              <a:rPr lang="en-US" dirty="0" err="1"/>
+              <a:t>remove_highest_degree</a:t>
+            </a:r>
+            <a:r>
+              <a:rPr lang="en-US" dirty="0"/>
+              <a:t> and </a:t>
+            </a:r>
+            <a:r>
+              <a:rPr lang="en-US" dirty="0" err="1"/>
+              <a:t>check_edges</a:t>
+            </a:r>
+            <a:r>
+              <a:rPr lang="en-US" dirty="0"/>
+              <a:t> until all edges are removed. In the worst case, it performs this process once for every vertex.</a:t>
+            </a:r>
+          </a:p>
+        </p:txBody>
+      </p:sp>
+    </p:spTree>
+    <p:extLst>
+      <p:ext uri="{BB962C8B-B14F-4D97-AF65-F5344CB8AC3E}">
+        <p14:creationId xmlns:p14="http://schemas.microsoft.com/office/powerpoint/2010/main" val="2032507214"/>
+      </p:ext>
+    </p:extLst>
+  </p:cSld>
+  <p:clrMapOvr>
+    <a:masterClrMapping/>
+  </p:clrMapOvr>
+</p:sld>
+</file>
+
+<file path=ppt/slides/slide5.xml><?xml version="1.0" encoding="utf-8"?>
+<p:sld xmlns:a="http://schemas.openxmlformats.org/drawingml/2006/main" xmlns:r="http://schemas.openxmlformats.org/officeDocument/2006/relationships" xmlns:p="http://schemas.openxmlformats.org/presentationml/2006/main">
+  <p:cSld>
+    <p:spTree>
+      <p:nvGrpSpPr>
+        <p:cNvPr id="1" name=""/>
+        <p:cNvGrpSpPr/>
+        <p:nvPr/>
+      </p:nvGrpSpPr>
+      <p:grpSpPr>
+        <a:xfrm>
+          <a:off x="0" y="0"/>
+          <a:ext cx="0" cy="0"/>
+          <a:chOff x="0" y="0"/>
+          <a:chExt cx="0" cy="0"/>
+        </a:xfrm>
+      </p:grpSpPr>
+      <p:pic>
+        <p:nvPicPr>
+          <p:cNvPr id="3" name="Picture 2">
+            <a:extLst>
+              <a:ext uri="{FF2B5EF4-FFF2-40B4-BE49-F238E27FC236}">
+                <a16:creationId xmlns:a16="http://schemas.microsoft.com/office/drawing/2014/main" id="{1DD4F076-B357-0A4F-86F9-0B9D804954AD}"/>
+              </a:ext>
+            </a:extLst>
+          </p:cNvPr>
+          <p:cNvPicPr>
+            <a:picLocks noChangeAspect="1"/>
+          </p:cNvPicPr>
+          <p:nvPr/>
+        </p:nvPicPr>
+        <p:blipFill>
+          <a:blip r:embed="rId2"/>
+          <a:stretch>
+            <a:fillRect/>
+          </a:stretch>
+        </p:blipFill>
+        <p:spPr>
+          <a:xfrm>
+            <a:off x="4099389" y="207545"/>
+            <a:ext cx="7839181" cy="6018749"/>
+          </a:xfrm>
+          <a:prstGeom prst="rect">
+            <a:avLst/>
+          </a:prstGeom>
+        </p:spPr>
+      </p:pic>
+      <p:sp>
+        <p:nvSpPr>
+          <p:cNvPr id="4" name="TextBox 3">
+            <a:extLst>
+              <a:ext uri="{FF2B5EF4-FFF2-40B4-BE49-F238E27FC236}">
+                <a16:creationId xmlns:a16="http://schemas.microsoft.com/office/drawing/2014/main" id="{46D850D7-B2E3-E1CE-54D3-31259104C741}"/>
+              </a:ext>
+            </a:extLst>
+          </p:cNvPr>
+          <p:cNvSpPr txBox="1"/>
+          <p:nvPr/>
+        </p:nvSpPr>
+        <p:spPr>
+          <a:xfrm>
+            <a:off x="253430" y="631706"/>
+            <a:ext cx="4027470" cy="1569660"/>
+          </a:xfrm>
+          <a:prstGeom prst="rect">
+            <a:avLst/>
+          </a:prstGeom>
+          <a:noFill/>
+        </p:spPr>
+        <p:txBody>
+          <a:bodyPr wrap="square" rtlCol="0">
+            <a:spAutoFit/>
+          </a:bodyPr>
+          <a:lstStyle/>
+          <a:p>
+            <a:r>
+              <a:rPr lang="en-US" sz="4800" b="1" dirty="0"/>
+              <a:t>Runtime Performance</a:t>
+            </a:r>
+          </a:p>
+        </p:txBody>
+      </p:sp>
+    </p:spTree>
+    <p:extLst>
+      <p:ext uri="{BB962C8B-B14F-4D97-AF65-F5344CB8AC3E}">
+        <p14:creationId xmlns:p14="http://schemas.microsoft.com/office/powerpoint/2010/main" val="2897298777"/>
+      </p:ext>
+    </p:extLst>
+  </p:cSld>
+  <p:clrMapOvr>
+    <a:masterClrMapping/>
+  </p:clrMapOvr>
+</p:sld>
+</file>
+
+<file path=ppt/slides/slide6.xml><?xml version="1.0" encoding="utf-8"?>
+<p:sld xmlns:a="http://schemas.openxmlformats.org/drawingml/2006/main" xmlns:r="http://schemas.openxmlformats.org/officeDocument/2006/relationships" xmlns:p="http://schemas.openxmlformats.org/presentationml/2006/main">
+  <p:cSld>
+    <p:spTree>
+      <p:nvGrpSpPr>
+        <p:cNvPr id="1" name=""/>
+        <p:cNvGrpSpPr/>
+        <p:nvPr/>
+      </p:nvGrpSpPr>
+      <p:grpSpPr>
+        <a:xfrm>
+          <a:off x="0" y="0"/>
+          <a:ext cx="0" cy="0"/>
+          <a:chOff x="0" y="0"/>
+          <a:chExt cx="0" cy="0"/>
+        </a:xfrm>
+      </p:grpSpPr>
+      <p:sp>
+        <p:nvSpPr>
+          <p:cNvPr id="2" name="Title 1">
+            <a:extLst>
+              <a:ext uri="{FF2B5EF4-FFF2-40B4-BE49-F238E27FC236}">
+                <a16:creationId xmlns:a16="http://schemas.microsoft.com/office/drawing/2014/main" id="{512A2AB3-2157-53D9-EFB3-79B063621642}"/>
+              </a:ext>
+            </a:extLst>
+          </p:cNvPr>
+          <p:cNvSpPr>
+            <a:spLocks noGrp="1"/>
+          </p:cNvSpPr>
+          <p:nvPr>
+            <p:ph type="title"/>
+          </p:nvPr>
+        </p:nvSpPr>
+        <p:spPr/>
+        <p:txBody>
+          <a:bodyPr/>
+          <a:lstStyle/>
+          <a:p>
+            <a:r>
+              <a:rPr lang="en-US" dirty="0"/>
+              <a:t>Comparing Test Results</a:t>
+            </a:r>
+          </a:p>
+        </p:txBody>
+      </p:sp>
+      <p:sp>
+        <p:nvSpPr>
+          <p:cNvPr id="3" name="Content Placeholder 2">
+            <a:extLst>
+              <a:ext uri="{FF2B5EF4-FFF2-40B4-BE49-F238E27FC236}">
+                <a16:creationId xmlns:a16="http://schemas.microsoft.com/office/drawing/2014/main" id="{8D695E16-5DBA-EF6F-B5E6-816A2B154408}"/>
+              </a:ext>
+            </a:extLst>
+          </p:cNvPr>
+          <p:cNvSpPr>
+            <a:spLocks noGrp="1"/>
+          </p:cNvSpPr>
+          <p:nvPr>
+            <p:ph idx="1"/>
+          </p:nvPr>
+        </p:nvSpPr>
+        <p:spPr>
+          <a:xfrm>
+            <a:off x="8534400" y="4950432"/>
+            <a:ext cx="3200400" cy="1325366"/>
+          </a:xfrm>
+        </p:spPr>
+        <p:txBody>
+          <a:bodyPr>
+            <a:normAutofit/>
+          </a:bodyPr>
+          <a:lstStyle/>
+          <a:p>
+            <a:pPr>
+              <a:lnSpc>
+                <a:spcPct val="100000"/>
+              </a:lnSpc>
+            </a:pPr>
+            <a:r>
+              <a:rPr lang="en-US" sz="3000" dirty="0"/>
+              <a:t>Exact:</a:t>
+            </a:r>
+          </a:p>
+          <a:p>
+            <a:pPr>
+              <a:lnSpc>
+                <a:spcPct val="100000"/>
+              </a:lnSpc>
+            </a:pPr>
+            <a:r>
+              <a:rPr lang="en-US" sz="3000" dirty="0"/>
+              <a:t>{0}</a:t>
+            </a:r>
+          </a:p>
+        </p:txBody>
+      </p:sp>
+      <p:sp>
+        <p:nvSpPr>
+          <p:cNvPr id="4" name="Text Placeholder 3">
+            <a:extLst>
+              <a:ext uri="{FF2B5EF4-FFF2-40B4-BE49-F238E27FC236}">
+                <a16:creationId xmlns:a16="http://schemas.microsoft.com/office/drawing/2014/main" id="{91D0C951-FE32-92E9-25CF-233409D61EE2}"/>
+              </a:ext>
+            </a:extLst>
+          </p:cNvPr>
+          <p:cNvSpPr>
+            <a:spLocks noGrp="1"/>
+          </p:cNvSpPr>
+          <p:nvPr>
+            <p:ph type="body" sz="half" idx="2"/>
+          </p:nvPr>
+        </p:nvSpPr>
+        <p:spPr/>
+        <p:txBody>
+          <a:bodyPr>
+            <a:normAutofit/>
+          </a:bodyPr>
+          <a:lstStyle/>
+          <a:p>
+            <a:r>
+              <a:rPr lang="en-US" sz="4000" dirty="0"/>
+              <a:t>Test 1</a:t>
+            </a:r>
+          </a:p>
+        </p:txBody>
+      </p:sp>
+      <p:pic>
+        <p:nvPicPr>
+          <p:cNvPr id="10" name="Picture 9">
+            <a:extLst>
+              <a:ext uri="{FF2B5EF4-FFF2-40B4-BE49-F238E27FC236}">
+                <a16:creationId xmlns:a16="http://schemas.microsoft.com/office/drawing/2014/main" id="{96C4269A-EBA0-B419-E972-6FF8F60CFECB}"/>
+              </a:ext>
+            </a:extLst>
+          </p:cNvPr>
+          <p:cNvPicPr>
+            <a:picLocks noChangeAspect="1"/>
+          </p:cNvPicPr>
+          <p:nvPr/>
+        </p:nvPicPr>
+        <p:blipFill>
+          <a:blip r:embed="rId2"/>
+          <a:stretch>
+            <a:fillRect/>
+          </a:stretch>
+        </p:blipFill>
+        <p:spPr>
+          <a:xfrm>
+            <a:off x="5413188" y="678265"/>
+            <a:ext cx="4721412" cy="3675228"/>
+          </a:xfrm>
+          <a:prstGeom prst="rect">
+            <a:avLst/>
+          </a:prstGeom>
+        </p:spPr>
+      </p:pic>
+      <p:sp>
+        <p:nvSpPr>
+          <p:cNvPr id="11" name="Content Placeholder 2">
+            <a:extLst>
+              <a:ext uri="{FF2B5EF4-FFF2-40B4-BE49-F238E27FC236}">
+                <a16:creationId xmlns:a16="http://schemas.microsoft.com/office/drawing/2014/main" id="{12024A44-6D45-E4DF-A881-96E47818FF5B}"/>
+              </a:ext>
+            </a:extLst>
+          </p:cNvPr>
+          <p:cNvSpPr txBox="1">
+            <a:spLocks/>
+          </p:cNvSpPr>
+          <p:nvPr/>
+        </p:nvSpPr>
+        <p:spPr>
+          <a:xfrm>
+            <a:off x="4675597" y="4950432"/>
+            <a:ext cx="3200400" cy="977757"/>
+          </a:xfrm>
+          <a:prstGeom prst="rect">
+            <a:avLst/>
+          </a:prstGeom>
+        </p:spPr>
+        <p:txBody>
+          <a:bodyPr vert="horz" lIns="0" tIns="45720" rIns="0" bIns="45720" rtlCol="0">
+            <a:noAutofit/>
+          </a:bodyPr>
+          <a:lstStyle>
+            <a:lvl1pPr marL="91440" indent="-91440" algn="l" defTabSz="914400" rtl="0" eaLnBrk="1" latinLnBrk="0" hangingPunct="1">
+              <a:lnSpc>
+                <a:spcPct val="90000"/>
+              </a:lnSpc>
+              <a:spcBef>
+                <a:spcPts val="1200"/>
+              </a:spcBef>
+              <a:spcAft>
+                <a:spcPts val="200"/>
+              </a:spcAft>
+              <a:buClr>
+                <a:schemeClr val="accent1"/>
+              </a:buClr>
+              <a:buSzPct val="100000"/>
+              <a:buFont typeface="Calibri" panose="020F0502020204030204" pitchFamily="34" charset="0"/>
+              <a:buChar char=" "/>
+              <a:defRPr sz="2000" kern="1200">
+                <a:solidFill>
+                  <a:schemeClr val="tx1">
+                    <a:lumMod val="75000"/>
+                    <a:lumOff val="25000"/>
+                  </a:schemeClr>
+                </a:solidFill>
+                <a:latin typeface="+mn-lt"/>
+                <a:ea typeface="+mn-ea"/>
+                <a:cs typeface="+mn-cs"/>
+              </a:defRPr>
+            </a:lvl1pPr>
+            <a:lvl2pPr marL="384048" indent="-182880" algn="l" defTabSz="914400" rtl="0" eaLnBrk="1" latinLnBrk="0" hangingPunct="1">
+              <a:lnSpc>
+                <a:spcPct val="90000"/>
+              </a:lnSpc>
+              <a:spcBef>
+                <a:spcPts val="200"/>
+              </a:spcBef>
+              <a:spcAft>
+                <a:spcPts val="400"/>
+              </a:spcAft>
+              <a:buClr>
+                <a:schemeClr val="accent1"/>
+              </a:buClr>
+              <a:buFont typeface="Calibri" pitchFamily="34" charset="0"/>
+              <a:buChar char="◦"/>
+              <a:defRPr sz="1800" kern="1200">
+                <a:solidFill>
+                  <a:schemeClr val="tx1">
+                    <a:lumMod val="75000"/>
+                    <a:lumOff val="25000"/>
+                  </a:schemeClr>
+                </a:solidFill>
+                <a:latin typeface="+mn-lt"/>
+                <a:ea typeface="+mn-ea"/>
+                <a:cs typeface="+mn-cs"/>
+              </a:defRPr>
+            </a:lvl2pPr>
+            <a:lvl3pPr marL="566928" indent="-182880" algn="l" defTabSz="914400" rtl="0" eaLnBrk="1" latinLnBrk="0" hangingPunct="1">
+              <a:lnSpc>
+                <a:spcPct val="90000"/>
+              </a:lnSpc>
+              <a:spcBef>
+                <a:spcPts val="200"/>
+              </a:spcBef>
+              <a:spcAft>
+                <a:spcPts val="400"/>
+              </a:spcAft>
+              <a:buClr>
+                <a:schemeClr val="accent1"/>
+              </a:buClr>
+              <a:buFont typeface="Calibri" pitchFamily="34" charset="0"/>
+              <a:buChar char="◦"/>
+              <a:defRPr sz="1400" kern="1200">
+                <a:solidFill>
+                  <a:schemeClr val="tx1">
+                    <a:lumMod val="75000"/>
+                    <a:lumOff val="25000"/>
+                  </a:schemeClr>
+                </a:solidFill>
+                <a:latin typeface="+mn-lt"/>
+                <a:ea typeface="+mn-ea"/>
+                <a:cs typeface="+mn-cs"/>
+              </a:defRPr>
+            </a:lvl3pPr>
+            <a:lvl4pPr marL="749808" indent="-182880" algn="l" defTabSz="914400" rtl="0" eaLnBrk="1" latinLnBrk="0" hangingPunct="1">
+              <a:lnSpc>
+                <a:spcPct val="90000"/>
+              </a:lnSpc>
+              <a:spcBef>
+                <a:spcPts val="200"/>
+              </a:spcBef>
+              <a:spcAft>
+                <a:spcPts val="400"/>
+              </a:spcAft>
+              <a:buClr>
+                <a:schemeClr val="accent1"/>
+              </a:buClr>
+              <a:buFont typeface="Calibri" pitchFamily="34" charset="0"/>
+              <a:buChar char="◦"/>
+              <a:defRPr sz="1400" kern="1200">
+                <a:solidFill>
+                  <a:schemeClr val="tx1">
+                    <a:lumMod val="75000"/>
+                    <a:lumOff val="25000"/>
+                  </a:schemeClr>
+                </a:solidFill>
+                <a:latin typeface="+mn-lt"/>
+                <a:ea typeface="+mn-ea"/>
+                <a:cs typeface="+mn-cs"/>
+              </a:defRPr>
+            </a:lvl4pPr>
+            <a:lvl5pPr marL="932688" indent="-182880" algn="l" defTabSz="914400" rtl="0" eaLnBrk="1" latinLnBrk="0" hangingPunct="1">
+              <a:lnSpc>
+                <a:spcPct val="90000"/>
+              </a:lnSpc>
+              <a:spcBef>
+                <a:spcPts val="200"/>
+              </a:spcBef>
+              <a:spcAft>
+                <a:spcPts val="400"/>
+              </a:spcAft>
+              <a:buClr>
+                <a:schemeClr val="accent1"/>
+              </a:buClr>
+              <a:buFont typeface="Calibri" pitchFamily="34" charset="0"/>
+              <a:buChar char="◦"/>
+              <a:defRPr sz="1400" kern="1200">
+                <a:solidFill>
+                  <a:schemeClr val="tx1">
+                    <a:lumMod val="75000"/>
+                    <a:lumOff val="25000"/>
+                  </a:schemeClr>
+                </a:solidFill>
+                <a:latin typeface="+mn-lt"/>
+                <a:ea typeface="+mn-ea"/>
+                <a:cs typeface="+mn-cs"/>
+              </a:defRPr>
+            </a:lvl5pPr>
+            <a:lvl6pPr marL="1100000" indent="-228600" algn="l" defTabSz="914400" rtl="0" eaLnBrk="1" latinLnBrk="0" hangingPunct="1">
+              <a:lnSpc>
+                <a:spcPct val="90000"/>
+              </a:lnSpc>
+              <a:spcBef>
+                <a:spcPts val="200"/>
+              </a:spcBef>
+              <a:spcAft>
+                <a:spcPts val="400"/>
+              </a:spcAft>
+              <a:buClr>
+                <a:schemeClr val="accent1"/>
+              </a:buClr>
+              <a:buFont typeface="Calibri" pitchFamily="34" charset="0"/>
+              <a:buChar char="◦"/>
+              <a:defRPr sz="1400" kern="1200">
+                <a:solidFill>
+                  <a:schemeClr val="tx1">
+                    <a:lumMod val="75000"/>
+                    <a:lumOff val="25000"/>
+                  </a:schemeClr>
+                </a:solidFill>
+                <a:latin typeface="+mn-lt"/>
+                <a:ea typeface="+mn-ea"/>
+                <a:cs typeface="+mn-cs"/>
+              </a:defRPr>
+            </a:lvl6pPr>
+            <a:lvl7pPr marL="1300000" indent="-228600" algn="l" defTabSz="914400" rtl="0" eaLnBrk="1" latinLnBrk="0" hangingPunct="1">
+              <a:lnSpc>
+                <a:spcPct val="90000"/>
+              </a:lnSpc>
+              <a:spcBef>
+                <a:spcPts val="200"/>
+              </a:spcBef>
+              <a:spcAft>
+                <a:spcPts val="400"/>
+              </a:spcAft>
+              <a:buClr>
+                <a:schemeClr val="accent1"/>
+              </a:buClr>
+              <a:buFont typeface="Calibri" pitchFamily="34" charset="0"/>
+              <a:buChar char="◦"/>
+              <a:defRPr sz="1400" kern="1200">
+                <a:solidFill>
+                  <a:schemeClr val="tx1">
+                    <a:lumMod val="75000"/>
+                    <a:lumOff val="25000"/>
+                  </a:schemeClr>
+                </a:solidFill>
+                <a:latin typeface="+mn-lt"/>
+                <a:ea typeface="+mn-ea"/>
+                <a:cs typeface="+mn-cs"/>
+              </a:defRPr>
+            </a:lvl7pPr>
+            <a:lvl8pPr marL="1500000" indent="-228600" algn="l" defTabSz="914400" rtl="0" eaLnBrk="1" latinLnBrk="0" hangingPunct="1">
+              <a:lnSpc>
+                <a:spcPct val="90000"/>
+              </a:lnSpc>
+              <a:spcBef>
+                <a:spcPts val="200"/>
+              </a:spcBef>
+              <a:spcAft>
+                <a:spcPts val="400"/>
+              </a:spcAft>
+              <a:buClr>
+                <a:schemeClr val="accent1"/>
+              </a:buClr>
+              <a:buFont typeface="Calibri" pitchFamily="34" charset="0"/>
+              <a:buChar char="◦"/>
+              <a:defRPr sz="1400" kern="1200">
+                <a:solidFill>
+                  <a:schemeClr val="tx1">
+                    <a:lumMod val="75000"/>
+                    <a:lumOff val="25000"/>
+                  </a:schemeClr>
+                </a:solidFill>
+                <a:latin typeface="+mn-lt"/>
+                <a:ea typeface="+mn-ea"/>
+                <a:cs typeface="+mn-cs"/>
+              </a:defRPr>
+            </a:lvl8pPr>
+            <a:lvl9pPr marL="1700000" indent="-228600" algn="l" defTabSz="914400" rtl="0" eaLnBrk="1" latinLnBrk="0" hangingPunct="1">
+              <a:lnSpc>
+                <a:spcPct val="90000"/>
+              </a:lnSpc>
+              <a:spcBef>
+                <a:spcPts val="200"/>
+              </a:spcBef>
+              <a:spcAft>
+                <a:spcPts val="400"/>
+              </a:spcAft>
+              <a:buClr>
+                <a:schemeClr val="accent1"/>
+              </a:buClr>
+              <a:buFont typeface="Calibri" pitchFamily="34" charset="0"/>
+              <a:buChar char="◦"/>
+              <a:defRPr sz="1400" kern="1200">
+                <a:solidFill>
+                  <a:schemeClr val="tx1">
+                    <a:lumMod val="75000"/>
+                    <a:lumOff val="25000"/>
+                  </a:schemeClr>
+                </a:solidFill>
+                <a:latin typeface="+mn-lt"/>
+                <a:ea typeface="+mn-ea"/>
+                <a:cs typeface="+mn-cs"/>
+              </a:defRPr>
+            </a:lvl9pPr>
+          </a:lstStyle>
+          <a:p>
+            <a:pPr>
+              <a:lnSpc>
+                <a:spcPct val="100000"/>
+              </a:lnSpc>
+            </a:pPr>
+            <a:r>
+              <a:rPr lang="en-US" sz="3000" dirty="0"/>
+              <a:t>Approximation:</a:t>
+            </a:r>
+          </a:p>
+          <a:p>
+            <a:pPr>
+              <a:lnSpc>
+                <a:spcPct val="100000"/>
+              </a:lnSpc>
+            </a:pPr>
+            <a:r>
+              <a:rPr lang="en-US" sz="3000" dirty="0"/>
+              <a:t>{0}</a:t>
+            </a:r>
+          </a:p>
+        </p:txBody>
+      </p:sp>
+    </p:spTree>
+    <p:extLst>
+      <p:ext uri="{BB962C8B-B14F-4D97-AF65-F5344CB8AC3E}">
+        <p14:creationId xmlns:p14="http://schemas.microsoft.com/office/powerpoint/2010/main" val="3496101224"/>
+      </p:ext>
+    </p:extLst>
+  </p:cSld>
+  <p:clrMapOvr>
+    <a:masterClrMapping/>
+  </p:clrMapOvr>
+</p:sld>
+</file>
+
+<file path=ppt/slides/slide7.xml><?xml version="1.0" encoding="utf-8"?>
+<p:sld xmlns:a="http://schemas.openxmlformats.org/drawingml/2006/main" xmlns:r="http://schemas.openxmlformats.org/officeDocument/2006/relationships" xmlns:p="http://schemas.openxmlformats.org/presentationml/2006/main">
+  <p:cSld>
+    <p:spTree>
+      <p:nvGrpSpPr>
+        <p:cNvPr id="1" name="">
+          <a:extLst>
+            <a:ext uri="{FF2B5EF4-FFF2-40B4-BE49-F238E27FC236}">
+              <a16:creationId xmlns:a16="http://schemas.microsoft.com/office/drawing/2014/main" id="{13896073-5A35-6B07-8126-7C24EDA1D525}"/>
+            </a:ext>
+          </a:extLst>
+        </p:cNvPr>
+        <p:cNvGrpSpPr/>
+        <p:nvPr/>
+      </p:nvGrpSpPr>
+      <p:grpSpPr>
+        <a:xfrm>
+          <a:off x="0" y="0"/>
+          <a:ext cx="0" cy="0"/>
+          <a:chOff x="0" y="0"/>
+          <a:chExt cx="0" cy="0"/>
+        </a:xfrm>
+      </p:grpSpPr>
+      <p:sp>
+        <p:nvSpPr>
+          <p:cNvPr id="2" name="Title 1">
+            <a:extLst>
+              <a:ext uri="{FF2B5EF4-FFF2-40B4-BE49-F238E27FC236}">
+                <a16:creationId xmlns:a16="http://schemas.microsoft.com/office/drawing/2014/main" id="{3ABA2F36-E150-B8CD-0B88-4929C9D254D8}"/>
+              </a:ext>
+            </a:extLst>
+          </p:cNvPr>
+          <p:cNvSpPr>
+            <a:spLocks noGrp="1"/>
+          </p:cNvSpPr>
+          <p:nvPr>
+            <p:ph type="title"/>
+          </p:nvPr>
+        </p:nvSpPr>
+        <p:spPr/>
+        <p:txBody>
+          <a:bodyPr/>
+          <a:lstStyle/>
+          <a:p>
+            <a:r>
+              <a:rPr lang="en-US" dirty="0"/>
+              <a:t>Comparing Test Results</a:t>
+            </a:r>
+          </a:p>
+        </p:txBody>
+      </p:sp>
+      <p:sp>
+        <p:nvSpPr>
+          <p:cNvPr id="3" name="Content Placeholder 2">
+            <a:extLst>
+              <a:ext uri="{FF2B5EF4-FFF2-40B4-BE49-F238E27FC236}">
+                <a16:creationId xmlns:a16="http://schemas.microsoft.com/office/drawing/2014/main" id="{A719A68C-2AA8-2484-F6E4-7A6447854D4B}"/>
+              </a:ext>
+            </a:extLst>
+          </p:cNvPr>
+          <p:cNvSpPr>
+            <a:spLocks noGrp="1"/>
+          </p:cNvSpPr>
+          <p:nvPr>
+            <p:ph idx="1"/>
+          </p:nvPr>
+        </p:nvSpPr>
+        <p:spPr>
+          <a:xfrm>
+            <a:off x="8490451" y="4776627"/>
+            <a:ext cx="3200400" cy="1325366"/>
+          </a:xfrm>
+        </p:spPr>
+        <p:txBody>
+          <a:bodyPr>
+            <a:normAutofit/>
+          </a:bodyPr>
+          <a:lstStyle/>
+          <a:p>
+            <a:pPr>
+              <a:lnSpc>
+                <a:spcPct val="100000"/>
+              </a:lnSpc>
+            </a:pPr>
+            <a:r>
+              <a:rPr lang="en-US" sz="3000" dirty="0"/>
+              <a:t>Exact:</a:t>
+            </a:r>
+          </a:p>
+          <a:p>
+            <a:pPr>
+              <a:lnSpc>
+                <a:spcPct val="100000"/>
+              </a:lnSpc>
+            </a:pPr>
+            <a:r>
+              <a:rPr lang="en-US" sz="3000" dirty="0"/>
+              <a:t>{0, 1, 2}</a:t>
+            </a:r>
+          </a:p>
+        </p:txBody>
+      </p:sp>
+      <p:sp>
+        <p:nvSpPr>
+          <p:cNvPr id="4" name="Text Placeholder 3">
+            <a:extLst>
+              <a:ext uri="{FF2B5EF4-FFF2-40B4-BE49-F238E27FC236}">
+                <a16:creationId xmlns:a16="http://schemas.microsoft.com/office/drawing/2014/main" id="{7366B2FC-0434-7B1C-7B71-5A543D160339}"/>
+              </a:ext>
+            </a:extLst>
+          </p:cNvPr>
+          <p:cNvSpPr>
+            <a:spLocks noGrp="1"/>
+          </p:cNvSpPr>
+          <p:nvPr>
+            <p:ph type="body" sz="half" idx="2"/>
+          </p:nvPr>
+        </p:nvSpPr>
+        <p:spPr/>
+        <p:txBody>
+          <a:bodyPr>
+            <a:normAutofit/>
+          </a:bodyPr>
+          <a:lstStyle/>
+          <a:p>
+            <a:r>
+              <a:rPr lang="en-US" sz="4000" dirty="0"/>
+              <a:t>Test 2</a:t>
+            </a:r>
+          </a:p>
+        </p:txBody>
+      </p:sp>
+      <p:sp>
+        <p:nvSpPr>
+          <p:cNvPr id="11" name="Content Placeholder 2">
+            <a:extLst>
+              <a:ext uri="{FF2B5EF4-FFF2-40B4-BE49-F238E27FC236}">
+                <a16:creationId xmlns:a16="http://schemas.microsoft.com/office/drawing/2014/main" id="{4D0D6D43-237A-3767-0FF5-4C9B4A512310}"/>
+              </a:ext>
+            </a:extLst>
+          </p:cNvPr>
+          <p:cNvSpPr txBox="1">
+            <a:spLocks/>
+          </p:cNvSpPr>
+          <p:nvPr/>
+        </p:nvSpPr>
+        <p:spPr>
+          <a:xfrm>
+            <a:off x="4675597" y="4863529"/>
+            <a:ext cx="3200400" cy="1151562"/>
+          </a:xfrm>
+          <a:prstGeom prst="rect">
+            <a:avLst/>
+          </a:prstGeom>
+        </p:spPr>
+        <p:txBody>
+          <a:bodyPr vert="horz" lIns="0" tIns="45720" rIns="0" bIns="45720" rtlCol="0">
+            <a:normAutofit lnSpcReduction="10000"/>
+          </a:bodyPr>
+          <a:lstStyle>
+            <a:lvl1pPr marL="91440" indent="-91440" algn="l" defTabSz="914400" rtl="0" eaLnBrk="1" latinLnBrk="0" hangingPunct="1">
+              <a:lnSpc>
+                <a:spcPct val="90000"/>
+              </a:lnSpc>
+              <a:spcBef>
+                <a:spcPts val="1200"/>
+              </a:spcBef>
+              <a:spcAft>
+                <a:spcPts val="200"/>
+              </a:spcAft>
+              <a:buClr>
+                <a:schemeClr val="accent1"/>
+              </a:buClr>
+              <a:buSzPct val="100000"/>
+              <a:buFont typeface="Calibri" panose="020F0502020204030204" pitchFamily="34" charset="0"/>
+              <a:buChar char=" "/>
+              <a:defRPr sz="2000" kern="1200">
+                <a:solidFill>
+                  <a:schemeClr val="tx1">
+                    <a:lumMod val="75000"/>
+                    <a:lumOff val="25000"/>
+                  </a:schemeClr>
+                </a:solidFill>
+                <a:latin typeface="+mn-lt"/>
+                <a:ea typeface="+mn-ea"/>
+                <a:cs typeface="+mn-cs"/>
+              </a:defRPr>
+            </a:lvl1pPr>
+            <a:lvl2pPr marL="384048" indent="-182880" algn="l" defTabSz="914400" rtl="0" eaLnBrk="1" latinLnBrk="0" hangingPunct="1">
+              <a:lnSpc>
+                <a:spcPct val="90000"/>
+              </a:lnSpc>
+              <a:spcBef>
+                <a:spcPts val="200"/>
+              </a:spcBef>
+              <a:spcAft>
+                <a:spcPts val="400"/>
+              </a:spcAft>
+              <a:buClr>
+                <a:schemeClr val="accent1"/>
+              </a:buClr>
+              <a:buFont typeface="Calibri" pitchFamily="34" charset="0"/>
+              <a:buChar char="◦"/>
+              <a:defRPr sz="1800" kern="1200">
+                <a:solidFill>
+                  <a:schemeClr val="tx1">
+                    <a:lumMod val="75000"/>
+                    <a:lumOff val="25000"/>
+                  </a:schemeClr>
+                </a:solidFill>
+                <a:latin typeface="+mn-lt"/>
+                <a:ea typeface="+mn-ea"/>
+                <a:cs typeface="+mn-cs"/>
+              </a:defRPr>
+            </a:lvl2pPr>
+            <a:lvl3pPr marL="566928" indent="-182880" algn="l" defTabSz="914400" rtl="0" eaLnBrk="1" latinLnBrk="0" hangingPunct="1">
+              <a:lnSpc>
+                <a:spcPct val="90000"/>
+              </a:lnSpc>
+              <a:spcBef>
+                <a:spcPts val="200"/>
+              </a:spcBef>
+              <a:spcAft>
+                <a:spcPts val="400"/>
+              </a:spcAft>
+              <a:buClr>
+                <a:schemeClr val="accent1"/>
+              </a:buClr>
+              <a:buFont typeface="Calibri" pitchFamily="34" charset="0"/>
+              <a:buChar char="◦"/>
+              <a:defRPr sz="1400" kern="1200">
+                <a:solidFill>
+                  <a:schemeClr val="tx1">
+                    <a:lumMod val="75000"/>
+                    <a:lumOff val="25000"/>
+                  </a:schemeClr>
+                </a:solidFill>
+                <a:latin typeface="+mn-lt"/>
+                <a:ea typeface="+mn-ea"/>
+                <a:cs typeface="+mn-cs"/>
+              </a:defRPr>
+            </a:lvl3pPr>
+            <a:lvl4pPr marL="749808" indent="-182880" algn="l" defTabSz="914400" rtl="0" eaLnBrk="1" latinLnBrk="0" hangingPunct="1">
+              <a:lnSpc>
+                <a:spcPct val="90000"/>
+              </a:lnSpc>
+              <a:spcBef>
+                <a:spcPts val="200"/>
+              </a:spcBef>
+              <a:spcAft>
+                <a:spcPts val="400"/>
+              </a:spcAft>
+              <a:buClr>
+                <a:schemeClr val="accent1"/>
+              </a:buClr>
+              <a:buFont typeface="Calibri" pitchFamily="34" charset="0"/>
+              <a:buChar char="◦"/>
+              <a:defRPr sz="1400" kern="1200">
+                <a:solidFill>
+                  <a:schemeClr val="tx1">
+                    <a:lumMod val="75000"/>
+                    <a:lumOff val="25000"/>
+                  </a:schemeClr>
+                </a:solidFill>
+                <a:latin typeface="+mn-lt"/>
+                <a:ea typeface="+mn-ea"/>
+                <a:cs typeface="+mn-cs"/>
+              </a:defRPr>
+            </a:lvl4pPr>
+            <a:lvl5pPr marL="932688" indent="-182880" algn="l" defTabSz="914400" rtl="0" eaLnBrk="1" latinLnBrk="0" hangingPunct="1">
+              <a:lnSpc>
+                <a:spcPct val="90000"/>
+              </a:lnSpc>
+              <a:spcBef>
+                <a:spcPts val="200"/>
+              </a:spcBef>
+              <a:spcAft>
+                <a:spcPts val="400"/>
+              </a:spcAft>
+              <a:buClr>
+                <a:schemeClr val="accent1"/>
+              </a:buClr>
+              <a:buFont typeface="Calibri" pitchFamily="34" charset="0"/>
+              <a:buChar char="◦"/>
+              <a:defRPr sz="1400" kern="1200">
+                <a:solidFill>
+                  <a:schemeClr val="tx1">
+                    <a:lumMod val="75000"/>
+                    <a:lumOff val="25000"/>
+                  </a:schemeClr>
+                </a:solidFill>
+                <a:latin typeface="+mn-lt"/>
+                <a:ea typeface="+mn-ea"/>
+                <a:cs typeface="+mn-cs"/>
+              </a:defRPr>
+            </a:lvl5pPr>
+            <a:lvl6pPr marL="1100000" indent="-228600" algn="l" defTabSz="914400" rtl="0" eaLnBrk="1" latinLnBrk="0" hangingPunct="1">
+              <a:lnSpc>
+                <a:spcPct val="90000"/>
+              </a:lnSpc>
+              <a:spcBef>
+                <a:spcPts val="200"/>
+              </a:spcBef>
+              <a:spcAft>
+                <a:spcPts val="400"/>
+              </a:spcAft>
+              <a:buClr>
+                <a:schemeClr val="accent1"/>
+              </a:buClr>
+              <a:buFont typeface="Calibri" pitchFamily="34" charset="0"/>
+              <a:buChar char="◦"/>
+              <a:defRPr sz="1400" kern="1200">
+                <a:solidFill>
+                  <a:schemeClr val="tx1">
+                    <a:lumMod val="75000"/>
+                    <a:lumOff val="25000"/>
+                  </a:schemeClr>
+                </a:solidFill>
+                <a:latin typeface="+mn-lt"/>
+                <a:ea typeface="+mn-ea"/>
+                <a:cs typeface="+mn-cs"/>
+              </a:defRPr>
+            </a:lvl6pPr>
+            <a:lvl7pPr marL="1300000" indent="-228600" algn="l" defTabSz="914400" rtl="0" eaLnBrk="1" latinLnBrk="0" hangingPunct="1">
+              <a:lnSpc>
+                <a:spcPct val="90000"/>
+              </a:lnSpc>
+              <a:spcBef>
+                <a:spcPts val="200"/>
+              </a:spcBef>
+              <a:spcAft>
+                <a:spcPts val="400"/>
+              </a:spcAft>
+              <a:buClr>
+                <a:schemeClr val="accent1"/>
+              </a:buClr>
+              <a:buFont typeface="Calibri" pitchFamily="34" charset="0"/>
+              <a:buChar char="◦"/>
+              <a:defRPr sz="1400" kern="1200">
+                <a:solidFill>
+                  <a:schemeClr val="tx1">
+                    <a:lumMod val="75000"/>
+                    <a:lumOff val="25000"/>
+                  </a:schemeClr>
+                </a:solidFill>
+                <a:latin typeface="+mn-lt"/>
+                <a:ea typeface="+mn-ea"/>
+                <a:cs typeface="+mn-cs"/>
+              </a:defRPr>
+            </a:lvl7pPr>
+            <a:lvl8pPr marL="1500000" indent="-228600" algn="l" defTabSz="914400" rtl="0" eaLnBrk="1" latinLnBrk="0" hangingPunct="1">
+              <a:lnSpc>
+                <a:spcPct val="90000"/>
+              </a:lnSpc>
+              <a:spcBef>
+                <a:spcPts val="200"/>
+              </a:spcBef>
+              <a:spcAft>
+                <a:spcPts val="400"/>
+              </a:spcAft>
+              <a:buClr>
+                <a:schemeClr val="accent1"/>
+              </a:buClr>
+              <a:buFont typeface="Calibri" pitchFamily="34" charset="0"/>
+              <a:buChar char="◦"/>
+              <a:defRPr sz="1400" kern="1200">
+                <a:solidFill>
+                  <a:schemeClr val="tx1">
+                    <a:lumMod val="75000"/>
+                    <a:lumOff val="25000"/>
+                  </a:schemeClr>
+                </a:solidFill>
+                <a:latin typeface="+mn-lt"/>
+                <a:ea typeface="+mn-ea"/>
+                <a:cs typeface="+mn-cs"/>
+              </a:defRPr>
+            </a:lvl8pPr>
+            <a:lvl9pPr marL="1700000" indent="-228600" algn="l" defTabSz="914400" rtl="0" eaLnBrk="1" latinLnBrk="0" hangingPunct="1">
+              <a:lnSpc>
+                <a:spcPct val="90000"/>
+              </a:lnSpc>
+              <a:spcBef>
+                <a:spcPts val="200"/>
+              </a:spcBef>
+              <a:spcAft>
+                <a:spcPts val="400"/>
+              </a:spcAft>
+              <a:buClr>
+                <a:schemeClr val="accent1"/>
+              </a:buClr>
+              <a:buFont typeface="Calibri" pitchFamily="34" charset="0"/>
+              <a:buChar char="◦"/>
+              <a:defRPr sz="1400" kern="1200">
+                <a:solidFill>
+                  <a:schemeClr val="tx1">
+                    <a:lumMod val="75000"/>
+                    <a:lumOff val="25000"/>
+                  </a:schemeClr>
+                </a:solidFill>
+                <a:latin typeface="+mn-lt"/>
+                <a:ea typeface="+mn-ea"/>
+                <a:cs typeface="+mn-cs"/>
+              </a:defRPr>
+            </a:lvl9pPr>
+          </a:lstStyle>
+          <a:p>
+            <a:pPr>
+              <a:lnSpc>
+                <a:spcPct val="100000"/>
+              </a:lnSpc>
+            </a:pPr>
+            <a:r>
+              <a:rPr lang="en-US" sz="3000" dirty="0"/>
+              <a:t>Approximation:</a:t>
+            </a:r>
+          </a:p>
+          <a:p>
+            <a:pPr>
+              <a:lnSpc>
+                <a:spcPct val="100000"/>
+              </a:lnSpc>
+            </a:pPr>
+            <a:r>
+              <a:rPr lang="en-US" sz="3000" dirty="0"/>
+              <a:t>{0, 1, 2}</a:t>
+            </a:r>
+          </a:p>
+        </p:txBody>
+      </p:sp>
+      <p:pic>
+        <p:nvPicPr>
+          <p:cNvPr id="8" name="Picture 7">
+            <a:extLst>
+              <a:ext uri="{FF2B5EF4-FFF2-40B4-BE49-F238E27FC236}">
+                <a16:creationId xmlns:a16="http://schemas.microsoft.com/office/drawing/2014/main" id="{EE094662-8767-BA7E-E2B8-3354C872D2FF}"/>
+              </a:ext>
+            </a:extLst>
+          </p:cNvPr>
+          <p:cNvPicPr>
+            <a:picLocks noChangeAspect="1"/>
+          </p:cNvPicPr>
+          <p:nvPr/>
+        </p:nvPicPr>
+        <p:blipFill>
+          <a:blip r:embed="rId2"/>
+          <a:stretch>
+            <a:fillRect/>
+          </a:stretch>
+        </p:blipFill>
+        <p:spPr>
+          <a:xfrm>
+            <a:off x="5953874" y="579467"/>
+            <a:ext cx="4136777" cy="3822676"/>
+          </a:xfrm>
+          <a:prstGeom prst="rect">
+            <a:avLst/>
+          </a:prstGeom>
+        </p:spPr>
+      </p:pic>
+    </p:spTree>
+    <p:extLst>
+      <p:ext uri="{BB962C8B-B14F-4D97-AF65-F5344CB8AC3E}">
+        <p14:creationId xmlns:p14="http://schemas.microsoft.com/office/powerpoint/2010/main" val="1603588476"/>
+      </p:ext>
+    </p:extLst>
+  </p:cSld>
+  <p:clrMapOvr>
+    <a:masterClrMapping/>
+  </p:clrMapOvr>
+</p:sld>
+</file>
+
+<file path=ppt/slides/slide8.xml><?xml version="1.0" encoding="utf-8"?>
+<p:sld xmlns:a="http://schemas.openxmlformats.org/drawingml/2006/main" xmlns:r="http://schemas.openxmlformats.org/officeDocument/2006/relationships" xmlns:p="http://schemas.openxmlformats.org/presentationml/2006/main">
+  <p:cSld>
+    <p:spTree>
+      <p:nvGrpSpPr>
+        <p:cNvPr id="1" name="">
+          <a:extLst>
+            <a:ext uri="{FF2B5EF4-FFF2-40B4-BE49-F238E27FC236}">
+              <a16:creationId xmlns:a16="http://schemas.microsoft.com/office/drawing/2014/main" id="{1411978E-EF0E-3A86-2D19-A531DF5A8D9C}"/>
+            </a:ext>
+          </a:extLst>
+        </p:cNvPr>
+        <p:cNvGrpSpPr/>
+        <p:nvPr/>
+      </p:nvGrpSpPr>
+      <p:grpSpPr>
+        <a:xfrm>
+          <a:off x="0" y="0"/>
+          <a:ext cx="0" cy="0"/>
+          <a:chOff x="0" y="0"/>
+          <a:chExt cx="0" cy="0"/>
+        </a:xfrm>
+      </p:grpSpPr>
+      <p:sp>
+        <p:nvSpPr>
+          <p:cNvPr id="2" name="Title 1">
+            <a:extLst>
+              <a:ext uri="{FF2B5EF4-FFF2-40B4-BE49-F238E27FC236}">
+                <a16:creationId xmlns:a16="http://schemas.microsoft.com/office/drawing/2014/main" id="{DD18B981-171D-AD9C-F19E-C1DDF9CE25AF}"/>
+              </a:ext>
+            </a:extLst>
+          </p:cNvPr>
+          <p:cNvSpPr>
+            <a:spLocks noGrp="1"/>
+          </p:cNvSpPr>
+          <p:nvPr>
+            <p:ph type="title"/>
+          </p:nvPr>
+        </p:nvSpPr>
+        <p:spPr/>
+        <p:txBody>
+          <a:bodyPr/>
+          <a:lstStyle/>
+          <a:p>
+            <a:r>
+              <a:rPr lang="en-US" dirty="0"/>
+              <a:t>Comparing Test Results</a:t>
+            </a:r>
+          </a:p>
+        </p:txBody>
+      </p:sp>
+      <p:sp>
+        <p:nvSpPr>
+          <p:cNvPr id="3" name="Content Placeholder 2">
+            <a:extLst>
+              <a:ext uri="{FF2B5EF4-FFF2-40B4-BE49-F238E27FC236}">
+                <a16:creationId xmlns:a16="http://schemas.microsoft.com/office/drawing/2014/main" id="{6645CCC8-CE8A-B856-2C8D-17624E895C02}"/>
+              </a:ext>
+            </a:extLst>
+          </p:cNvPr>
+          <p:cNvSpPr>
+            <a:spLocks noGrp="1"/>
+          </p:cNvSpPr>
+          <p:nvPr>
+            <p:ph idx="1"/>
+          </p:nvPr>
+        </p:nvSpPr>
+        <p:spPr>
+          <a:xfrm>
+            <a:off x="8490451" y="4776627"/>
+            <a:ext cx="3200400" cy="1325366"/>
+          </a:xfrm>
+        </p:spPr>
+        <p:txBody>
+          <a:bodyPr>
+            <a:normAutofit/>
+          </a:bodyPr>
+          <a:lstStyle/>
+          <a:p>
+            <a:pPr>
+              <a:lnSpc>
+                <a:spcPct val="100000"/>
+              </a:lnSpc>
+            </a:pPr>
+            <a:r>
+              <a:rPr lang="en-US" sz="3000" dirty="0"/>
+              <a:t>Exact:</a:t>
+            </a:r>
+          </a:p>
+          <a:p>
+            <a:pPr>
+              <a:lnSpc>
+                <a:spcPct val="100000"/>
+              </a:lnSpc>
+            </a:pPr>
+            <a:r>
+              <a:rPr lang="en-US" sz="3000" dirty="0"/>
+              <a:t>{1, 2, 4, 6, 7, 8, 9}</a:t>
+            </a:r>
+          </a:p>
+        </p:txBody>
+      </p:sp>
+      <p:sp>
+        <p:nvSpPr>
+          <p:cNvPr id="4" name="Text Placeholder 3">
+            <a:extLst>
+              <a:ext uri="{FF2B5EF4-FFF2-40B4-BE49-F238E27FC236}">
+                <a16:creationId xmlns:a16="http://schemas.microsoft.com/office/drawing/2014/main" id="{54FC2A36-1490-F0DF-6D1A-004BB4DE8268}"/>
+              </a:ext>
+            </a:extLst>
+          </p:cNvPr>
+          <p:cNvSpPr>
+            <a:spLocks noGrp="1"/>
+          </p:cNvSpPr>
+          <p:nvPr>
+            <p:ph type="body" sz="half" idx="2"/>
+          </p:nvPr>
+        </p:nvSpPr>
+        <p:spPr/>
+        <p:txBody>
+          <a:bodyPr>
+            <a:normAutofit/>
+          </a:bodyPr>
+          <a:lstStyle/>
+          <a:p>
+            <a:r>
+              <a:rPr lang="en-US" sz="4000" dirty="0"/>
+              <a:t>Test 3</a:t>
+            </a:r>
+          </a:p>
+        </p:txBody>
+      </p:sp>
+      <p:sp>
+        <p:nvSpPr>
+          <p:cNvPr id="11" name="Content Placeholder 2">
+            <a:extLst>
+              <a:ext uri="{FF2B5EF4-FFF2-40B4-BE49-F238E27FC236}">
+                <a16:creationId xmlns:a16="http://schemas.microsoft.com/office/drawing/2014/main" id="{1296E137-F3C1-86E4-D224-3BA12C970EFF}"/>
+              </a:ext>
+            </a:extLst>
+          </p:cNvPr>
+          <p:cNvSpPr txBox="1">
+            <a:spLocks/>
+          </p:cNvSpPr>
+          <p:nvPr/>
+        </p:nvSpPr>
+        <p:spPr>
+          <a:xfrm>
+            <a:off x="4675597" y="4863529"/>
+            <a:ext cx="3200400" cy="1151562"/>
+          </a:xfrm>
+          <a:prstGeom prst="rect">
+            <a:avLst/>
+          </a:prstGeom>
+        </p:spPr>
+        <p:txBody>
+          <a:bodyPr vert="horz" lIns="0" tIns="45720" rIns="0" bIns="45720" rtlCol="0">
+            <a:normAutofit lnSpcReduction="10000"/>
+          </a:bodyPr>
+          <a:lstStyle>
+            <a:lvl1pPr marL="91440" indent="-91440" algn="l" defTabSz="914400" rtl="0" eaLnBrk="1" latinLnBrk="0" hangingPunct="1">
+              <a:lnSpc>
+                <a:spcPct val="90000"/>
+              </a:lnSpc>
+              <a:spcBef>
+                <a:spcPts val="1200"/>
+              </a:spcBef>
+              <a:spcAft>
+                <a:spcPts val="200"/>
+              </a:spcAft>
+              <a:buClr>
+                <a:schemeClr val="accent1"/>
+              </a:buClr>
+              <a:buSzPct val="100000"/>
+              <a:buFont typeface="Calibri" panose="020F0502020204030204" pitchFamily="34" charset="0"/>
+              <a:buChar char=" "/>
+              <a:defRPr sz="2000" kern="1200">
+                <a:solidFill>
+                  <a:schemeClr val="tx1">
+                    <a:lumMod val="75000"/>
+                    <a:lumOff val="25000"/>
+                  </a:schemeClr>
+                </a:solidFill>
+                <a:latin typeface="+mn-lt"/>
+                <a:ea typeface="+mn-ea"/>
+                <a:cs typeface="+mn-cs"/>
+              </a:defRPr>
+            </a:lvl1pPr>
+            <a:lvl2pPr marL="384048" indent="-182880" algn="l" defTabSz="914400" rtl="0" eaLnBrk="1" latinLnBrk="0" hangingPunct="1">
+              <a:lnSpc>
+                <a:spcPct val="90000"/>
+              </a:lnSpc>
+              <a:spcBef>
+                <a:spcPts val="200"/>
+              </a:spcBef>
+              <a:spcAft>
+                <a:spcPts val="400"/>
+              </a:spcAft>
+              <a:buClr>
+                <a:schemeClr val="accent1"/>
+              </a:buClr>
+              <a:buFont typeface="Calibri" pitchFamily="34" charset="0"/>
+              <a:buChar char="◦"/>
+              <a:defRPr sz="1800" kern="1200">
+                <a:solidFill>
+                  <a:schemeClr val="tx1">
+                    <a:lumMod val="75000"/>
+                    <a:lumOff val="25000"/>
+                  </a:schemeClr>
+                </a:solidFill>
+                <a:latin typeface="+mn-lt"/>
+                <a:ea typeface="+mn-ea"/>
+                <a:cs typeface="+mn-cs"/>
+              </a:defRPr>
+            </a:lvl2pPr>
+            <a:lvl3pPr marL="566928" indent="-182880" algn="l" defTabSz="914400" rtl="0" eaLnBrk="1" latinLnBrk="0" hangingPunct="1">
+              <a:lnSpc>
+                <a:spcPct val="90000"/>
+              </a:lnSpc>
+              <a:spcBef>
+                <a:spcPts val="200"/>
+              </a:spcBef>
+              <a:spcAft>
+                <a:spcPts val="400"/>
+              </a:spcAft>
+              <a:buClr>
+                <a:schemeClr val="accent1"/>
+              </a:buClr>
+              <a:buFont typeface="Calibri" pitchFamily="34" charset="0"/>
+              <a:buChar char="◦"/>
+              <a:defRPr sz="1400" kern="1200">
+                <a:solidFill>
+                  <a:schemeClr val="tx1">
+                    <a:lumMod val="75000"/>
+                    <a:lumOff val="25000"/>
+                  </a:schemeClr>
+                </a:solidFill>
+                <a:latin typeface="+mn-lt"/>
+                <a:ea typeface="+mn-ea"/>
+                <a:cs typeface="+mn-cs"/>
+              </a:defRPr>
+            </a:lvl3pPr>
+            <a:lvl4pPr marL="749808" indent="-182880" algn="l" defTabSz="914400" rtl="0" eaLnBrk="1" latinLnBrk="0" hangingPunct="1">
+              <a:lnSpc>
+                <a:spcPct val="90000"/>
+              </a:lnSpc>
+              <a:spcBef>
+                <a:spcPts val="200"/>
+              </a:spcBef>
+              <a:spcAft>
+                <a:spcPts val="400"/>
+              </a:spcAft>
+              <a:buClr>
+                <a:schemeClr val="accent1"/>
+              </a:buClr>
+              <a:buFont typeface="Calibri" pitchFamily="34" charset="0"/>
+              <a:buChar char="◦"/>
+              <a:defRPr sz="1400" kern="1200">
+                <a:solidFill>
+                  <a:schemeClr val="tx1">
+                    <a:lumMod val="75000"/>
+                    <a:lumOff val="25000"/>
+                  </a:schemeClr>
+                </a:solidFill>
+                <a:latin typeface="+mn-lt"/>
+                <a:ea typeface="+mn-ea"/>
+                <a:cs typeface="+mn-cs"/>
+              </a:defRPr>
+            </a:lvl4pPr>
+            <a:lvl5pPr marL="932688" indent="-182880" algn="l" defTabSz="914400" rtl="0" eaLnBrk="1" latinLnBrk="0" hangingPunct="1">
+              <a:lnSpc>
+                <a:spcPct val="90000"/>
+              </a:lnSpc>
+              <a:spcBef>
+                <a:spcPts val="200"/>
+              </a:spcBef>
+              <a:spcAft>
+                <a:spcPts val="400"/>
+              </a:spcAft>
+              <a:buClr>
+                <a:schemeClr val="accent1"/>
+              </a:buClr>
+              <a:buFont typeface="Calibri" pitchFamily="34" charset="0"/>
+              <a:buChar char="◦"/>
+              <a:defRPr sz="1400" kern="1200">
+                <a:solidFill>
+                  <a:schemeClr val="tx1">
+                    <a:lumMod val="75000"/>
+                    <a:lumOff val="25000"/>
+                  </a:schemeClr>
+                </a:solidFill>
+                <a:latin typeface="+mn-lt"/>
+                <a:ea typeface="+mn-ea"/>
+                <a:cs typeface="+mn-cs"/>
+              </a:defRPr>
+            </a:lvl5pPr>
+            <a:lvl6pPr marL="1100000" indent="-228600" algn="l" defTabSz="914400" rtl="0" eaLnBrk="1" latinLnBrk="0" hangingPunct="1">
+              <a:lnSpc>
+                <a:spcPct val="90000"/>
+              </a:lnSpc>
+              <a:spcBef>
+                <a:spcPts val="200"/>
+              </a:spcBef>
+              <a:spcAft>
+                <a:spcPts val="400"/>
+              </a:spcAft>
+              <a:buClr>
+                <a:schemeClr val="accent1"/>
+              </a:buClr>
+              <a:buFont typeface="Calibri" pitchFamily="34" charset="0"/>
+              <a:buChar char="◦"/>
+              <a:defRPr sz="1400" kern="1200">
+                <a:solidFill>
+                  <a:schemeClr val="tx1">
+                    <a:lumMod val="75000"/>
+                    <a:lumOff val="25000"/>
+                  </a:schemeClr>
+                </a:solidFill>
+                <a:latin typeface="+mn-lt"/>
+                <a:ea typeface="+mn-ea"/>
+                <a:cs typeface="+mn-cs"/>
+              </a:defRPr>
+            </a:lvl6pPr>
+            <a:lvl7pPr marL="1300000" indent="-228600" algn="l" defTabSz="914400" rtl="0" eaLnBrk="1" latinLnBrk="0" hangingPunct="1">
+              <a:lnSpc>
+                <a:spcPct val="90000"/>
+              </a:lnSpc>
+              <a:spcBef>
+                <a:spcPts val="200"/>
+              </a:spcBef>
+              <a:spcAft>
+                <a:spcPts val="400"/>
+              </a:spcAft>
+              <a:buClr>
+                <a:schemeClr val="accent1"/>
+              </a:buClr>
+              <a:buFont typeface="Calibri" pitchFamily="34" charset="0"/>
+              <a:buChar char="◦"/>
+              <a:defRPr sz="1400" kern="1200">
+                <a:solidFill>
+                  <a:schemeClr val="tx1">
+                    <a:lumMod val="75000"/>
+                    <a:lumOff val="25000"/>
+                  </a:schemeClr>
+                </a:solidFill>
+                <a:latin typeface="+mn-lt"/>
+                <a:ea typeface="+mn-ea"/>
+                <a:cs typeface="+mn-cs"/>
+              </a:defRPr>
+            </a:lvl7pPr>
+            <a:lvl8pPr marL="1500000" indent="-228600" algn="l" defTabSz="914400" rtl="0" eaLnBrk="1" latinLnBrk="0" hangingPunct="1">
+              <a:lnSpc>
+                <a:spcPct val="90000"/>
+              </a:lnSpc>
+              <a:spcBef>
+                <a:spcPts val="200"/>
+              </a:spcBef>
+              <a:spcAft>
+                <a:spcPts val="400"/>
+              </a:spcAft>
+              <a:buClr>
+                <a:schemeClr val="accent1"/>
+              </a:buClr>
+              <a:buFont typeface="Calibri" pitchFamily="34" charset="0"/>
+              <a:buChar char="◦"/>
+              <a:defRPr sz="1400" kern="1200">
+                <a:solidFill>
+                  <a:schemeClr val="tx1">
+                    <a:lumMod val="75000"/>
+                    <a:lumOff val="25000"/>
+                  </a:schemeClr>
+                </a:solidFill>
+                <a:latin typeface="+mn-lt"/>
+                <a:ea typeface="+mn-ea"/>
+                <a:cs typeface="+mn-cs"/>
+              </a:defRPr>
+            </a:lvl8pPr>
+            <a:lvl9pPr marL="1700000" indent="-228600" algn="l" defTabSz="914400" rtl="0" eaLnBrk="1" latinLnBrk="0" hangingPunct="1">
+              <a:lnSpc>
+                <a:spcPct val="90000"/>
+              </a:lnSpc>
+              <a:spcBef>
+                <a:spcPts val="200"/>
+              </a:spcBef>
+              <a:spcAft>
+                <a:spcPts val="400"/>
+              </a:spcAft>
+              <a:buClr>
+                <a:schemeClr val="accent1"/>
+              </a:buClr>
+              <a:buFont typeface="Calibri" pitchFamily="34" charset="0"/>
+              <a:buChar char="◦"/>
+              <a:defRPr sz="1400" kern="1200">
+                <a:solidFill>
+                  <a:schemeClr val="tx1">
+                    <a:lumMod val="75000"/>
+                    <a:lumOff val="25000"/>
+                  </a:schemeClr>
+                </a:solidFill>
+                <a:latin typeface="+mn-lt"/>
+                <a:ea typeface="+mn-ea"/>
+                <a:cs typeface="+mn-cs"/>
+              </a:defRPr>
+            </a:lvl9pPr>
+          </a:lstStyle>
+          <a:p>
+            <a:pPr>
+              <a:lnSpc>
+                <a:spcPct val="100000"/>
+              </a:lnSpc>
+            </a:pPr>
+            <a:r>
+              <a:rPr lang="en-US" sz="3000" dirty="0"/>
+              <a:t>Approximation:</a:t>
+            </a:r>
+          </a:p>
+          <a:p>
+            <a:pPr>
+              <a:lnSpc>
+                <a:spcPct val="100000"/>
+              </a:lnSpc>
+            </a:pPr>
+            <a:r>
+              <a:rPr lang="en-US" sz="3000" dirty="0"/>
+              <a:t>{1, 2, 5, 6, 7, 8, 9}</a:t>
+            </a:r>
+          </a:p>
+        </p:txBody>
+      </p:sp>
+      <p:pic>
+        <p:nvPicPr>
+          <p:cNvPr id="6" name="Picture 5">
+            <a:extLst>
+              <a:ext uri="{FF2B5EF4-FFF2-40B4-BE49-F238E27FC236}">
+                <a16:creationId xmlns:a16="http://schemas.microsoft.com/office/drawing/2014/main" id="{2F985C05-BC15-2DC6-02FB-52A1C579F0F9}"/>
+              </a:ext>
+            </a:extLst>
+          </p:cNvPr>
+          <p:cNvPicPr>
+            <a:picLocks noChangeAspect="1"/>
+          </p:cNvPicPr>
+          <p:nvPr/>
+        </p:nvPicPr>
+        <p:blipFill>
+          <a:blip r:embed="rId2"/>
+          <a:stretch>
+            <a:fillRect/>
+          </a:stretch>
+        </p:blipFill>
+        <p:spPr>
+          <a:xfrm>
+            <a:off x="5841908" y="309741"/>
+            <a:ext cx="4248743" cy="4305901"/>
+          </a:xfrm>
+          <a:prstGeom prst="rect">
+            <a:avLst/>
+          </a:prstGeom>
+        </p:spPr>
+      </p:pic>
+    </p:spTree>
+    <p:extLst>
+      <p:ext uri="{BB962C8B-B14F-4D97-AF65-F5344CB8AC3E}">
+        <p14:creationId xmlns:p14="http://schemas.microsoft.com/office/powerpoint/2010/main" val="1903942611"/>
+      </p:ext>
+    </p:extLst>
+  </p:cSld>
+  <p:clrMapOvr>
+    <a:masterClrMapping/>
+  </p:clrMapOvr>
+</p:sld>
+</file>
+
+<file path=ppt/slides/slide9.xml><?xml version="1.0" encoding="utf-8"?>
+<p:sld xmlns:a="http://schemas.openxmlformats.org/drawingml/2006/main" xmlns:r="http://schemas.openxmlformats.org/officeDocument/2006/relationships" xmlns:p="http://schemas.openxmlformats.org/presentationml/2006/main">
+  <p:cSld>
+    <p:spTree>
+      <p:nvGrpSpPr>
+        <p:cNvPr id="1" name="">
+          <a:extLst>
+            <a:ext uri="{FF2B5EF4-FFF2-40B4-BE49-F238E27FC236}">
+              <a16:creationId xmlns:a16="http://schemas.microsoft.com/office/drawing/2014/main" id="{EB2C44A9-B046-5EC9-55B4-0C500487D7F2}"/>
+            </a:ext>
+          </a:extLst>
+        </p:cNvPr>
+        <p:cNvGrpSpPr/>
+        <p:nvPr/>
+      </p:nvGrpSpPr>
+      <p:grpSpPr>
+        <a:xfrm>
+          <a:off x="0" y="0"/>
+          <a:ext cx="0" cy="0"/>
+          <a:chOff x="0" y="0"/>
+          <a:chExt cx="0" cy="0"/>
+        </a:xfrm>
+      </p:grpSpPr>
+      <p:sp>
+        <p:nvSpPr>
+          <p:cNvPr id="2" name="Title 1">
+            <a:extLst>
+              <a:ext uri="{FF2B5EF4-FFF2-40B4-BE49-F238E27FC236}">
+                <a16:creationId xmlns:a16="http://schemas.microsoft.com/office/drawing/2014/main" id="{CC668ADD-4C75-028F-A413-35CA5BE6C996}"/>
+              </a:ext>
+            </a:extLst>
+          </p:cNvPr>
+          <p:cNvSpPr>
+            <a:spLocks noGrp="1"/>
+          </p:cNvSpPr>
+          <p:nvPr>
+            <p:ph type="title"/>
+          </p:nvPr>
+        </p:nvSpPr>
+        <p:spPr/>
+        <p:txBody>
+          <a:bodyPr/>
+          <a:lstStyle/>
+          <a:p>
+            <a:r>
+              <a:rPr lang="en-US" dirty="0"/>
+              <a:t>Comparing Test Results</a:t>
+            </a:r>
+          </a:p>
+        </p:txBody>
+      </p:sp>
+      <p:sp>
+        <p:nvSpPr>
+          <p:cNvPr id="3" name="Content Placeholder 2">
+            <a:extLst>
+              <a:ext uri="{FF2B5EF4-FFF2-40B4-BE49-F238E27FC236}">
+                <a16:creationId xmlns:a16="http://schemas.microsoft.com/office/drawing/2014/main" id="{62CC1C46-C020-7ADF-8E28-27DD0BE8906D}"/>
+              </a:ext>
+            </a:extLst>
+          </p:cNvPr>
+          <p:cNvSpPr>
+            <a:spLocks noGrp="1"/>
+          </p:cNvSpPr>
+          <p:nvPr>
+            <p:ph idx="1"/>
+          </p:nvPr>
+        </p:nvSpPr>
+        <p:spPr>
+          <a:xfrm>
+            <a:off x="8490451" y="4776627"/>
+            <a:ext cx="3200400" cy="1325366"/>
+          </a:xfrm>
+        </p:spPr>
+        <p:txBody>
+          <a:bodyPr>
+            <a:normAutofit/>
+          </a:bodyPr>
+          <a:lstStyle/>
+          <a:p>
+            <a:pPr>
+              <a:lnSpc>
+                <a:spcPct val="100000"/>
+              </a:lnSpc>
+            </a:pPr>
+            <a:r>
+              <a:rPr lang="en-US" sz="3000" dirty="0"/>
+              <a:t>Exact:</a:t>
+            </a:r>
+          </a:p>
+          <a:p>
+            <a:pPr>
+              <a:lnSpc>
+                <a:spcPct val="100000"/>
+              </a:lnSpc>
+            </a:pPr>
+            <a:r>
+              <a:rPr lang="en-US" sz="3000" dirty="0"/>
+              <a:t>{2, 3, 4}</a:t>
+            </a:r>
+          </a:p>
+        </p:txBody>
+      </p:sp>
+      <p:sp>
+        <p:nvSpPr>
+          <p:cNvPr id="4" name="Text Placeholder 3">
+            <a:extLst>
+              <a:ext uri="{FF2B5EF4-FFF2-40B4-BE49-F238E27FC236}">
+                <a16:creationId xmlns:a16="http://schemas.microsoft.com/office/drawing/2014/main" id="{B97F9CC9-4CE9-343C-DF0F-A2CD4F339CC8}"/>
+              </a:ext>
+            </a:extLst>
+          </p:cNvPr>
+          <p:cNvSpPr>
+            <a:spLocks noGrp="1"/>
+          </p:cNvSpPr>
+          <p:nvPr>
+            <p:ph type="body" sz="half" idx="2"/>
+          </p:nvPr>
+        </p:nvSpPr>
+        <p:spPr/>
+        <p:txBody>
+          <a:bodyPr>
+            <a:normAutofit/>
+          </a:bodyPr>
+          <a:lstStyle/>
+          <a:p>
+            <a:r>
+              <a:rPr lang="en-US" sz="4000" dirty="0"/>
+              <a:t>Non-Optimal</a:t>
+            </a:r>
+          </a:p>
+        </p:txBody>
+      </p:sp>
+      <p:sp>
+        <p:nvSpPr>
+          <p:cNvPr id="11" name="Content Placeholder 2">
+            <a:extLst>
+              <a:ext uri="{FF2B5EF4-FFF2-40B4-BE49-F238E27FC236}">
+                <a16:creationId xmlns:a16="http://schemas.microsoft.com/office/drawing/2014/main" id="{3F6D8395-FDE0-EFD2-0675-952633F6D17C}"/>
+              </a:ext>
+            </a:extLst>
+          </p:cNvPr>
+          <p:cNvSpPr txBox="1">
+            <a:spLocks/>
+          </p:cNvSpPr>
+          <p:nvPr/>
+        </p:nvSpPr>
+        <p:spPr>
+          <a:xfrm>
+            <a:off x="4675597" y="4863529"/>
+            <a:ext cx="3200400" cy="1151562"/>
+          </a:xfrm>
+          <a:prstGeom prst="rect">
+            <a:avLst/>
+          </a:prstGeom>
+        </p:spPr>
+        <p:txBody>
+          <a:bodyPr vert="horz" lIns="0" tIns="45720" rIns="0" bIns="45720" rtlCol="0">
+            <a:normAutofit lnSpcReduction="10000"/>
+          </a:bodyPr>
+          <a:lstStyle>
+            <a:lvl1pPr marL="91440" indent="-91440" algn="l" defTabSz="914400" rtl="0" eaLnBrk="1" latinLnBrk="0" hangingPunct="1">
+              <a:lnSpc>
+                <a:spcPct val="90000"/>
+              </a:lnSpc>
+              <a:spcBef>
+                <a:spcPts val="1200"/>
+              </a:spcBef>
+              <a:spcAft>
+                <a:spcPts val="200"/>
+              </a:spcAft>
+              <a:buClr>
+                <a:schemeClr val="accent1"/>
+              </a:buClr>
+              <a:buSzPct val="100000"/>
+              <a:buFont typeface="Calibri" panose="020F0502020204030204" pitchFamily="34" charset="0"/>
+              <a:buChar char=" "/>
+              <a:defRPr sz="2000" kern="1200">
+                <a:solidFill>
+                  <a:schemeClr val="tx1">
+                    <a:lumMod val="75000"/>
+                    <a:lumOff val="25000"/>
+                  </a:schemeClr>
+                </a:solidFill>
+                <a:latin typeface="+mn-lt"/>
+                <a:ea typeface="+mn-ea"/>
+                <a:cs typeface="+mn-cs"/>
+              </a:defRPr>
+            </a:lvl1pPr>
+            <a:lvl2pPr marL="384048" indent="-182880" algn="l" defTabSz="914400" rtl="0" eaLnBrk="1" latinLnBrk="0" hangingPunct="1">
+              <a:lnSpc>
+                <a:spcPct val="90000"/>
+              </a:lnSpc>
+              <a:spcBef>
+                <a:spcPts val="200"/>
+              </a:spcBef>
+              <a:spcAft>
+                <a:spcPts val="400"/>
+              </a:spcAft>
+              <a:buClr>
+                <a:schemeClr val="accent1"/>
+              </a:buClr>
+              <a:buFont typeface="Calibri" pitchFamily="34" charset="0"/>
+              <a:buChar char="◦"/>
+              <a:defRPr sz="1800" kern="1200">
+                <a:solidFill>
+                  <a:schemeClr val="tx1">
+                    <a:lumMod val="75000"/>
+                    <a:lumOff val="25000"/>
+                  </a:schemeClr>
+                </a:solidFill>
+                <a:latin typeface="+mn-lt"/>
+                <a:ea typeface="+mn-ea"/>
+                <a:cs typeface="+mn-cs"/>
+              </a:defRPr>
+            </a:lvl2pPr>
+            <a:lvl3pPr marL="566928" indent="-182880" algn="l" defTabSz="914400" rtl="0" eaLnBrk="1" latinLnBrk="0" hangingPunct="1">
+              <a:lnSpc>
+                <a:spcPct val="90000"/>
+              </a:lnSpc>
+              <a:spcBef>
+                <a:spcPts val="200"/>
+              </a:spcBef>
+              <a:spcAft>
+                <a:spcPts val="400"/>
+              </a:spcAft>
+              <a:buClr>
+                <a:schemeClr val="accent1"/>
+              </a:buClr>
+              <a:buFont typeface="Calibri" pitchFamily="34" charset="0"/>
+              <a:buChar char="◦"/>
+              <a:defRPr sz="1400" kern="1200">
+                <a:solidFill>
+                  <a:schemeClr val="tx1">
+                    <a:lumMod val="75000"/>
+                    <a:lumOff val="25000"/>
+                  </a:schemeClr>
+                </a:solidFill>
+                <a:latin typeface="+mn-lt"/>
+                <a:ea typeface="+mn-ea"/>
+                <a:cs typeface="+mn-cs"/>
+              </a:defRPr>
+            </a:lvl3pPr>
+            <a:lvl4pPr marL="749808" indent="-182880" algn="l" defTabSz="914400" rtl="0" eaLnBrk="1" latinLnBrk="0" hangingPunct="1">
+              <a:lnSpc>
+                <a:spcPct val="90000"/>
+              </a:lnSpc>
+              <a:spcBef>
+                <a:spcPts val="200"/>
+              </a:spcBef>
+              <a:spcAft>
+                <a:spcPts val="400"/>
+              </a:spcAft>
+              <a:buClr>
+                <a:schemeClr val="accent1"/>
+              </a:buClr>
+              <a:buFont typeface="Calibri" pitchFamily="34" charset="0"/>
+              <a:buChar char="◦"/>
+              <a:defRPr sz="1400" kern="1200">
+                <a:solidFill>
+                  <a:schemeClr val="tx1">
+                    <a:lumMod val="75000"/>
+                    <a:lumOff val="25000"/>
+                  </a:schemeClr>
+                </a:solidFill>
+                <a:latin typeface="+mn-lt"/>
+                <a:ea typeface="+mn-ea"/>
+                <a:cs typeface="+mn-cs"/>
+              </a:defRPr>
+            </a:lvl4pPr>
+            <a:lvl5pPr marL="932688" indent="-182880" algn="l" defTabSz="914400" rtl="0" eaLnBrk="1" latinLnBrk="0" hangingPunct="1">
+              <a:lnSpc>
+                <a:spcPct val="90000"/>
+              </a:lnSpc>
+              <a:spcBef>
+                <a:spcPts val="200"/>
+              </a:spcBef>
+              <a:spcAft>
+                <a:spcPts val="400"/>
+              </a:spcAft>
+              <a:buClr>
+                <a:schemeClr val="accent1"/>
+              </a:buClr>
+              <a:buFont typeface="Calibri" pitchFamily="34" charset="0"/>
+              <a:buChar char="◦"/>
+              <a:defRPr sz="1400" kern="1200">
+                <a:solidFill>
+                  <a:schemeClr val="tx1">
+                    <a:lumMod val="75000"/>
+                    <a:lumOff val="25000"/>
+                  </a:schemeClr>
+                </a:solidFill>
+                <a:latin typeface="+mn-lt"/>
+                <a:ea typeface="+mn-ea"/>
+                <a:cs typeface="+mn-cs"/>
+              </a:defRPr>
+            </a:lvl5pPr>
+            <a:lvl6pPr marL="1100000" indent="-228600" algn="l" defTabSz="914400" rtl="0" eaLnBrk="1" latinLnBrk="0" hangingPunct="1">
+              <a:lnSpc>
+                <a:spcPct val="90000"/>
+              </a:lnSpc>
+              <a:spcBef>
+                <a:spcPts val="200"/>
+              </a:spcBef>
+              <a:spcAft>
+                <a:spcPts val="400"/>
+              </a:spcAft>
+              <a:buClr>
+                <a:schemeClr val="accent1"/>
+              </a:buClr>
+              <a:buFont typeface="Calibri" pitchFamily="34" charset="0"/>
+              <a:buChar char="◦"/>
+              <a:defRPr sz="1400" kern="1200">
+                <a:solidFill>
+                  <a:schemeClr val="tx1">
+                    <a:lumMod val="75000"/>
+                    <a:lumOff val="25000"/>
+                  </a:schemeClr>
+                </a:solidFill>
+                <a:latin typeface="+mn-lt"/>
+                <a:ea typeface="+mn-ea"/>
+                <a:cs typeface="+mn-cs"/>
+              </a:defRPr>
+            </a:lvl6pPr>
+            <a:lvl7pPr marL="1300000" indent="-228600" algn="l" defTabSz="914400" rtl="0" eaLnBrk="1" latinLnBrk="0" hangingPunct="1">
+              <a:lnSpc>
+                <a:spcPct val="90000"/>
+              </a:lnSpc>
+              <a:spcBef>
+                <a:spcPts val="200"/>
+              </a:spcBef>
+              <a:spcAft>
+                <a:spcPts val="400"/>
+              </a:spcAft>
+              <a:buClr>
+                <a:schemeClr val="accent1"/>
+              </a:buClr>
+              <a:buFont typeface="Calibri" pitchFamily="34" charset="0"/>
+              <a:buChar char="◦"/>
+              <a:defRPr sz="1400" kern="1200">
+                <a:solidFill>
+                  <a:schemeClr val="tx1">
+                    <a:lumMod val="75000"/>
+                    <a:lumOff val="25000"/>
+                  </a:schemeClr>
+                </a:solidFill>
+                <a:latin typeface="+mn-lt"/>
+                <a:ea typeface="+mn-ea"/>
+                <a:cs typeface="+mn-cs"/>
+              </a:defRPr>
+            </a:lvl7pPr>
+            <a:lvl8pPr marL="1500000" indent="-228600" algn="l" defTabSz="914400" rtl="0" eaLnBrk="1" latinLnBrk="0" hangingPunct="1">
+              <a:lnSpc>
+                <a:spcPct val="90000"/>
+              </a:lnSpc>
+              <a:spcBef>
+                <a:spcPts val="200"/>
+              </a:spcBef>
+              <a:spcAft>
+                <a:spcPts val="400"/>
+              </a:spcAft>
+              <a:buClr>
+                <a:schemeClr val="accent1"/>
+              </a:buClr>
+              <a:buFont typeface="Calibri" pitchFamily="34" charset="0"/>
+              <a:buChar char="◦"/>
+              <a:defRPr sz="1400" kern="1200">
+                <a:solidFill>
+                  <a:schemeClr val="tx1">
+                    <a:lumMod val="75000"/>
+                    <a:lumOff val="25000"/>
+                  </a:schemeClr>
+                </a:solidFill>
+                <a:latin typeface="+mn-lt"/>
+                <a:ea typeface="+mn-ea"/>
+                <a:cs typeface="+mn-cs"/>
+              </a:defRPr>
+            </a:lvl8pPr>
+            <a:lvl9pPr marL="1700000" indent="-228600" algn="l" defTabSz="914400" rtl="0" eaLnBrk="1" latinLnBrk="0" hangingPunct="1">
+              <a:lnSpc>
+                <a:spcPct val="90000"/>
+              </a:lnSpc>
+              <a:spcBef>
+                <a:spcPts val="200"/>
+              </a:spcBef>
+              <a:spcAft>
+                <a:spcPts val="400"/>
+              </a:spcAft>
+              <a:buClr>
+                <a:schemeClr val="accent1"/>
+              </a:buClr>
+              <a:buFont typeface="Calibri" pitchFamily="34" charset="0"/>
+              <a:buChar char="◦"/>
+              <a:defRPr sz="1400" kern="1200">
+                <a:solidFill>
+                  <a:schemeClr val="tx1">
+                    <a:lumMod val="75000"/>
+                    <a:lumOff val="25000"/>
+                  </a:schemeClr>
+                </a:solidFill>
+                <a:latin typeface="+mn-lt"/>
+                <a:ea typeface="+mn-ea"/>
+                <a:cs typeface="+mn-cs"/>
+              </a:defRPr>
+            </a:lvl9pPr>
+          </a:lstStyle>
+          <a:p>
+            <a:pPr>
+              <a:lnSpc>
+                <a:spcPct val="100000"/>
+              </a:lnSpc>
+            </a:pPr>
+            <a:r>
+              <a:rPr lang="en-US" sz="3000" dirty="0"/>
+              <a:t>Approximation:</a:t>
+            </a:r>
+          </a:p>
+          <a:p>
+            <a:pPr>
+              <a:lnSpc>
+                <a:spcPct val="100000"/>
+              </a:lnSpc>
+            </a:pPr>
+            <a:r>
+              <a:rPr lang="en-US" sz="3000" dirty="0"/>
+              <a:t>{1, 5, 6, 7}</a:t>
+            </a:r>
+          </a:p>
+        </p:txBody>
+      </p:sp>
+      <p:pic>
+        <p:nvPicPr>
+          <p:cNvPr id="7" name="Picture 6">
+            <a:extLst>
+              <a:ext uri="{FF2B5EF4-FFF2-40B4-BE49-F238E27FC236}">
+                <a16:creationId xmlns:a16="http://schemas.microsoft.com/office/drawing/2014/main" id="{4AC1AE8A-6939-83CB-1E78-D8B961FBE563}"/>
+              </a:ext>
+            </a:extLst>
+          </p:cNvPr>
+          <p:cNvPicPr>
+            <a:picLocks noChangeAspect="1"/>
+          </p:cNvPicPr>
+          <p:nvPr/>
+        </p:nvPicPr>
+        <p:blipFill>
+          <a:blip r:embed="rId2"/>
+          <a:stretch>
+            <a:fillRect/>
+          </a:stretch>
+        </p:blipFill>
+        <p:spPr>
+          <a:xfrm>
+            <a:off x="4989310" y="455026"/>
+            <a:ext cx="6487430" cy="3543795"/>
+          </a:xfrm>
+          <a:prstGeom prst="rect">
+            <a:avLst/>
+          </a:prstGeom>
+        </p:spPr>
+      </p:pic>
+    </p:spTree>
+    <p:extLst>
+      <p:ext uri="{BB962C8B-B14F-4D97-AF65-F5344CB8AC3E}">
+        <p14:creationId xmlns:p14="http://schemas.microsoft.com/office/powerpoint/2010/main" val="1352218769"/>
+      </p:ext>
+    </p:extLst>
+  </p:cSld>
+  <p:clrMapOvr>
+    <a:masterClrMapping/>
+  </p:clrMapOvr>
+</p:sld>
+</file>
+
 <file path=ppt/theme/theme1.xml><?xml version="1.0" encoding="utf-8"?>
-<a:theme xmlns:a="http://schemas.openxmlformats.org/drawingml/2006/main" name="Office Theme">
+<a:theme xmlns:a="http://schemas.openxmlformats.org/drawingml/2006/main" name="Retrospect">
   <a:themeElements>
-    <a:clrScheme name="Office">
+    <a:clrScheme name="Retrospect">
       <a:dk1>
-        <a:sysClr val="windowText" lastClr="000000"/>
+        <a:srgbClr val="000000"/>
       </a:dk1>
       <a:lt1>
         <a:sysClr val="window" lastClr="FFFFFF"/>
       </a:lt1>
       <a:dk2>
-        <a:srgbClr val="44546A"/>
+        <a:srgbClr val="637052"/>
       </a:dk2>
       <a:lt2>
-        <a:srgbClr val="E7E6E6"/>
+        <a:srgbClr val="CCDDEA"/>
       </a:lt2>
       <a:accent1>
-        <a:srgbClr val="4472C4"/>
+        <a:srgbClr val="E48312"/>
       </a:accent1>
       <a:accent2>
-        <a:srgbClr val="ED7D31"/>
+        <a:srgbClr val="BD582C"/>
       </a:accent2>
       <a:accent3>
-        <a:srgbClr val="A5A5A5"/>
+        <a:srgbClr val="865640"/>
       </a:accent3>
       <a:accent4>
-        <a:srgbClr val="FFC000"/>
+        <a:srgbClr val="9B8357"/>
       </a:accent4>
       <a:accent5>
-        <a:srgbClr val="5B9BD5"/>
+        <a:srgbClr val="C2BC80"/>
       </a:accent5>
       <a:accent6>
-        <a:srgbClr val="70AD47"/>
+        <a:srgbClr val="94A088"/>
       </a:accent6>
       <a:hlink>
-        <a:srgbClr val="0563C1"/>
+        <a:srgbClr val="2998E3"/>
       </a:hlink>
       <a:folHlink>
-        <a:srgbClr val="954F72"/>
+        <a:srgbClr val="8C8C8C"/>
       </a:folHlink>
     </a:clrScheme>
-    <a:fontScheme name="Office">
+    <a:fontScheme name="Retrospect">
       <a:majorFont>
         <a:latin typeface="Calibri Light" panose="020F0302020204030204"/>
         <a:ea typeface=""/>
         <a:cs typeface=""/>
-        <a:font script="Jpan" typeface="游ゴシック Light"/>
+        <a:font script="Jpan" typeface="ＭＳ Ｐゴシック"/>
         <a:font script="Hang" typeface="맑은 고딕"/>
-        <a:font script="Hans" typeface="等线 Light"/>
+        <a:font script="Hans" typeface="宋体"/>
         <a:font script="Hant" typeface="新細明體"/>
         <a:font script="Arab" typeface="Times New Roman"/>
         <a:font script="Hebr" typeface="Times New Roman"/>
@@ -3481,31 +7203,14 @@
         <a:font script="Viet" typeface="Times New Roman"/>
         <a:font script="Uigh" typeface="Microsoft Uighur"/>
         <a:font script="Geor" typeface="Sylfaen"/>
-        <a:font script="Armn" typeface="Arial"/>
-        <a:font script="Bugi" typeface="Leelawadee UI"/>
-        <a:font script="Bopo" typeface="Microsoft JhengHei"/>
-        <a:font script="Java" typeface="Javanese Text"/>
-        <a:font script="Lisu" typeface="Segoe UI"/>
-        <a:font script="Mymr" typeface="Myanmar Text"/>
-        <a:font script="Nkoo" typeface="Ebrima"/>
-        <a:font script="Olck" typeface="Nirmala UI"/>
-        <a:font script="Osma" typeface="Ebrima"/>
-        <a:font script="Phag" typeface="Phagspa"/>
-        <a:font script="Syrn" typeface="Estrangelo Edessa"/>
-        <a:font script="Syrj" typeface="Estrangelo Edessa"/>
-        <a:font script="Syre" typeface="Estrangelo Edessa"/>
-        <a:font script="Sora" typeface="Nirmala UI"/>
-        <a:font script="Tale" typeface="Microsoft Tai Le"/>
-        <a:font script="Talu" typeface="Microsoft New Tai Lue"/>
-        <a:font script="Tfng" typeface="Ebrima"/>
       </a:majorFont>
       <a:minorFont>
         <a:latin typeface="Calibri" panose="020F0502020204030204"/>
         <a:ea typeface=""/>
         <a:cs typeface=""/>
-        <a:font script="Jpan" typeface="游ゴシック"/>
+        <a:font script="Jpan" typeface="ＭＳ Ｐゴシック"/>
         <a:font script="Hang" typeface="맑은 고딕"/>
-        <a:font script="Hans" typeface="等线"/>
+        <a:font script="Hans" typeface="宋体"/>
         <a:font script="Hant" typeface="新細明體"/>
         <a:font script="Arab" typeface="Arial"/>
         <a:font script="Hebr" typeface="Arial"/>
@@ -3533,26 +7238,9 @@
         <a:font script="Viet" typeface="Arial"/>
         <a:font script="Uigh" typeface="Microsoft Uighur"/>
         <a:font script="Geor" typeface="Sylfaen"/>
-        <a:font script="Armn" typeface="Arial"/>
-        <a:font script="Bugi" typeface="Leelawadee UI"/>
-        <a:font script="Bopo" typeface="Microsoft JhengHei"/>
-        <a:font script="Java" typeface="Javanese Text"/>
-        <a:font script="Lisu" typeface="Segoe UI"/>
-        <a:font script="Mymr" typeface="Myanmar Text"/>
-        <a:font script="Nkoo" typeface="Ebrima"/>
-        <a:font script="Olck" typeface="Nirmala UI"/>
-        <a:font script="Osma" typeface="Ebrima"/>
-        <a:font script="Phag" typeface="Phagspa"/>
-        <a:font script="Syrn" typeface="Estrangelo Edessa"/>
-        <a:font script="Syrj" typeface="Estrangelo Edessa"/>
-        <a:font script="Syre" typeface="Estrangelo Edessa"/>
-        <a:font script="Sora" typeface="Nirmala UI"/>
-        <a:font script="Tale" typeface="Microsoft Tai Le"/>
-        <a:font script="Talu" typeface="Microsoft New Tai Lue"/>
-        <a:font script="Tfng" typeface="Ebrima"/>
       </a:minorFont>
     </a:fontScheme>
-    <a:fmtScheme name="Office">
+    <a:fmtScheme name="Retrospect">
       <a:fillStyleLst>
         <a:solidFill>
           <a:schemeClr val="phClr"/>
@@ -3561,76 +7249,81 @@
           <a:gsLst>
             <a:gs pos="0">
               <a:schemeClr val="phClr">
-                <a:lumMod val="110000"/>
-                <a:satMod val="105000"/>
-                <a:tint val="67000"/>
+                <a:tint val="65000"/>
+                <a:shade val="92000"/>
+                <a:satMod val="130000"/>
               </a:schemeClr>
             </a:gs>
-            <a:gs pos="50000">
+            <a:gs pos="45000">
               <a:schemeClr val="phClr">
-                <a:lumMod val="105000"/>
-                <a:satMod val="103000"/>
-                <a:tint val="73000"/>
+                <a:tint val="60000"/>
+                <a:shade val="99000"/>
+                <a:satMod val="120000"/>
               </a:schemeClr>
             </a:gs>
             <a:gs pos="100000">
               <a:schemeClr val="phClr">
-                <a:lumMod val="105000"/>
-                <a:satMod val="109000"/>
-                <a:tint val="81000"/>
+                <a:tint val="55000"/>
+                <a:satMod val="140000"/>
               </a:schemeClr>
             </a:gs>
           </a:gsLst>
-          <a:lin ang="5400000" scaled="0"/>
+          <a:path path="circle">
+            <a:fillToRect l="100000" t="100000" r="100000" b="100000"/>
+          </a:path>
         </a:gradFill>
         <a:gradFill rotWithShape="1">
           <a:gsLst>
             <a:gs pos="0">
               <a:schemeClr val="phClr">
-                <a:satMod val="103000"/>
-                <a:lumMod val="102000"/>
-                <a:tint val="94000"/>
+                <a:shade val="85000"/>
+                <a:satMod val="130000"/>
               </a:schemeClr>
             </a:gs>
-            <a:gs pos="50000">
+            <a:gs pos="34000">
               <a:schemeClr val="phClr">
-                <a:satMod val="110000"/>
-                <a:lumMod val="100000"/>
-                <a:shade val="100000"/>
+                <a:shade val="87000"/>
+                <a:satMod val="125000"/>
+              </a:schemeClr>
+            </a:gs>
+            <a:gs pos="70000">
+              <a:schemeClr val="phClr">
+                <a:tint val="100000"/>
+                <a:shade val="90000"/>
+                <a:satMod val="130000"/>
               </a:schemeClr>
             </a:gs>
             <a:gs pos="100000">
               <a:schemeClr val="phClr">
-                <a:lumMod val="99000"/>
-                <a:satMod val="120000"/>
-                <a:shade val="78000"/>
+                <a:tint val="100000"/>
+                <a:shade val="100000"/>
+                <a:satMod val="110000"/>
               </a:schemeClr>
             </a:gs>
           </a:gsLst>
-          <a:lin ang="5400000" scaled="0"/>
+          <a:path path="circle">
+            <a:fillToRect l="100000" t="100000" r="100000" b="100000"/>
+          </a:path>
         </a:gradFill>
       </a:fillStyleLst>
       <a:lnStyleLst>
-        <a:ln w="6350" cap="flat" cmpd="sng" algn="ctr">
-          <a:solidFill>
-            <a:schemeClr val="phClr"/>
-          </a:solidFill>
-          <a:prstDash val="solid"/>
-          <a:miter lim="800000"/>
-        </a:ln>
         <a:ln w="12700" cap="flat" cmpd="sng" algn="ctr">
           <a:solidFill>
             <a:schemeClr val="phClr"/>
           </a:solidFill>
           <a:prstDash val="solid"/>
-          <a:miter lim="800000"/>
         </a:ln>
-        <a:ln w="19050" cap="flat" cmpd="sng" algn="ctr">
+        <a:ln w="15875" cap="flat" cmpd="sng" algn="ctr">
           <a:solidFill>
             <a:schemeClr val="phClr"/>
           </a:solidFill>
           <a:prstDash val="solid"/>
-          <a:miter lim="800000"/>
+        </a:ln>
+        <a:ln w="25400" cap="flat" cmpd="sng" algn="ctr">
+          <a:solidFill>
+            <a:schemeClr val="phClr"/>
+          </a:solidFill>
+          <a:prstDash val="solid"/>
         </a:ln>
       </a:lnStyleLst>
       <a:effectStyleLst>
@@ -3638,16 +7331,33 @@
           <a:effectLst/>
         </a:effectStyle>
         <a:effectStyle>
-          <a:effectLst/>
+          <a:effectLst>
+            <a:outerShdw blurRad="38100" dist="25400" dir="2700000" algn="br" rotWithShape="0">
+              <a:srgbClr val="000000">
+                <a:alpha val="60000"/>
+              </a:srgbClr>
+            </a:outerShdw>
+          </a:effectLst>
         </a:effectStyle>
         <a:effectStyle>
           <a:effectLst>
-            <a:outerShdw blurRad="57150" dist="19050" dir="5400000" algn="ctr" rotWithShape="0">
+            <a:outerShdw blurRad="44450" dist="25400" dir="2700000" algn="br" rotWithShape="0">
               <a:srgbClr val="000000">
-                <a:alpha val="63000"/>
+                <a:alpha val="60000"/>
               </a:srgbClr>
             </a:outerShdw>
           </a:effectLst>
+          <a:scene3d>
+            <a:camera prst="orthographicFront">
+              <a:rot lat="0" lon="0" rev="0"/>
+            </a:camera>
+            <a:lightRig rig="threePt" dir="t">
+              <a:rot lat="0" lon="0" rev="19800000"/>
+            </a:lightRig>
+          </a:scene3d>
+          <a:sp3d prstMaterial="flat">
+            <a:bevelT w="25400" h="31750"/>
+          </a:sp3d>
         </a:effectStyle>
       </a:effectStyleLst>
       <a:bgFillStyleLst>
@@ -3656,36 +7366,36 @@
         </a:solidFill>
         <a:solidFill>
           <a:schemeClr val="phClr">
-            <a:tint val="95000"/>
-            <a:satMod val="170000"/>
+            <a:tint val="90000"/>
+            <a:shade val="97000"/>
+            <a:satMod val="130000"/>
           </a:schemeClr>
         </a:solidFill>
         <a:gradFill rotWithShape="1">
           <a:gsLst>
             <a:gs pos="0">
               <a:schemeClr val="phClr">
-                <a:tint val="93000"/>
-                <a:satMod val="150000"/>
-                <a:shade val="98000"/>
-                <a:lumMod val="102000"/>
+                <a:tint val="96000"/>
+                <a:shade val="99000"/>
+                <a:satMod val="140000"/>
               </a:schemeClr>
             </a:gs>
-            <a:gs pos="50000">
+            <a:gs pos="65000">
               <a:schemeClr val="phClr">
-                <a:tint val="98000"/>
+                <a:tint val="100000"/>
+                <a:shade val="80000"/>
                 <a:satMod val="130000"/>
-                <a:shade val="90000"/>
-                <a:lumMod val="103000"/>
               </a:schemeClr>
             </a:gs>
             <a:gs pos="100000">
               <a:schemeClr val="phClr">
-                <a:shade val="63000"/>
+                <a:tint val="100000"/>
+                <a:shade val="48000"/>
                 <a:satMod val="120000"/>
               </a:schemeClr>
             </a:gs>
           </a:gsLst>
-          <a:lin ang="5400000" scaled="0"/>
+          <a:lin ang="16200000" scaled="0"/>
         </a:gradFill>
       </a:bgFillStyleLst>
     </a:fmtScheme>
@@ -3694,7 +7404,7 @@
   <a:extraClrSchemeLst/>
   <a:extLst>
     <a:ext uri="{05A4C25C-085E-4340-85A3-A5531E510DB2}">
-      <thm15:themeFamily xmlns:thm15="http://schemas.microsoft.com/office/thememl/2012/main" name="Office Theme" id="{62F939B6-93AF-4DB8-9C6B-D6C7DFDC589F}" vid="{4A3C46E8-61CC-4603-A589-7422A47A8E4A}"/>
+      <thm15:themeFamily xmlns:thm15="http://schemas.microsoft.com/office/thememl/2012/main" name="Retrospect" id="{5F128B03-DCCA-4EEB-AB3B-CF2899314A46}" vid="{3F1AAB62-24C6-49D2-8E01-B56FAC9A3DCD}"/>
     </a:ext>
   </a:extLst>
 </a:theme>

--- a/approx_solution/presentation/approximation_presentation.pptx
+++ b/approx_solution/presentation/approximation_presentation.pptx
@@ -125,7 +125,7 @@
   <pc:docChgLst>
     <pc:chgData name="Luke Davis" userId="8f85ffe33d4baa21" providerId="LiveId" clId="{A8FC2011-CD90-4B49-A155-00C7FBC1E699}"/>
     <pc:docChg chg="undo custSel addSld modSld">
-      <pc:chgData name="Luke Davis" userId="8f85ffe33d4baa21" providerId="LiveId" clId="{A8FC2011-CD90-4B49-A155-00C7FBC1E699}" dt="2024-12-06T03:29:03.537" v="467" actId="1076"/>
+      <pc:chgData name="Luke Davis" userId="8f85ffe33d4baa21" providerId="LiveId" clId="{A8FC2011-CD90-4B49-A155-00C7FBC1E699}" dt="2024-12-06T13:36:45.571" v="486" actId="6549"/>
       <pc:docMkLst>
         <pc:docMk/>
       </pc:docMkLst>
@@ -316,7 +316,7 @@
         </pc:picChg>
       </pc:sldChg>
       <pc:sldChg chg="addSp delSp modSp add mod">
-        <pc:chgData name="Luke Davis" userId="8f85ffe33d4baa21" providerId="LiveId" clId="{A8FC2011-CD90-4B49-A155-00C7FBC1E699}" dt="2024-12-06T02:49:50.344" v="384" actId="1076"/>
+        <pc:chgData name="Luke Davis" userId="8f85ffe33d4baa21" providerId="LiveId" clId="{A8FC2011-CD90-4B49-A155-00C7FBC1E699}" dt="2024-12-06T13:36:26.822" v="481" actId="255"/>
         <pc:sldMkLst>
           <pc:docMk/>
           <pc:sldMk cId="1603588476" sldId="262"/>
@@ -338,7 +338,7 @@
           </ac:spMkLst>
         </pc:spChg>
         <pc:spChg chg="mod">
-          <ac:chgData name="Luke Davis" userId="8f85ffe33d4baa21" providerId="LiveId" clId="{A8FC2011-CD90-4B49-A155-00C7FBC1E699}" dt="2024-12-06T02:49:50.344" v="384" actId="1076"/>
+          <ac:chgData name="Luke Davis" userId="8f85ffe33d4baa21" providerId="LiveId" clId="{A8FC2011-CD90-4B49-A155-00C7FBC1E699}" dt="2024-12-06T13:36:26.822" v="481" actId="255"/>
           <ac:spMkLst>
             <pc:docMk/>
             <pc:sldMk cId="1603588476" sldId="262"/>
@@ -371,7 +371,7 @@
         </pc:picChg>
       </pc:sldChg>
       <pc:sldChg chg="addSp delSp modSp add mod">
-        <pc:chgData name="Luke Davis" userId="8f85ffe33d4baa21" providerId="LiveId" clId="{A8FC2011-CD90-4B49-A155-00C7FBC1E699}" dt="2024-12-06T02:54:56.886" v="398" actId="20577"/>
+        <pc:chgData name="Luke Davis" userId="8f85ffe33d4baa21" providerId="LiveId" clId="{A8FC2011-CD90-4B49-A155-00C7FBC1E699}" dt="2024-12-06T13:36:45.571" v="486" actId="6549"/>
         <pc:sldMkLst>
           <pc:docMk/>
           <pc:sldMk cId="1903942611" sldId="263"/>
@@ -393,7 +393,7 @@
           </ac:spMkLst>
         </pc:spChg>
         <pc:spChg chg="mod">
-          <ac:chgData name="Luke Davis" userId="8f85ffe33d4baa21" providerId="LiveId" clId="{A8FC2011-CD90-4B49-A155-00C7FBC1E699}" dt="2024-12-06T02:54:53.371" v="395"/>
+          <ac:chgData name="Luke Davis" userId="8f85ffe33d4baa21" providerId="LiveId" clId="{A8FC2011-CD90-4B49-A155-00C7FBC1E699}" dt="2024-12-06T13:36:45.571" v="486" actId="6549"/>
           <ac:spMkLst>
             <pc:docMk/>
             <pc:sldMk cId="1903942611" sldId="263"/>
@@ -703,7 +703,7 @@
           <a:p>
             <a:fld id="{85BF9358-3AEC-4E50-AD46-D7C937B91650}" type="datetimeFigureOut">
               <a:rPr lang="en-US" smtClean="0"/>
-              <a:t>12/5/2024</a:t>
+              <a:t>12/6/2024</a:t>
             </a:fld>
             <a:endParaRPr lang="en-US"/>
           </a:p>
@@ -911,7 +911,7 @@
           <a:p>
             <a:fld id="{85BF9358-3AEC-4E50-AD46-D7C937B91650}" type="datetimeFigureOut">
               <a:rPr lang="en-US" smtClean="0"/>
-              <a:t>12/5/2024</a:t>
+              <a:t>12/6/2024</a:t>
             </a:fld>
             <a:endParaRPr lang="en-US"/>
           </a:p>
@@ -1167,7 +1167,7 @@
           <a:p>
             <a:fld id="{85BF9358-3AEC-4E50-AD46-D7C937B91650}" type="datetimeFigureOut">
               <a:rPr lang="en-US" smtClean="0"/>
-              <a:t>12/5/2024</a:t>
+              <a:t>12/6/2024</a:t>
             </a:fld>
             <a:endParaRPr lang="en-US"/>
           </a:p>
@@ -1341,7 +1341,7 @@
           <a:p>
             <a:fld id="{85BF9358-3AEC-4E50-AD46-D7C937B91650}" type="datetimeFigureOut">
               <a:rPr lang="en-US" smtClean="0"/>
-              <a:t>12/5/2024</a:t>
+              <a:t>12/6/2024</a:t>
             </a:fld>
             <a:endParaRPr lang="en-US"/>
           </a:p>
@@ -1684,7 +1684,7 @@
           <a:p>
             <a:fld id="{85BF9358-3AEC-4E50-AD46-D7C937B91650}" type="datetimeFigureOut">
               <a:rPr lang="en-US" smtClean="0"/>
-              <a:t>12/5/2024</a:t>
+              <a:t>12/6/2024</a:t>
             </a:fld>
             <a:endParaRPr lang="en-US"/>
           </a:p>
@@ -1959,7 +1959,7 @@
           <a:p>
             <a:fld id="{85BF9358-3AEC-4E50-AD46-D7C937B91650}" type="datetimeFigureOut">
               <a:rPr lang="en-US" smtClean="0"/>
-              <a:t>12/5/2024</a:t>
+              <a:t>12/6/2024</a:t>
             </a:fld>
             <a:endParaRPr lang="en-US"/>
           </a:p>
@@ -2338,7 +2338,7 @@
           <a:p>
             <a:fld id="{85BF9358-3AEC-4E50-AD46-D7C937B91650}" type="datetimeFigureOut">
               <a:rPr lang="en-US" smtClean="0"/>
-              <a:t>12/5/2024</a:t>
+              <a:t>12/6/2024</a:t>
             </a:fld>
             <a:endParaRPr lang="en-US"/>
           </a:p>
@@ -2456,7 +2456,7 @@
           <a:p>
             <a:fld id="{85BF9358-3AEC-4E50-AD46-D7C937B91650}" type="datetimeFigureOut">
               <a:rPr lang="en-US" smtClean="0"/>
-              <a:t>12/5/2024</a:t>
+              <a:t>12/6/2024</a:t>
             </a:fld>
             <a:endParaRPr lang="en-US"/>
           </a:p>
@@ -2627,7 +2627,7 @@
           <a:p>
             <a:fld id="{85BF9358-3AEC-4E50-AD46-D7C937B91650}" type="datetimeFigureOut">
               <a:rPr lang="en-US" smtClean="0"/>
-              <a:t>12/5/2024</a:t>
+              <a:t>12/6/2024</a:t>
             </a:fld>
             <a:endParaRPr lang="en-US"/>
           </a:p>
@@ -2981,7 +2981,7 @@
           <a:p>
             <a:fld id="{85BF9358-3AEC-4E50-AD46-D7C937B91650}" type="datetimeFigureOut">
               <a:rPr lang="en-US" smtClean="0"/>
-              <a:t>12/5/2024</a:t>
+              <a:t>12/6/2024</a:t>
             </a:fld>
             <a:endParaRPr lang="en-US"/>
           </a:p>
@@ -3363,7 +3363,7 @@
           <a:p>
             <a:fld id="{85BF9358-3AEC-4E50-AD46-D7C937B91650}" type="datetimeFigureOut">
               <a:rPr lang="en-US" smtClean="0"/>
-              <a:t>12/5/2024</a:t>
+              <a:t>12/6/2024</a:t>
             </a:fld>
             <a:endParaRPr lang="en-US"/>
           </a:p>
@@ -3650,7 +3650,7 @@
           <a:p>
             <a:fld id="{85BF9358-3AEC-4E50-AD46-D7C937B91650}" type="datetimeFigureOut">
               <a:rPr lang="en-US" smtClean="0"/>
-              <a:t>12/5/2024</a:t>
+              <a:t>12/6/2024</a:t>
             </a:fld>
             <a:endParaRPr lang="en-US"/>
           </a:p>
@@ -5868,7 +5868,7 @@
         </p:spPr>
         <p:txBody>
           <a:bodyPr vert="horz" lIns="0" tIns="45720" rIns="0" bIns="45720" rtlCol="0">
-            <a:normAutofit lnSpcReduction="10000"/>
+            <a:noAutofit/>
           </a:bodyPr>
           <a:lstStyle>
             <a:lvl1pPr marL="91440" indent="-91440" algn="l" defTabSz="914400" rtl="0" eaLnBrk="1" latinLnBrk="0" hangingPunct="1">
@@ -6138,6 +6138,17 @@
               <a:t>{0, 1, 2}</a:t>
             </a:r>
           </a:p>
+          <a:p>
+            <a:pPr>
+              <a:lnSpc>
+                <a:spcPct val="100000"/>
+              </a:lnSpc>
+            </a:pPr>
+            <a:r>
+              <a:rPr lang="en-US" sz="3000" dirty="0"/>
+              <a:t>{3, 4, 5}</a:t>
+            </a:r>
+          </a:p>
         </p:txBody>
       </p:sp>
       <p:pic>
@@ -6340,7 +6351,7 @@
         </p:spPr>
         <p:txBody>
           <a:bodyPr vert="horz" lIns="0" tIns="45720" rIns="0" bIns="45720" rtlCol="0">
-            <a:normAutofit lnSpcReduction="10000"/>
+            <a:noAutofit/>
           </a:bodyPr>
           <a:lstStyle>
             <a:lvl1pPr marL="91440" indent="-91440" algn="l" defTabSz="914400" rtl="0" eaLnBrk="1" latinLnBrk="0" hangingPunct="1">
@@ -6609,6 +6620,34 @@
               <a:rPr lang="en-US" sz="3000" dirty="0"/>
               <a:t>{1, 2, 5, 6, 7, 8, 9}</a:t>
             </a:r>
+          </a:p>
+          <a:p>
+            <a:pPr>
+              <a:lnSpc>
+                <a:spcPct val="100000"/>
+              </a:lnSpc>
+            </a:pPr>
+            <a:r>
+              <a:rPr lang="en-US" sz="3000" b="0" i="0" u="none" strike="noStrike" dirty="0">
+                <a:solidFill>
+                  <a:srgbClr val="3F3F3F"/>
+                </a:solidFill>
+                <a:effectLst/>
+                <a:latin typeface="Calibri" panose="020F0502020204030204" pitchFamily="34" charset="0"/>
+              </a:rPr>
+              <a:t>{1, 3, 5, 6, 7, 8, </a:t>
+            </a:r>
+            <a:r>
+              <a:rPr lang="en-US" sz="3000" b="0" i="0" u="none" strike="noStrike">
+                <a:solidFill>
+                  <a:srgbClr val="3F3F3F"/>
+                </a:solidFill>
+                <a:effectLst/>
+                <a:latin typeface="Calibri" panose="020F0502020204030204" pitchFamily="34" charset="0"/>
+              </a:rPr>
+              <a:t>10}</a:t>
+            </a:r>
+            <a:endParaRPr lang="en-US" sz="3000" dirty="0"/>
           </a:p>
         </p:txBody>
       </p:sp>
